--- a/resources/week1/chapter2.pptx
+++ b/resources/week1/chapter2.pptx
@@ -345,7 +345,7 @@
             <a:fld id="{5A428748-0735-4DA9-A5A1-21108837A818}" type="datetimeFigureOut">
               <a:rPr lang="en-US" altLang="en-US"/>
               <a:pPr/>
-              <a:t>9/10/2020</a:t>
+              <a:t>10/1/20</a:t>
             </a:fld>
             <a:endParaRPr lang="en-US" altLang="en-US" dirty="0"/>
           </a:p>
@@ -473,6 +473,11 @@
         </p:txBody>
       </p:sp>
     </p:spTree>
+    <p:extLst>
+      <p:ext uri="{BB962C8B-B14F-4D97-AF65-F5344CB8AC3E}">
+        <p14:creationId xmlns:p14="http://schemas.microsoft.com/office/powerpoint/2010/main" val="1"/>
+      </p:ext>
+    </p:extLst>
   </p:cSld>
   <p:clrMap bg1="lt1" tx1="dk1" bg2="lt2" tx2="dk2" accent1="accent1" accent2="accent2" accent3="accent3" accent4="accent4" accent5="accent5" accent6="accent6" hlink="hlink" folHlink="folHlink"/>
 </p:handoutMaster>
@@ -1178,7 +1183,7 @@
           <a:lstStyle/>
           <a:p>
             <a:r>
-              <a:rPr lang="en-US" sz="1200" b="0" i="0" u="none" strike="noStrike" kern="1200" cap="none" dirty="0" smtClean="0">
+              <a:rPr lang="en-US" sz="1200" b="0" i="0" u="none" strike="noStrike" kern="1200" cap="none" dirty="0">
                 <a:solidFill>
                   <a:schemeClr val="dk1"/>
                 </a:solidFill>
@@ -1192,7 +1197,7 @@
           </a:p>
           <a:p>
             <a:r>
-              <a:rPr lang="en-US" sz="1200" b="0" i="0" u="none" strike="noStrike" kern="1200" cap="none" dirty="0" smtClean="0">
+              <a:rPr lang="en-US" sz="1200" b="0" i="0" u="none" strike="noStrike" kern="1200" cap="none" dirty="0">
                 <a:solidFill>
                   <a:schemeClr val="dk1"/>
                 </a:solidFill>
@@ -1206,7 +1211,7 @@
           </a:p>
           <a:p>
             <a:r>
-              <a:rPr lang="en-US" sz="1200" b="0" i="0" u="none" strike="noStrike" kern="1200" cap="none" dirty="0" smtClean="0">
+              <a:rPr lang="en-US" sz="1200" b="0" i="0" u="none" strike="noStrike" kern="1200" cap="none" dirty="0">
                 <a:solidFill>
                   <a:schemeClr val="dk1"/>
                 </a:solidFill>
@@ -1220,7 +1225,7 @@
           </a:p>
           <a:p>
             <a:r>
-              <a:rPr lang="en-US" sz="1200" b="0" i="0" u="none" strike="noStrike" kern="1200" cap="none" dirty="0" smtClean="0">
+              <a:rPr lang="en-US" sz="1200" b="0" i="0" u="none" strike="noStrike" kern="1200" cap="none" dirty="0">
                 <a:solidFill>
                   <a:schemeClr val="dk1"/>
                 </a:solidFill>
@@ -1231,7 +1236,7 @@
               </a:rPr>
               <a:t>3) NVDA Reader (free versions available)</a:t>
             </a:r>
-            <a:endParaRPr lang="en-US" dirty="0" smtClean="0"/>
+            <a:endParaRPr lang="en-US" dirty="0"/>
           </a:p>
         </p:txBody>
       </p:sp>
@@ -1339,7 +1344,7 @@
           <a:lstStyle/>
           <a:p>
             <a:r>
-              <a:rPr lang="en-US" sz="1200" b="0" i="0" u="none" strike="noStrike" kern="1200" cap="none" dirty="0" smtClean="0">
+              <a:rPr lang="en-US" sz="1200" b="0" i="0" u="none" strike="noStrike" kern="1200" cap="none" dirty="0">
                 <a:solidFill>
                   <a:schemeClr val="dk1"/>
                 </a:solidFill>
@@ -1352,7 +1357,7 @@
               <a:t>Use</a:t>
             </a:r>
             <a:r>
-              <a:rPr lang="en-US" sz="1200" b="0" i="0" u="none" strike="noStrike" kern="1200" cap="none" baseline="0" dirty="0" smtClean="0">
+              <a:rPr lang="en-US" sz="1200" b="0" i="0" u="none" strike="noStrike" kern="1200" cap="none" baseline="0" dirty="0">
                 <a:solidFill>
                   <a:schemeClr val="dk1"/>
                 </a:solidFill>
@@ -1365,7 +1370,7 @@
               <a:t> </a:t>
             </a:r>
             <a:r>
-              <a:rPr lang="en-US" sz="1200" b="1" i="0" u="none" strike="noStrike" kern="1200" cap="none" baseline="0" dirty="0" err="1" smtClean="0">
+              <a:rPr lang="en-US" sz="1200" b="1" i="0" u="none" strike="noStrike" kern="1200" cap="none" baseline="0" dirty="0" err="1">
                 <a:solidFill>
                   <a:schemeClr val="dk1"/>
                 </a:solidFill>
@@ -1378,7 +1383,7 @@
               <a:t>lang</a:t>
             </a:r>
             <a:r>
-              <a:rPr lang="en-US" sz="1200" b="1" i="0" u="none" strike="noStrike" kern="1200" cap="none" baseline="0" dirty="0" smtClean="0">
+              <a:rPr lang="en-US" sz="1200" b="1" i="0" u="none" strike="noStrike" kern="1200" cap="none" baseline="0" dirty="0">
                 <a:solidFill>
                   <a:schemeClr val="dk1"/>
                 </a:solidFill>
@@ -1391,7 +1396,7 @@
               <a:t> </a:t>
             </a:r>
             <a:r>
-              <a:rPr lang="en-US" sz="1200" b="0" i="0" u="none" strike="noStrike" kern="1200" cap="none" baseline="0" dirty="0" smtClean="0">
+              <a:rPr lang="en-US" sz="1200" b="0" i="0" u="none" strike="noStrike" kern="1200" cap="none" baseline="0" dirty="0">
                 <a:solidFill>
                   <a:schemeClr val="dk1"/>
                 </a:solidFill>
@@ -1404,7 +1409,7 @@
               <a:t>attribute on </a:t>
             </a:r>
             <a:r>
-              <a:rPr lang="en-US" sz="1200" b="1" i="0" u="none" strike="noStrike" kern="1200" cap="none" baseline="0" dirty="0" smtClean="0">
+              <a:rPr lang="en-US" sz="1200" b="1" i="0" u="none" strike="noStrike" kern="1200" cap="none" baseline="0" dirty="0">
                 <a:solidFill>
                   <a:schemeClr val="dk1"/>
                 </a:solidFill>
@@ -1417,7 +1422,7 @@
               <a:t>html element </a:t>
             </a:r>
             <a:r>
-              <a:rPr lang="en-US" sz="1200" b="0" i="0" u="none" strike="noStrike" kern="1200" cap="none" baseline="0" dirty="0" smtClean="0">
+              <a:rPr lang="en-US" sz="1200" b="0" i="0" u="none" strike="noStrike" kern="1200" cap="none" baseline="0" dirty="0">
                 <a:solidFill>
                   <a:schemeClr val="dk1"/>
                 </a:solidFill>
@@ -1430,7 +1435,7 @@
               <a:t>- </a:t>
             </a:r>
             <a:r>
-              <a:rPr lang="en-US" sz="1200" b="0" i="0" u="none" strike="noStrike" kern="1200" cap="none" dirty="0" smtClean="0">
+              <a:rPr lang="en-US" sz="1200" b="0" i="0" u="none" strike="noStrike" kern="1200" cap="none" dirty="0">
                 <a:solidFill>
                   <a:schemeClr val="dk1"/>
                 </a:solidFill>
@@ -1440,20 +1445,7 @@
                 <a:cs typeface="Arial"/>
                 <a:sym typeface="Arial"/>
               </a:rPr>
-              <a:t>to declare the language of the Web page. This is meant to assist search engines and </a:t>
-            </a:r>
-            <a:r>
-              <a:rPr lang="en-US" sz="1200" b="0" i="0" u="none" strike="noStrike" kern="1200" cap="none" dirty="0" smtClean="0">
-                <a:solidFill>
-                  <a:schemeClr val="dk1"/>
-                </a:solidFill>
-                <a:effectLst/>
-                <a:latin typeface="Arial"/>
-                <a:ea typeface="Arial"/>
-                <a:cs typeface="Arial"/>
-                <a:sym typeface="Arial"/>
-              </a:rPr>
-              <a:t>browsers.</a:t>
+              <a:t>to declare the language of the Web page. This is meant to assist search engines and browsers.</a:t>
             </a:r>
             <a:endParaRPr lang="en-US" dirty="0"/>
           </a:p>
@@ -2404,11 +2396,11 @@
             </a:lvl9pPr>
           </a:lstStyle>
           <a:p>
-            <a:endParaRPr lang="en-US" dirty="0" smtClean="0"/>
+            <a:endParaRPr lang="en-US" dirty="0"/>
           </a:p>
           <a:p>
             <a:pPr lvl="1"/>
-            <a:endParaRPr lang="en-US" dirty="0" smtClean="0"/>
+            <a:endParaRPr lang="en-US" dirty="0"/>
           </a:p>
           <a:p>
             <a:pPr lvl="2"/>
@@ -2624,11 +2616,11 @@
             </a:lvl9pPr>
           </a:lstStyle>
           <a:p>
-            <a:endParaRPr lang="en-US" dirty="0" smtClean="0"/>
+            <a:endParaRPr lang="en-US" dirty="0"/>
           </a:p>
           <a:p>
             <a:pPr lvl="1"/>
-            <a:endParaRPr lang="en-US" dirty="0" smtClean="0"/>
+            <a:endParaRPr lang="en-US" dirty="0"/>
           </a:p>
           <a:p>
             <a:pPr lvl="2"/>
@@ -2882,10 +2874,9 @@
           </a:lstStyle>
           <a:p>
             <a:r>
-              <a:rPr lang="en-US" dirty="0" smtClean="0"/>
+              <a:rPr lang="en-US" dirty="0"/>
               <a:t>Click to edit Master title style</a:t>
             </a:r>
-            <a:endParaRPr lang="en-US" dirty="0"/>
           </a:p>
         </p:txBody>
       </p:sp>
@@ -2962,35 +2953,35 @@
           <a:p>
             <a:pPr lvl="0"/>
             <a:r>
-              <a:rPr lang="en-US" smtClean="0"/>
+              <a:rPr lang="en-US"/>
               <a:t>Click to edit Master text styles</a:t>
             </a:r>
           </a:p>
           <a:p>
             <a:pPr lvl="1"/>
             <a:r>
-              <a:rPr lang="en-US" smtClean="0"/>
+              <a:rPr lang="en-US"/>
               <a:t>Second level</a:t>
             </a:r>
           </a:p>
           <a:p>
             <a:pPr lvl="2"/>
             <a:r>
-              <a:rPr lang="en-US" smtClean="0"/>
+              <a:rPr lang="en-US"/>
               <a:t>Third level</a:t>
             </a:r>
           </a:p>
           <a:p>
             <a:pPr lvl="3"/>
             <a:r>
-              <a:rPr lang="en-US" smtClean="0"/>
+              <a:rPr lang="en-US"/>
               <a:t>Fourth level</a:t>
             </a:r>
           </a:p>
           <a:p>
             <a:pPr lvl="4"/>
             <a:r>
-              <a:rPr lang="en-US" smtClean="0"/>
+              <a:rPr lang="en-US"/>
               <a:t>Fifth level</a:t>
             </a:r>
             <a:endParaRPr lang="en-US" dirty="0"/>
@@ -3042,7 +3033,7 @@
             <a:fld id="{65D678EC-7888-4C97-B25D-C75B5929DC82}" type="datetimeFigureOut">
               <a:rPr lang="en-US" altLang="en-US"/>
               <a:pPr/>
-              <a:t>9/10/2020</a:t>
+              <a:t>10/1/20</a:t>
             </a:fld>
             <a:endParaRPr lang="en-US" altLang="en-US" dirty="0"/>
           </a:p>
@@ -3128,7 +3119,7 @@
           <a:lstStyle/>
           <a:p>
             <a:r>
-              <a:rPr lang="en-US" smtClean="0"/>
+              <a:rPr lang="en-US"/>
               <a:t>Click to edit Master title style</a:t>
             </a:r>
             <a:endParaRPr lang="en-US" dirty="0"/>
@@ -3185,35 +3176,35 @@
           <a:p>
             <a:pPr lvl="0"/>
             <a:r>
-              <a:rPr lang="en-US" smtClean="0"/>
+              <a:rPr lang="en-US"/>
               <a:t>Click to edit Master text styles</a:t>
             </a:r>
           </a:p>
           <a:p>
             <a:pPr lvl="1"/>
             <a:r>
-              <a:rPr lang="en-US" smtClean="0"/>
+              <a:rPr lang="en-US"/>
               <a:t>Second level</a:t>
             </a:r>
           </a:p>
           <a:p>
             <a:pPr lvl="2"/>
             <a:r>
-              <a:rPr lang="en-US" smtClean="0"/>
+              <a:rPr lang="en-US"/>
               <a:t>Third level</a:t>
             </a:r>
           </a:p>
           <a:p>
             <a:pPr lvl="3"/>
             <a:r>
-              <a:rPr lang="en-US" smtClean="0"/>
+              <a:rPr lang="en-US"/>
               <a:t>Fourth level</a:t>
             </a:r>
           </a:p>
           <a:p>
             <a:pPr lvl="4"/>
             <a:r>
-              <a:rPr lang="en-US" smtClean="0"/>
+              <a:rPr lang="en-US"/>
               <a:t>Fifth level</a:t>
             </a:r>
             <a:endParaRPr lang="en-US" dirty="0"/>
@@ -3270,35 +3261,35 @@
           <a:p>
             <a:pPr lvl="0"/>
             <a:r>
-              <a:rPr lang="en-US" smtClean="0"/>
+              <a:rPr lang="en-US"/>
               <a:t>Click to edit Master text styles</a:t>
             </a:r>
           </a:p>
           <a:p>
             <a:pPr lvl="1"/>
             <a:r>
-              <a:rPr lang="en-US" smtClean="0"/>
+              <a:rPr lang="en-US"/>
               <a:t>Second level</a:t>
             </a:r>
           </a:p>
           <a:p>
             <a:pPr lvl="2"/>
             <a:r>
-              <a:rPr lang="en-US" smtClean="0"/>
+              <a:rPr lang="en-US"/>
               <a:t>Third level</a:t>
             </a:r>
           </a:p>
           <a:p>
             <a:pPr lvl="3"/>
             <a:r>
-              <a:rPr lang="en-US" smtClean="0"/>
+              <a:rPr lang="en-US"/>
               <a:t>Fourth level</a:t>
             </a:r>
           </a:p>
           <a:p>
             <a:pPr lvl="4"/>
             <a:r>
-              <a:rPr lang="en-US" smtClean="0"/>
+              <a:rPr lang="en-US"/>
               <a:t>Fifth level</a:t>
             </a:r>
             <a:endParaRPr lang="en-US" dirty="0"/>
@@ -3355,35 +3346,35 @@
           <a:p>
             <a:pPr lvl="0"/>
             <a:r>
-              <a:rPr lang="en-US" smtClean="0"/>
+              <a:rPr lang="en-US"/>
               <a:t>Click to edit Master text styles</a:t>
             </a:r>
           </a:p>
           <a:p>
             <a:pPr lvl="1"/>
             <a:r>
-              <a:rPr lang="en-US" smtClean="0"/>
+              <a:rPr lang="en-US"/>
               <a:t>Second level</a:t>
             </a:r>
           </a:p>
           <a:p>
             <a:pPr lvl="2"/>
             <a:r>
-              <a:rPr lang="en-US" smtClean="0"/>
+              <a:rPr lang="en-US"/>
               <a:t>Third level</a:t>
             </a:r>
           </a:p>
           <a:p>
             <a:pPr lvl="3"/>
             <a:r>
-              <a:rPr lang="en-US" smtClean="0"/>
+              <a:rPr lang="en-US"/>
               <a:t>Fourth level</a:t>
             </a:r>
           </a:p>
           <a:p>
             <a:pPr lvl="4"/>
             <a:r>
-              <a:rPr lang="en-US" smtClean="0"/>
+              <a:rPr lang="en-US"/>
               <a:t>Fifth level</a:t>
             </a:r>
             <a:endParaRPr lang="en-US" dirty="0"/>
@@ -3435,7 +3426,7 @@
             <a:fld id="{23F2C5EE-86A0-4673-87DE-517FF0AD29C5}" type="datetimeFigureOut">
               <a:rPr lang="en-US" altLang="en-US"/>
               <a:pPr/>
-              <a:t>9/10/2020</a:t>
+              <a:t>10/1/20</a:t>
             </a:fld>
             <a:endParaRPr lang="en-US" altLang="en-US" dirty="0"/>
           </a:p>
@@ -5386,15 +5377,15 @@
             </a:lvl9pPr>
           </a:lstStyle>
           <a:p>
-            <a:endParaRPr lang="en-IN" dirty="0" smtClean="0"/>
+            <a:endParaRPr lang="en-IN" dirty="0"/>
           </a:p>
           <a:p>
             <a:pPr lvl="1"/>
-            <a:endParaRPr lang="en-IN" dirty="0" smtClean="0"/>
+            <a:endParaRPr lang="en-IN" dirty="0"/>
           </a:p>
           <a:p>
             <a:pPr lvl="2"/>
-            <a:endParaRPr lang="en-IN" dirty="0" smtClean="0"/>
+            <a:endParaRPr lang="en-IN" dirty="0"/>
           </a:p>
         </p:txBody>
       </p:sp>
@@ -5746,7 +5737,7 @@
             </a:lvl9pPr>
           </a:lstStyle>
           <a:p>
-            <a:endParaRPr lang="en-IN" dirty="0" smtClean="0"/>
+            <a:endParaRPr lang="en-IN" dirty="0"/>
           </a:p>
         </p:txBody>
       </p:sp>
@@ -5779,35 +5770,35 @@
           <a:p>
             <a:pPr lvl="0"/>
             <a:r>
-              <a:rPr lang="en-US" dirty="0" smtClean="0"/>
+              <a:rPr lang="en-US" dirty="0"/>
               <a:t>Edit Master text styles</a:t>
             </a:r>
           </a:p>
           <a:p>
             <a:pPr lvl="1"/>
             <a:r>
-              <a:rPr lang="en-US" dirty="0" smtClean="0"/>
+              <a:rPr lang="en-US" dirty="0"/>
               <a:t>Second level</a:t>
             </a:r>
           </a:p>
           <a:p>
             <a:pPr lvl="2"/>
             <a:r>
-              <a:rPr lang="en-US" dirty="0" smtClean="0"/>
+              <a:rPr lang="en-US" dirty="0"/>
               <a:t>Third level</a:t>
             </a:r>
           </a:p>
           <a:p>
             <a:pPr lvl="3"/>
             <a:r>
-              <a:rPr lang="en-US" dirty="0" smtClean="0"/>
+              <a:rPr lang="en-US" dirty="0"/>
               <a:t>Fourth level</a:t>
             </a:r>
           </a:p>
           <a:p>
             <a:pPr lvl="4"/>
             <a:r>
-              <a:rPr lang="en-US" dirty="0" smtClean="0"/>
+              <a:rPr lang="en-US" dirty="0"/>
               <a:t>Fifth level</a:t>
             </a:r>
             <a:endParaRPr lang="en-IN" dirty="0"/>
@@ -5843,35 +5834,35 @@
           <a:p>
             <a:pPr lvl="0"/>
             <a:r>
-              <a:rPr lang="en-US" dirty="0" smtClean="0"/>
+              <a:rPr lang="en-US" dirty="0"/>
               <a:t>Edit Master text styles</a:t>
             </a:r>
           </a:p>
           <a:p>
             <a:pPr lvl="1"/>
             <a:r>
-              <a:rPr lang="en-US" dirty="0" smtClean="0"/>
+              <a:rPr lang="en-US" dirty="0"/>
               <a:t>Second level</a:t>
             </a:r>
           </a:p>
           <a:p>
             <a:pPr lvl="2"/>
             <a:r>
-              <a:rPr lang="en-US" dirty="0" smtClean="0"/>
+              <a:rPr lang="en-US" dirty="0"/>
               <a:t>Third level</a:t>
             </a:r>
           </a:p>
           <a:p>
             <a:pPr lvl="3"/>
             <a:r>
-              <a:rPr lang="en-US" dirty="0" smtClean="0"/>
+              <a:rPr lang="en-US" dirty="0"/>
               <a:t>Fourth level</a:t>
             </a:r>
           </a:p>
           <a:p>
             <a:pPr lvl="4"/>
             <a:r>
-              <a:rPr lang="en-US" dirty="0" smtClean="0"/>
+              <a:rPr lang="en-US" dirty="0"/>
               <a:t>Fifth level</a:t>
             </a:r>
             <a:endParaRPr lang="en-IN" dirty="0"/>
@@ -5907,35 +5898,35 @@
           <a:p>
             <a:pPr lvl="0"/>
             <a:r>
-              <a:rPr lang="en-US" dirty="0" smtClean="0"/>
+              <a:rPr lang="en-US" dirty="0"/>
               <a:t>Edit Master text styles</a:t>
             </a:r>
           </a:p>
           <a:p>
             <a:pPr lvl="1"/>
             <a:r>
-              <a:rPr lang="en-US" dirty="0" smtClean="0"/>
+              <a:rPr lang="en-US" dirty="0"/>
               <a:t>Second level</a:t>
             </a:r>
           </a:p>
           <a:p>
             <a:pPr lvl="2"/>
             <a:r>
-              <a:rPr lang="en-US" dirty="0" smtClean="0"/>
+              <a:rPr lang="en-US" dirty="0"/>
               <a:t>Third level</a:t>
             </a:r>
           </a:p>
           <a:p>
             <a:pPr lvl="3"/>
             <a:r>
-              <a:rPr lang="en-US" dirty="0" smtClean="0"/>
+              <a:rPr lang="en-US" dirty="0"/>
               <a:t>Fourth level</a:t>
             </a:r>
           </a:p>
           <a:p>
             <a:pPr lvl="4"/>
             <a:r>
-              <a:rPr lang="en-US" dirty="0" smtClean="0"/>
+              <a:rPr lang="en-US" dirty="0"/>
               <a:t>Fifth level</a:t>
             </a:r>
             <a:endParaRPr lang="en-IN" dirty="0"/>
@@ -5971,35 +5962,35 @@
           <a:p>
             <a:pPr lvl="0"/>
             <a:r>
-              <a:rPr lang="en-US" dirty="0" smtClean="0"/>
+              <a:rPr lang="en-US" dirty="0"/>
               <a:t>Edit Master text styles</a:t>
             </a:r>
           </a:p>
           <a:p>
             <a:pPr lvl="1"/>
             <a:r>
-              <a:rPr lang="en-US" dirty="0" smtClean="0"/>
+              <a:rPr lang="en-US" dirty="0"/>
               <a:t>Second level</a:t>
             </a:r>
           </a:p>
           <a:p>
             <a:pPr lvl="2"/>
             <a:r>
-              <a:rPr lang="en-US" dirty="0" smtClean="0"/>
+              <a:rPr lang="en-US" dirty="0"/>
               <a:t>Third level</a:t>
             </a:r>
           </a:p>
           <a:p>
             <a:pPr lvl="3"/>
             <a:r>
-              <a:rPr lang="en-US" dirty="0" smtClean="0"/>
+              <a:rPr lang="en-US" dirty="0"/>
               <a:t>Fourth level</a:t>
             </a:r>
           </a:p>
           <a:p>
             <a:pPr lvl="4"/>
             <a:r>
-              <a:rPr lang="en-US" dirty="0" smtClean="0"/>
+              <a:rPr lang="en-US" dirty="0"/>
               <a:t>Fifth level</a:t>
             </a:r>
             <a:endParaRPr lang="en-IN" dirty="0"/>
@@ -6035,35 +6026,35 @@
           <a:p>
             <a:pPr lvl="0"/>
             <a:r>
-              <a:rPr lang="en-US" dirty="0" smtClean="0"/>
+              <a:rPr lang="en-US" dirty="0"/>
               <a:t>Edit Master text styles</a:t>
             </a:r>
           </a:p>
           <a:p>
             <a:pPr lvl="1"/>
             <a:r>
-              <a:rPr lang="en-US" dirty="0" smtClean="0"/>
+              <a:rPr lang="en-US" dirty="0"/>
               <a:t>Second level</a:t>
             </a:r>
           </a:p>
           <a:p>
             <a:pPr lvl="2"/>
             <a:r>
-              <a:rPr lang="en-US" dirty="0" smtClean="0"/>
+              <a:rPr lang="en-US" dirty="0"/>
               <a:t>Third level</a:t>
             </a:r>
           </a:p>
           <a:p>
             <a:pPr lvl="3"/>
             <a:r>
-              <a:rPr lang="en-US" dirty="0" smtClean="0"/>
+              <a:rPr lang="en-US" dirty="0"/>
               <a:t>Fourth level</a:t>
             </a:r>
           </a:p>
           <a:p>
             <a:pPr lvl="4"/>
             <a:r>
-              <a:rPr lang="en-US" dirty="0" smtClean="0"/>
+              <a:rPr lang="en-US" dirty="0"/>
               <a:t>Fifth level</a:t>
             </a:r>
             <a:endParaRPr lang="en-IN" dirty="0"/>
@@ -6418,7 +6409,7 @@
             </a:lvl9pPr>
           </a:lstStyle>
           <a:p>
-            <a:endParaRPr lang="en-IN" dirty="0" smtClean="0"/>
+            <a:endParaRPr lang="en-IN" dirty="0"/>
           </a:p>
         </p:txBody>
       </p:sp>
@@ -6451,35 +6442,35 @@
           <a:p>
             <a:pPr lvl="0"/>
             <a:r>
-              <a:rPr lang="en-US" dirty="0" smtClean="0"/>
+              <a:rPr lang="en-US" dirty="0"/>
               <a:t>Edit Master text styles</a:t>
             </a:r>
           </a:p>
           <a:p>
             <a:pPr lvl="1"/>
             <a:r>
-              <a:rPr lang="en-US" dirty="0" smtClean="0"/>
+              <a:rPr lang="en-US" dirty="0"/>
               <a:t>Second level</a:t>
             </a:r>
           </a:p>
           <a:p>
             <a:pPr lvl="2"/>
             <a:r>
-              <a:rPr lang="en-US" dirty="0" smtClean="0"/>
+              <a:rPr lang="en-US" dirty="0"/>
               <a:t>Third level</a:t>
             </a:r>
           </a:p>
           <a:p>
             <a:pPr lvl="3"/>
             <a:r>
-              <a:rPr lang="en-US" dirty="0" smtClean="0"/>
+              <a:rPr lang="en-US" dirty="0"/>
               <a:t>Fourth level</a:t>
             </a:r>
           </a:p>
           <a:p>
             <a:pPr lvl="4"/>
             <a:r>
-              <a:rPr lang="en-US" dirty="0" smtClean="0"/>
+              <a:rPr lang="en-US" dirty="0"/>
               <a:t>Fifth level</a:t>
             </a:r>
             <a:endParaRPr lang="en-IN" dirty="0"/>
@@ -6515,35 +6506,35 @@
           <a:p>
             <a:pPr lvl="0"/>
             <a:r>
-              <a:rPr lang="en-US" dirty="0" smtClean="0"/>
+              <a:rPr lang="en-US" dirty="0"/>
               <a:t>Edit Master text styles</a:t>
             </a:r>
           </a:p>
           <a:p>
             <a:pPr lvl="1"/>
             <a:r>
-              <a:rPr lang="en-US" dirty="0" smtClean="0"/>
+              <a:rPr lang="en-US" dirty="0"/>
               <a:t>Second level</a:t>
             </a:r>
           </a:p>
           <a:p>
             <a:pPr lvl="2"/>
             <a:r>
-              <a:rPr lang="en-US" dirty="0" smtClean="0"/>
+              <a:rPr lang="en-US" dirty="0"/>
               <a:t>Third level</a:t>
             </a:r>
           </a:p>
           <a:p>
             <a:pPr lvl="3"/>
             <a:r>
-              <a:rPr lang="en-US" dirty="0" smtClean="0"/>
+              <a:rPr lang="en-US" dirty="0"/>
               <a:t>Fourth level</a:t>
             </a:r>
           </a:p>
           <a:p>
             <a:pPr lvl="4"/>
             <a:r>
-              <a:rPr lang="en-US" dirty="0" smtClean="0"/>
+              <a:rPr lang="en-US" dirty="0"/>
               <a:t>Fifth level</a:t>
             </a:r>
             <a:endParaRPr lang="en-IN" dirty="0"/>
@@ -6579,35 +6570,35 @@
           <a:p>
             <a:pPr lvl="0"/>
             <a:r>
-              <a:rPr lang="en-US" dirty="0" smtClean="0"/>
+              <a:rPr lang="en-US" dirty="0"/>
               <a:t>Edit Master text styles</a:t>
             </a:r>
           </a:p>
           <a:p>
             <a:pPr lvl="1"/>
             <a:r>
-              <a:rPr lang="en-US" dirty="0" smtClean="0"/>
+              <a:rPr lang="en-US" dirty="0"/>
               <a:t>Second level</a:t>
             </a:r>
           </a:p>
           <a:p>
             <a:pPr lvl="2"/>
             <a:r>
-              <a:rPr lang="en-US" dirty="0" smtClean="0"/>
+              <a:rPr lang="en-US" dirty="0"/>
               <a:t>Third level</a:t>
             </a:r>
           </a:p>
           <a:p>
             <a:pPr lvl="3"/>
             <a:r>
-              <a:rPr lang="en-US" dirty="0" smtClean="0"/>
+              <a:rPr lang="en-US" dirty="0"/>
               <a:t>Fourth level</a:t>
             </a:r>
           </a:p>
           <a:p>
             <a:pPr lvl="4"/>
             <a:r>
-              <a:rPr lang="en-US" dirty="0" smtClean="0"/>
+              <a:rPr lang="en-US" dirty="0"/>
               <a:t>Fifth level</a:t>
             </a:r>
             <a:endParaRPr lang="en-IN" dirty="0"/>
@@ -6643,35 +6634,35 @@
           <a:p>
             <a:pPr lvl="0"/>
             <a:r>
-              <a:rPr lang="en-US" dirty="0" smtClean="0"/>
+              <a:rPr lang="en-US" dirty="0"/>
               <a:t>Edit Master text styles</a:t>
             </a:r>
           </a:p>
           <a:p>
             <a:pPr lvl="1"/>
             <a:r>
-              <a:rPr lang="en-US" dirty="0" smtClean="0"/>
+              <a:rPr lang="en-US" dirty="0"/>
               <a:t>Second level</a:t>
             </a:r>
           </a:p>
           <a:p>
             <a:pPr lvl="2"/>
             <a:r>
-              <a:rPr lang="en-US" dirty="0" smtClean="0"/>
+              <a:rPr lang="en-US" dirty="0"/>
               <a:t>Third level</a:t>
             </a:r>
           </a:p>
           <a:p>
             <a:pPr lvl="3"/>
             <a:r>
-              <a:rPr lang="en-US" dirty="0" smtClean="0"/>
+              <a:rPr lang="en-US" dirty="0"/>
               <a:t>Fourth level</a:t>
             </a:r>
           </a:p>
           <a:p>
             <a:pPr lvl="4"/>
             <a:r>
-              <a:rPr lang="en-US" dirty="0" smtClean="0"/>
+              <a:rPr lang="en-US" dirty="0"/>
               <a:t>Fifth level</a:t>
             </a:r>
             <a:endParaRPr lang="en-IN" dirty="0"/>
@@ -6707,35 +6698,35 @@
           <a:p>
             <a:pPr lvl="0"/>
             <a:r>
-              <a:rPr lang="en-US" dirty="0" smtClean="0"/>
+              <a:rPr lang="en-US" dirty="0"/>
               <a:t>Edit Master text styles</a:t>
             </a:r>
           </a:p>
           <a:p>
             <a:pPr lvl="1"/>
             <a:r>
-              <a:rPr lang="en-US" dirty="0" smtClean="0"/>
+              <a:rPr lang="en-US" dirty="0"/>
               <a:t>Second level</a:t>
             </a:r>
           </a:p>
           <a:p>
             <a:pPr lvl="2"/>
             <a:r>
-              <a:rPr lang="en-US" dirty="0" smtClean="0"/>
+              <a:rPr lang="en-US" dirty="0"/>
               <a:t>Third level</a:t>
             </a:r>
           </a:p>
           <a:p>
             <a:pPr lvl="3"/>
             <a:r>
-              <a:rPr lang="en-US" dirty="0" smtClean="0"/>
+              <a:rPr lang="en-US" dirty="0"/>
               <a:t>Fourth level</a:t>
             </a:r>
           </a:p>
           <a:p>
             <a:pPr lvl="4"/>
             <a:r>
-              <a:rPr lang="en-US" dirty="0" smtClean="0"/>
+              <a:rPr lang="en-US" dirty="0"/>
               <a:t>Fifth level</a:t>
             </a:r>
             <a:endParaRPr lang="en-IN" dirty="0"/>
@@ -6768,38 +6759,37 @@
           <a:p>
             <a:pPr lvl="0"/>
             <a:r>
-              <a:rPr lang="en-US" dirty="0" smtClean="0"/>
+              <a:rPr lang="en-US" dirty="0"/>
               <a:t>Edit Master text styles</a:t>
             </a:r>
           </a:p>
           <a:p>
             <a:pPr lvl="1"/>
             <a:r>
-              <a:rPr lang="en-US" dirty="0" smtClean="0"/>
+              <a:rPr lang="en-US" dirty="0"/>
               <a:t>Second level</a:t>
             </a:r>
           </a:p>
           <a:p>
             <a:pPr lvl="2"/>
             <a:r>
-              <a:rPr lang="en-US" dirty="0" smtClean="0"/>
+              <a:rPr lang="en-US" dirty="0"/>
               <a:t>Third level</a:t>
             </a:r>
           </a:p>
           <a:p>
             <a:pPr lvl="3"/>
             <a:r>
-              <a:rPr lang="en-US" dirty="0" smtClean="0"/>
+              <a:rPr lang="en-US" dirty="0"/>
               <a:t>Fourth level</a:t>
             </a:r>
           </a:p>
           <a:p>
             <a:pPr lvl="4"/>
             <a:r>
-              <a:rPr lang="en-US" dirty="0" smtClean="0"/>
+              <a:rPr lang="en-US" dirty="0"/>
               <a:t>Fifth level</a:t>
             </a:r>
-            <a:endParaRPr lang="en-US" dirty="0"/>
           </a:p>
         </p:txBody>
       </p:sp>
@@ -6825,38 +6815,37 @@
           <a:p>
             <a:pPr lvl="0"/>
             <a:r>
-              <a:rPr lang="en-US" smtClean="0"/>
+              <a:rPr lang="en-US"/>
               <a:t>Edit Master text styles</a:t>
             </a:r>
           </a:p>
           <a:p>
             <a:pPr lvl="1"/>
             <a:r>
-              <a:rPr lang="en-US" smtClean="0"/>
+              <a:rPr lang="en-US"/>
               <a:t>Second level</a:t>
             </a:r>
           </a:p>
           <a:p>
             <a:pPr lvl="2"/>
             <a:r>
-              <a:rPr lang="en-US" smtClean="0"/>
+              <a:rPr lang="en-US"/>
               <a:t>Third level</a:t>
             </a:r>
           </a:p>
           <a:p>
             <a:pPr lvl="3"/>
             <a:r>
-              <a:rPr lang="en-US" smtClean="0"/>
+              <a:rPr lang="en-US"/>
               <a:t>Fourth level</a:t>
             </a:r>
           </a:p>
           <a:p>
             <a:pPr lvl="4"/>
             <a:r>
-              <a:rPr lang="en-US" smtClean="0"/>
+              <a:rPr lang="en-US"/>
               <a:t>Fifth level</a:t>
             </a:r>
-            <a:endParaRPr lang="en-US"/>
           </a:p>
         </p:txBody>
       </p:sp>
@@ -6882,38 +6871,37 @@
           <a:p>
             <a:pPr lvl="0"/>
             <a:r>
-              <a:rPr lang="en-US" dirty="0" smtClean="0"/>
+              <a:rPr lang="en-US" dirty="0"/>
               <a:t>Edit Master text styles</a:t>
             </a:r>
           </a:p>
           <a:p>
             <a:pPr lvl="1"/>
             <a:r>
-              <a:rPr lang="en-US" dirty="0" smtClean="0"/>
+              <a:rPr lang="en-US" dirty="0"/>
               <a:t>Second level</a:t>
             </a:r>
           </a:p>
           <a:p>
             <a:pPr lvl="2"/>
             <a:r>
-              <a:rPr lang="en-US" dirty="0" smtClean="0"/>
+              <a:rPr lang="en-US" dirty="0"/>
               <a:t>Third level</a:t>
             </a:r>
           </a:p>
           <a:p>
             <a:pPr lvl="3"/>
             <a:r>
-              <a:rPr lang="en-US" dirty="0" smtClean="0"/>
+              <a:rPr lang="en-US" dirty="0"/>
               <a:t>Fourth level</a:t>
             </a:r>
           </a:p>
           <a:p>
             <a:pPr lvl="4"/>
             <a:r>
-              <a:rPr lang="en-US" dirty="0" smtClean="0"/>
+              <a:rPr lang="en-US" dirty="0"/>
               <a:t>Fifth level</a:t>
             </a:r>
-            <a:endParaRPr lang="en-US" dirty="0"/>
           </a:p>
         </p:txBody>
       </p:sp>
@@ -6939,38 +6927,37 @@
           <a:p>
             <a:pPr lvl="0"/>
             <a:r>
-              <a:rPr lang="en-US" dirty="0" smtClean="0"/>
+              <a:rPr lang="en-US" dirty="0"/>
               <a:t>Edit Master text styles</a:t>
             </a:r>
           </a:p>
           <a:p>
             <a:pPr lvl="1"/>
             <a:r>
-              <a:rPr lang="en-US" dirty="0" smtClean="0"/>
+              <a:rPr lang="en-US" dirty="0"/>
               <a:t>Second level</a:t>
             </a:r>
           </a:p>
           <a:p>
             <a:pPr lvl="2"/>
             <a:r>
-              <a:rPr lang="en-US" dirty="0" smtClean="0"/>
+              <a:rPr lang="en-US" dirty="0"/>
               <a:t>Third level</a:t>
             </a:r>
           </a:p>
           <a:p>
             <a:pPr lvl="3"/>
             <a:r>
-              <a:rPr lang="en-US" dirty="0" smtClean="0"/>
+              <a:rPr lang="en-US" dirty="0"/>
               <a:t>Fourth level</a:t>
             </a:r>
           </a:p>
           <a:p>
             <a:pPr lvl="4"/>
             <a:r>
-              <a:rPr lang="en-US" dirty="0" smtClean="0"/>
+              <a:rPr lang="en-US" dirty="0"/>
               <a:t>Fifth level</a:t>
             </a:r>
-            <a:endParaRPr lang="en-US" dirty="0"/>
           </a:p>
         </p:txBody>
       </p:sp>
@@ -6996,38 +6983,37 @@
           <a:p>
             <a:pPr lvl="0"/>
             <a:r>
-              <a:rPr lang="en-US" dirty="0" smtClean="0"/>
+              <a:rPr lang="en-US" dirty="0"/>
               <a:t>Edit Master text styles</a:t>
             </a:r>
           </a:p>
           <a:p>
             <a:pPr lvl="1"/>
             <a:r>
-              <a:rPr lang="en-US" dirty="0" smtClean="0"/>
+              <a:rPr lang="en-US" dirty="0"/>
               <a:t>Second level</a:t>
             </a:r>
           </a:p>
           <a:p>
             <a:pPr lvl="2"/>
             <a:r>
-              <a:rPr lang="en-US" dirty="0" smtClean="0"/>
+              <a:rPr lang="en-US" dirty="0"/>
               <a:t>Third level</a:t>
             </a:r>
           </a:p>
           <a:p>
             <a:pPr lvl="3"/>
             <a:r>
-              <a:rPr lang="en-US" dirty="0" smtClean="0"/>
+              <a:rPr lang="en-US" dirty="0"/>
               <a:t>Fourth level</a:t>
             </a:r>
           </a:p>
           <a:p>
             <a:pPr lvl="4"/>
             <a:r>
-              <a:rPr lang="en-US" dirty="0" smtClean="0"/>
+              <a:rPr lang="en-US" dirty="0"/>
               <a:t>Fifth level</a:t>
             </a:r>
-            <a:endParaRPr lang="en-US" dirty="0"/>
           </a:p>
         </p:txBody>
       </p:sp>
@@ -9226,7 +9212,7 @@
           <a:lstStyle/>
           <a:p>
             <a:pPr lvl="0"/>
-            <a:endParaRPr lang="en-US" altLang="en-US" smtClean="0">
+            <a:endParaRPr lang="en-US" altLang="en-US">
               <a:sym typeface="Arial" panose="020B0604020202020204" pitchFamily="34" charset="0"/>
             </a:endParaRPr>
           </a:p>
@@ -9283,7 +9269,7 @@
           <a:lstStyle/>
           <a:p>
             <a:pPr lvl="0"/>
-            <a:endParaRPr lang="en-US" altLang="en-US" smtClean="0">
+            <a:endParaRPr lang="en-US" altLang="en-US">
               <a:sym typeface="Arial" panose="020B0604020202020204" pitchFamily="34" charset="0"/>
             </a:endParaRPr>
           </a:p>
@@ -9698,25 +9684,7 @@
                 </a:solidFill>
                 <a:latin typeface="Verdana" panose="020B0604030504040204" pitchFamily="34" charset="0"/>
               </a:rPr>
-              <a:t>Copyright © </a:t>
-            </a:r>
-            <a:r>
-              <a:rPr lang="en-US" altLang="en-US" sz="1200" dirty="0" smtClean="0">
-                <a:solidFill>
-                  <a:schemeClr val="tx1"/>
-                </a:solidFill>
-                <a:latin typeface="Verdana" panose="020B0604030504040204" pitchFamily="34" charset="0"/>
-              </a:rPr>
-              <a:t>2019, 2017, 2015 </a:t>
-            </a:r>
-            <a:r>
-              <a:rPr lang="en-US" altLang="en-US" sz="1200" dirty="0">
-                <a:solidFill>
-                  <a:schemeClr val="tx1"/>
-                </a:solidFill>
-                <a:latin typeface="Verdana" panose="020B0604030504040204" pitchFamily="34" charset="0"/>
-              </a:rPr>
-              <a:t>Pearson Education, Inc. All Rights Reserved</a:t>
+              <a:t>Copyright © 2019, 2017, 2015 Pearson Education, Inc. All Rights Reserved</a:t>
             </a:r>
           </a:p>
         </p:txBody>
@@ -10363,7 +10331,7 @@
           <a:lstStyle/>
           <a:p>
             <a:pPr lvl="0"/>
-            <a:endParaRPr lang="en-US" altLang="en-US" smtClean="0">
+            <a:endParaRPr lang="en-US" altLang="en-US">
               <a:sym typeface="Arial" panose="020B0604020202020204" pitchFamily="34" charset="0"/>
             </a:endParaRPr>
           </a:p>
@@ -10420,7 +10388,7 @@
           <a:lstStyle/>
           <a:p>
             <a:pPr lvl="0"/>
-            <a:endParaRPr lang="en-US" altLang="en-US" smtClean="0">
+            <a:endParaRPr lang="en-US" altLang="en-US">
               <a:sym typeface="Arial" panose="020B0604020202020204" pitchFamily="34" charset="0"/>
             </a:endParaRPr>
           </a:p>
@@ -11265,42 +11233,38 @@
             </a:pPr>
             <a:r>
               <a:rPr lang="en-US" dirty="0"/>
-              <a:t>Web Development &amp; Design </a:t>
-            </a:r>
-            <a:r>
-              <a:rPr lang="en-US" dirty="0" smtClean="0"/>
-              <a:t>Foundations with H</a:t>
-            </a:r>
-            <a:r>
-              <a:rPr lang="en-US" sz="100" dirty="0" smtClean="0"/>
+              <a:t>Web Development &amp; Design Foundations with H</a:t>
+            </a:r>
+            <a:r>
+              <a:rPr lang="en-US" sz="100" dirty="0"/>
               <a:t> </a:t>
             </a:r>
             <a:r>
-              <a:rPr lang="en-US" dirty="0" smtClean="0"/>
+              <a:rPr lang="en-US" dirty="0"/>
               <a:t>T</a:t>
             </a:r>
             <a:r>
-              <a:rPr lang="en-US" sz="100" dirty="0" smtClean="0"/>
+              <a:rPr lang="en-US" sz="100" dirty="0"/>
               <a:t> </a:t>
             </a:r>
             <a:r>
-              <a:rPr lang="en-US" dirty="0" smtClean="0"/>
+              <a:rPr lang="en-US" dirty="0"/>
               <a:t>M</a:t>
             </a:r>
             <a:r>
-              <a:rPr lang="en-US" sz="100" dirty="0" smtClean="0"/>
+              <a:rPr lang="en-US" sz="100" dirty="0"/>
               <a:t> </a:t>
             </a:r>
             <a:r>
-              <a:rPr lang="en-US" dirty="0" smtClean="0"/>
+              <a:rPr lang="en-US" dirty="0"/>
               <a:t>L</a:t>
             </a:r>
             <a:r>
-              <a:rPr lang="en-US" sz="100" dirty="0" smtClean="0"/>
+              <a:rPr lang="en-US" sz="100" dirty="0"/>
               <a:t> </a:t>
             </a:r>
             <a:r>
-              <a:rPr lang="en-US" dirty="0" smtClean="0"/>
+              <a:rPr lang="en-US" dirty="0"/>
               <a:t>5</a:t>
             </a:r>
             <a:endParaRPr lang="en-US" altLang="en-US" dirty="0">
@@ -11334,16 +11298,10 @@
           <a:lstStyle/>
           <a:p>
             <a:r>
-              <a:rPr lang="en-US" dirty="0" smtClean="0">
-                <a:latin typeface="+mn-lt"/>
-              </a:rPr>
-              <a:t>Ninth </a:t>
-            </a:r>
-            <a:r>
               <a:rPr lang="en-US" dirty="0">
                 <a:latin typeface="+mn-lt"/>
               </a:rPr>
-              <a:t>Edition</a:t>
+              <a:t>Ninth Edition</a:t>
             </a:r>
           </a:p>
         </p:txBody>
@@ -11373,17 +11331,8 @@
               <a:rPr lang="en-US" b="1" dirty="0">
                 <a:latin typeface="+mn-lt"/>
               </a:rPr>
-              <a:t>Chapter </a:t>
-            </a:r>
-            <a:r>
-              <a:rPr lang="en-US" b="1" dirty="0" smtClean="0">
-                <a:latin typeface="+mn-lt"/>
-              </a:rPr>
-              <a:t>2</a:t>
-            </a:r>
-            <a:endParaRPr lang="en-US" b="1" dirty="0">
-              <a:latin typeface="+mn-lt"/>
-            </a:endParaRPr>
+              <a:t>Chapter 2</a:t>
+            </a:r>
           </a:p>
         </p:txBody>
       </p:sp>
@@ -11415,7 +11364,7 @@
               <a:defRPr/>
             </a:pPr>
             <a:r>
-              <a:rPr lang="en-US" dirty="0" smtClean="0">
+              <a:rPr lang="en-US" dirty="0">
                 <a:solidFill>
                   <a:schemeClr val="tx1"/>
                 </a:solidFill>
@@ -11424,7 +11373,7 @@
               <a:t>H</a:t>
             </a:r>
             <a:r>
-              <a:rPr lang="en-US" sz="100" dirty="0" smtClean="0">
+              <a:rPr lang="en-US" sz="100" dirty="0">
                 <a:solidFill>
                   <a:schemeClr val="tx1"/>
                 </a:solidFill>
@@ -11433,7 +11382,7 @@
               <a:t> </a:t>
             </a:r>
             <a:r>
-              <a:rPr lang="en-US" dirty="0" smtClean="0">
+              <a:rPr lang="en-US" dirty="0">
                 <a:solidFill>
                   <a:schemeClr val="tx1"/>
                 </a:solidFill>
@@ -11442,7 +11391,7 @@
               <a:t>T</a:t>
             </a:r>
             <a:r>
-              <a:rPr lang="en-US" sz="100" dirty="0" smtClean="0">
+              <a:rPr lang="en-US" sz="100" dirty="0">
                 <a:solidFill>
                   <a:schemeClr val="tx1"/>
                 </a:solidFill>
@@ -11451,7 +11400,7 @@
               <a:t> </a:t>
             </a:r>
             <a:r>
-              <a:rPr lang="en-US" dirty="0" smtClean="0">
+              <a:rPr lang="en-US" dirty="0">
                 <a:solidFill>
                   <a:schemeClr val="tx1"/>
                 </a:solidFill>
@@ -11460,7 +11409,7 @@
               <a:t>M</a:t>
             </a:r>
             <a:r>
-              <a:rPr lang="en-US" sz="100" dirty="0" smtClean="0">
+              <a:rPr lang="en-US" sz="100" dirty="0">
                 <a:solidFill>
                   <a:schemeClr val="tx1"/>
                 </a:solidFill>
@@ -11469,22 +11418,13 @@
               <a:t> </a:t>
             </a:r>
             <a:r>
-              <a:rPr lang="en-US" dirty="0" smtClean="0">
+              <a:rPr lang="en-US" dirty="0">
                 <a:solidFill>
                   <a:schemeClr val="tx1"/>
                 </a:solidFill>
                 <a:latin typeface="+mn-lt"/>
               </a:rPr>
-              <a:t>L </a:t>
-            </a:r>
-            <a:r>
-              <a:rPr lang="en-US" dirty="0">
-                <a:solidFill>
-                  <a:schemeClr val="tx1"/>
-                </a:solidFill>
-                <a:latin typeface="+mn-lt"/>
-              </a:rPr>
-              <a:t>Basics</a:t>
+              <a:t>L Basics</a:t>
             </a:r>
             <a:endParaRPr lang="en-US" dirty="0">
               <a:solidFill>
@@ -11561,49 +11501,8 @@
                 <a:ea typeface="Verdana" panose="020B0604030504040204" pitchFamily="34" charset="0"/>
                 <a:cs typeface="Verdana" panose="020B0604030504040204" pitchFamily="34" charset="0"/>
               </a:rPr>
-              <a:t>Copyright © </a:t>
-            </a:r>
-            <a:r>
-              <a:rPr lang="en-US" altLang="en-US" sz="1200" dirty="0" smtClean="0">
-                <a:solidFill>
-                  <a:schemeClr val="tx1"/>
-                </a:solidFill>
-                <a:latin typeface="Verdana"/>
-                <a:ea typeface="Verdana" panose="020B0604030504040204" pitchFamily="34" charset="0"/>
-                <a:cs typeface="Verdana" panose="020B0604030504040204" pitchFamily="34" charset="0"/>
-              </a:rPr>
-              <a:t>2019, 2017, 2015 Pearson </a:t>
-            </a:r>
-            <a:r>
-              <a:rPr lang="en-US" altLang="en-US" sz="1200" dirty="0">
-                <a:solidFill>
-                  <a:schemeClr val="tx1"/>
-                </a:solidFill>
-                <a:latin typeface="Verdana"/>
-                <a:ea typeface="Verdana" panose="020B0604030504040204" pitchFamily="34" charset="0"/>
-                <a:cs typeface="Verdana" panose="020B0604030504040204" pitchFamily="34" charset="0"/>
-              </a:rPr>
-              <a:t>Education, Inc. All Rights </a:t>
-            </a:r>
-            <a:r>
-              <a:rPr lang="en-US" altLang="en-US" sz="1200" dirty="0" smtClean="0">
-                <a:solidFill>
-                  <a:schemeClr val="tx1"/>
-                </a:solidFill>
-                <a:latin typeface="Verdana"/>
-                <a:ea typeface="Verdana" panose="020B0604030504040204" pitchFamily="34" charset="0"/>
-                <a:cs typeface="Verdana" panose="020B0604030504040204" pitchFamily="34" charset="0"/>
-              </a:rPr>
-              <a:t>Reserved</a:t>
-            </a:r>
-            <a:endParaRPr lang="en-US" altLang="en-US" sz="1200" dirty="0">
-              <a:solidFill>
-                <a:schemeClr val="tx1"/>
-              </a:solidFill>
-              <a:latin typeface="Verdana"/>
-              <a:ea typeface="Verdana" panose="020B0604030504040204" pitchFamily="34" charset="0"/>
-              <a:cs typeface="Verdana" panose="020B0604030504040204" pitchFamily="34" charset="0"/>
-            </a:endParaRPr>
+              <a:t>Copyright © 2019, 2017, 2015 Pearson Education, Inc. All Rights Reserved</a:t>
+            </a:r>
           </a:p>
         </p:txBody>
       </p:sp>
@@ -11651,13 +11550,6 @@
   <p:clrMapOvr>
     <a:masterClrMapping/>
   </p:clrMapOvr>
-  <p:timing>
-    <p:tnLst>
-      <p:par>
-        <p:cTn id="1" dur="indefinite" restart="never" nodeType="tmRoot"/>
-      </p:par>
-    </p:tnLst>
-  </p:timing>
 </p:sld>
 </file>
 
@@ -11711,18 +11603,13 @@
               <a:defRPr/>
             </a:pPr>
             <a:r>
-              <a:rPr lang="en-US" kern="1200" spc="-50" dirty="0" smtClean="0">
+              <a:rPr lang="en-US" kern="1200" spc="-50" dirty="0">
                 <a:latin typeface="Times New Roman" panose="02020603050405020304" pitchFamily="18" charset="0"/>
                 <a:ea typeface="+mj-ea"/>
                 <a:cs typeface="+mj-cs"/>
               </a:rPr>
               <a:t>Head &amp; Body Sections</a:t>
             </a:r>
-            <a:endParaRPr lang="en-US" kern="1200" spc="-50" dirty="0">
-              <a:latin typeface="Times New Roman" panose="02020603050405020304" pitchFamily="18" charset="0"/>
-              <a:ea typeface="+mj-ea"/>
-              <a:cs typeface="+mj-cs"/>
-            </a:endParaRPr>
           </a:p>
         </p:txBody>
       </p:sp>
@@ -11762,10 +11649,20 @@
                 <a:ea typeface="+mn-ea"/>
                 <a:cs typeface="Arial" panose="020B0604020202020204" pitchFamily="34" charset="0"/>
               </a:rPr>
-              <a:t>Head </a:t>
-            </a:r>
-            <a:r>
-              <a:rPr lang="en-US" altLang="en-US" sz="2000" b="1" kern="1200" dirty="0" smtClean="0">
+              <a:t>Head Section</a:t>
+            </a:r>
+          </a:p>
+          <a:p>
+            <a:pPr marL="0" indent="0" eaLnBrk="1" hangingPunct="1">
+              <a:spcBef>
+                <a:spcPts val="600"/>
+              </a:spcBef>
+              <a:buNone/>
+              <a:tabLst/>
+              <a:defRPr/>
+            </a:pPr>
+            <a:r>
+              <a:rPr lang="en-US" altLang="en-US" sz="2000" kern="1200" dirty="0">
                 <a:solidFill>
                   <a:srgbClr val="000000"/>
                 </a:solidFill>
@@ -11773,81 +11670,8 @@
                 <a:ea typeface="+mn-ea"/>
                 <a:cs typeface="Arial" panose="020B0604020202020204" pitchFamily="34" charset="0"/>
               </a:rPr>
-              <a:t>Section</a:t>
-            </a:r>
-          </a:p>
-          <a:p>
-            <a:pPr marL="0" indent="0" eaLnBrk="1" hangingPunct="1">
-              <a:spcBef>
-                <a:spcPts val="600"/>
-              </a:spcBef>
-              <a:buNone/>
-              <a:tabLst/>
-              <a:defRPr/>
-            </a:pPr>
-            <a:r>
-              <a:rPr lang="en-US" altLang="en-US" sz="2000" kern="1200" dirty="0" smtClean="0">
-                <a:solidFill>
-                  <a:srgbClr val="000000"/>
-                </a:solidFill>
-                <a:latin typeface="Arial (Body)"/>
-                <a:ea typeface="+mn-ea"/>
-                <a:cs typeface="Arial" panose="020B0604020202020204" pitchFamily="34" charset="0"/>
-              </a:rPr>
-              <a:t>Contains </a:t>
-            </a:r>
-            <a:r>
-              <a:rPr lang="en-US" altLang="en-US" sz="2000" kern="1200" dirty="0">
-                <a:solidFill>
-                  <a:srgbClr val="000000"/>
-                </a:solidFill>
-                <a:latin typeface="Arial (Body)"/>
-                <a:ea typeface="+mn-ea"/>
-                <a:cs typeface="Arial" panose="020B0604020202020204" pitchFamily="34" charset="0"/>
-              </a:rPr>
-              <a:t>information </a:t>
-            </a:r>
-            <a:r>
-              <a:rPr lang="en-US" altLang="en-US" sz="2000" kern="1200" dirty="0" smtClean="0">
-                <a:solidFill>
-                  <a:srgbClr val="000000"/>
-                </a:solidFill>
-                <a:latin typeface="Arial (Body)"/>
-                <a:ea typeface="+mn-ea"/>
-                <a:cs typeface="Arial" panose="020B0604020202020204" pitchFamily="34" charset="0"/>
-              </a:rPr>
-              <a:t>that </a:t>
-            </a:r>
-            <a:r>
-              <a:rPr lang="en-US" altLang="en-US" sz="2000" kern="1200" dirty="0">
-                <a:solidFill>
-                  <a:srgbClr val="000000"/>
-                </a:solidFill>
-                <a:latin typeface="Arial (Body)"/>
-                <a:ea typeface="+mn-ea"/>
-                <a:cs typeface="Arial" panose="020B0604020202020204" pitchFamily="34" charset="0"/>
-              </a:rPr>
-              <a:t>describes the web </a:t>
-            </a:r>
-            <a:r>
-              <a:rPr lang="en-US" altLang="en-US" sz="2000" kern="1200" dirty="0" smtClean="0">
-                <a:solidFill>
-                  <a:srgbClr val="000000"/>
-                </a:solidFill>
-                <a:latin typeface="Arial (Body)"/>
-                <a:ea typeface="+mn-ea"/>
-                <a:cs typeface="Arial" panose="020B0604020202020204" pitchFamily="34" charset="0"/>
-              </a:rPr>
-              <a:t>page document</a:t>
-            </a:r>
-            <a:endParaRPr lang="en-US" altLang="en-US" sz="2000" kern="1200" dirty="0">
-              <a:solidFill>
-                <a:srgbClr val="000000"/>
-              </a:solidFill>
-              <a:latin typeface="Arial (Body)"/>
-              <a:ea typeface="+mn-ea"/>
-              <a:cs typeface="Arial" panose="020B0604020202020204" pitchFamily="34" charset="0"/>
-            </a:endParaRPr>
+              <a:t>Contains information that describes the web page document</a:t>
+            </a:r>
           </a:p>
         </p:txBody>
       </p:sp>
@@ -11906,17 +11730,7 @@
                 <a:latin typeface="Arial (Body)"/>
                 <a:cs typeface="Times New Roman" panose="02020603050405020304" pitchFamily="18" charset="0"/>
               </a:rPr>
-              <a:t>Body </a:t>
-            </a:r>
-            <a:r>
-              <a:rPr lang="en-US" altLang="en-US" sz="2000" b="1" kern="1200" dirty="0" smtClean="0">
-                <a:solidFill>
-                  <a:srgbClr val="000000"/>
-                </a:solidFill>
-                <a:latin typeface="Arial (Body)"/>
-                <a:cs typeface="Times New Roman" panose="02020603050405020304" pitchFamily="18" charset="0"/>
-              </a:rPr>
-              <a:t>Section</a:t>
+              <a:t>Body Section</a:t>
             </a:r>
           </a:p>
           <a:p>
@@ -11927,42 +11741,15 @@
               <a:buNone/>
             </a:pPr>
             <a:r>
-              <a:rPr lang="en-US" altLang="en-US" sz="2000" kern="1200" dirty="0" smtClean="0">
+              <a:rPr lang="en-US" altLang="en-US" sz="2000" kern="1200" dirty="0">
                 <a:solidFill>
                   <a:srgbClr val="000000"/>
                 </a:solidFill>
                 <a:latin typeface="Arial (Body)"/>
                 <a:cs typeface="Arial" panose="020B0604020202020204" pitchFamily="34" charset="0"/>
               </a:rPr>
-              <a:t>Contains </a:t>
-            </a:r>
-            <a:r>
-              <a:rPr lang="en-US" altLang="en-US" sz="2000" kern="1200" dirty="0">
-                <a:solidFill>
-                  <a:srgbClr val="000000"/>
-                </a:solidFill>
-                <a:latin typeface="Arial (Body)"/>
-                <a:cs typeface="Arial" panose="020B0604020202020204" pitchFamily="34" charset="0"/>
-              </a:rPr>
-              <a:t>text and elements that display in the web page </a:t>
-            </a:r>
-            <a:r>
-              <a:rPr lang="en-US" altLang="en-US" sz="2000" kern="1200" dirty="0" smtClean="0">
-                <a:solidFill>
-                  <a:srgbClr val="000000"/>
-                </a:solidFill>
-                <a:latin typeface="Arial (Body)"/>
-                <a:cs typeface="Arial" panose="020B0604020202020204" pitchFamily="34" charset="0"/>
-              </a:rPr>
-              <a:t>document</a:t>
-            </a:r>
-            <a:endParaRPr lang="en-US" altLang="en-US" sz="2000" kern="1200" dirty="0">
-              <a:solidFill>
-                <a:srgbClr val="000000"/>
-              </a:solidFill>
-              <a:latin typeface="Arial (Body)"/>
-              <a:cs typeface="Arial" panose="020B0604020202020204" pitchFamily="34" charset="0"/>
-            </a:endParaRPr>
+              <a:t>Contains text and elements that display in the web page document</a:t>
+            </a:r>
           </a:p>
         </p:txBody>
       </p:sp>
@@ -11995,13 +11782,6 @@
   <p:clrMapOvr>
     <a:masterClrMapping/>
   </p:clrMapOvr>
-  <p:timing>
-    <p:tnLst>
-      <p:par>
-        <p:cTn id="1" dur="indefinite" restart="never" nodeType="tmRoot"/>
-      </p:par>
-    </p:tnLst>
-  </p:timing>
 </p:sld>
 </file>
 
@@ -12055,18 +11835,13 @@
               <a:defRPr/>
             </a:pPr>
             <a:r>
-              <a:rPr lang="en-US" kern="1200" spc="-50" dirty="0" smtClean="0">
+              <a:rPr lang="en-US" kern="1200" spc="-50" dirty="0">
                 <a:latin typeface="Times New Roman" panose="02020603050405020304" pitchFamily="18" charset="0"/>
                 <a:ea typeface="+mj-ea"/>
                 <a:cs typeface="+mj-cs"/>
               </a:rPr>
               <a:t>Title Element Meta Element</a:t>
             </a:r>
-            <a:endParaRPr lang="en-US" kern="1200" spc="-50" dirty="0">
-              <a:latin typeface="Times New Roman" panose="02020603050405020304" pitchFamily="18" charset="0"/>
-              <a:ea typeface="+mj-ea"/>
-              <a:cs typeface="+mj-cs"/>
-            </a:endParaRPr>
           </a:p>
         </p:txBody>
       </p:sp>
@@ -12153,13 +11928,6 @@
   <p:clrMapOvr>
     <a:masterClrMapping/>
   </p:clrMapOvr>
-  <p:timing>
-    <p:tnLst>
-      <p:par>
-        <p:cTn id="1" dur="indefinite" restart="never" nodeType="tmRoot"/>
-      </p:par>
-    </p:tnLst>
-  </p:timing>
 </p:sld>
 </file>
 
@@ -12213,18 +11981,13 @@
               <a:defRPr/>
             </a:pPr>
             <a:r>
-              <a:rPr lang="en-US" kern="1200" spc="-50" dirty="0" smtClean="0">
+              <a:rPr lang="en-US" kern="1200" spc="-50" dirty="0">
                 <a:latin typeface="Times New Roman" panose="02020603050405020304" pitchFamily="18" charset="0"/>
                 <a:ea typeface="+mj-ea"/>
                 <a:cs typeface="+mj-cs"/>
               </a:rPr>
               <a:t>Heading Element</a:t>
             </a:r>
-            <a:endParaRPr lang="en-US" kern="1200" spc="-50" dirty="0">
-              <a:latin typeface="Times New Roman" panose="02020603050405020304" pitchFamily="18" charset="0"/>
-              <a:ea typeface="+mj-ea"/>
-              <a:cs typeface="+mj-cs"/>
-            </a:endParaRPr>
           </a:p>
         </p:txBody>
       </p:sp>
@@ -12310,13 +12073,6 @@
   <p:clrMapOvr>
     <a:masterClrMapping/>
   </p:clrMapOvr>
-  <p:timing>
-    <p:tnLst>
-      <p:par>
-        <p:cTn id="1" dur="indefinite" restart="never" nodeType="tmRoot"/>
-      </p:par>
-    </p:tnLst>
-  </p:timing>
 </p:sld>
 </file>
 
@@ -12370,18 +12126,13 @@
               <a:defRPr/>
             </a:pPr>
             <a:r>
-              <a:rPr lang="en-US" kern="1200" spc="-50" dirty="0" smtClean="0">
+              <a:rPr lang="en-US" kern="1200" spc="-50" dirty="0">
                 <a:latin typeface="Times New Roman" panose="02020603050405020304" pitchFamily="18" charset="0"/>
                 <a:ea typeface="+mj-ea"/>
                 <a:cs typeface="+mj-cs"/>
               </a:rPr>
               <a:t>Paragraph Element</a:t>
             </a:r>
-            <a:endParaRPr lang="en-US" kern="1200" spc="-50" dirty="0">
-              <a:latin typeface="Times New Roman" panose="02020603050405020304" pitchFamily="18" charset="0"/>
-              <a:ea typeface="+mj-ea"/>
-              <a:cs typeface="+mj-cs"/>
-            </a:endParaRPr>
           </a:p>
         </p:txBody>
       </p:sp>
@@ -12421,27 +12172,8 @@
                 <a:ea typeface="+mn-ea"/>
                 <a:cs typeface="Times New Roman" panose="02020603050405020304" pitchFamily="18" charset="0"/>
               </a:rPr>
-              <a:t>Paragraph </a:t>
-            </a:r>
-            <a:r>
-              <a:rPr lang="en-US" altLang="en-US" sz="2400" kern="1200" dirty="0" smtClean="0">
-                <a:solidFill>
-                  <a:srgbClr val="000000"/>
-                </a:solidFill>
-                <a:latin typeface="Arial (Body)"/>
-                <a:ea typeface="+mn-ea"/>
-                <a:cs typeface="Times New Roman" panose="02020603050405020304" pitchFamily="18" charset="0"/>
-              </a:rPr>
-              <a:t>element</a:t>
-            </a:r>
-            <a:endParaRPr lang="en-US" altLang="en-US" sz="2400" kern="1200" dirty="0">
-              <a:solidFill>
-                <a:srgbClr val="000000"/>
-              </a:solidFill>
-              <a:latin typeface="Arial (Body)"/>
-              <a:ea typeface="+mn-ea"/>
-              <a:cs typeface="Times New Roman" panose="02020603050405020304" pitchFamily="18" charset="0"/>
-            </a:endParaRPr>
+              <a:t>Paragraph element</a:t>
+            </a:r>
           </a:p>
         </p:txBody>
       </p:sp>
@@ -12530,25 +12262,8 @@
                 <a:latin typeface="Arial (Body)"/>
                 <a:cs typeface="Times New Roman" panose="02020603050405020304" pitchFamily="18" charset="0"/>
               </a:rPr>
-              <a:t>Block Display – Configures empty space above and </a:t>
-            </a:r>
-            <a:r>
-              <a:rPr lang="en-US" altLang="en-US" sz="2400" kern="1200" dirty="0" smtClean="0">
-                <a:solidFill>
-                  <a:srgbClr val="000000"/>
-                </a:solidFill>
-                <a:latin typeface="Arial (Body)"/>
-                <a:cs typeface="Times New Roman" panose="02020603050405020304" pitchFamily="18" charset="0"/>
-              </a:rPr>
-              <a:t>below</a:t>
-            </a:r>
-            <a:endParaRPr lang="en-US" altLang="en-US" sz="2400" kern="1200" dirty="0">
-              <a:solidFill>
-                <a:srgbClr val="000000"/>
-              </a:solidFill>
-              <a:latin typeface="Arial (Body)"/>
-              <a:cs typeface="Times New Roman" panose="02020603050405020304" pitchFamily="18" charset="0"/>
-            </a:endParaRPr>
+              <a:t>Block Display – Configures empty space above and below</a:t>
+            </a:r>
           </a:p>
         </p:txBody>
       </p:sp>
@@ -12557,13 +12272,6 @@
   <p:clrMapOvr>
     <a:masterClrMapping/>
   </p:clrMapOvr>
-  <p:timing>
-    <p:tnLst>
-      <p:par>
-        <p:cTn id="1" dur="indefinite" restart="never" nodeType="tmRoot"/>
-      </p:par>
-    </p:tnLst>
-  </p:timing>
 </p:sld>
 </file>
 
@@ -12617,18 +12325,13 @@
               <a:defRPr/>
             </a:pPr>
             <a:r>
-              <a:rPr lang="en-US" kern="1200" spc="-50" dirty="0" smtClean="0">
+              <a:rPr lang="en-US" kern="1200" spc="-50" dirty="0">
                 <a:latin typeface="Times New Roman" panose="02020603050405020304" pitchFamily="18" charset="0"/>
                 <a:ea typeface="+mj-ea"/>
                 <a:cs typeface="+mj-cs"/>
               </a:rPr>
               <a:t>Line Break Element</a:t>
             </a:r>
-            <a:endParaRPr lang="en-US" kern="1200" spc="-50" dirty="0">
-              <a:latin typeface="Times New Roman" panose="02020603050405020304" pitchFamily="18" charset="0"/>
-              <a:ea typeface="+mj-ea"/>
-              <a:cs typeface="+mj-cs"/>
-            </a:endParaRPr>
           </a:p>
         </p:txBody>
       </p:sp>
@@ -12687,18 +12390,7 @@
                 <a:ea typeface="+mn-ea"/>
                 <a:cs typeface="Times New Roman" panose="02020603050405020304" pitchFamily="18" charset="0"/>
               </a:rPr>
-              <a:t>Stand-alone, or void </a:t>
-            </a:r>
-            <a:r>
-              <a:rPr lang="en-US" altLang="en-US" sz="2400" kern="1200" dirty="0" smtClean="0">
-                <a:solidFill>
-                  <a:srgbClr val="000000"/>
-                </a:solidFill>
-                <a:latin typeface="Arial (Body)"/>
-                <a:ea typeface="+mn-ea"/>
-                <a:cs typeface="Times New Roman" panose="02020603050405020304" pitchFamily="18" charset="0"/>
-              </a:rPr>
-              <a:t>tag</a:t>
+              <a:t>Stand-alone, or void tag</a:t>
             </a:r>
             <a:endParaRPr lang="en-US" altLang="en-US" sz="2400" i="1" kern="1200" dirty="0">
               <a:solidFill>
@@ -12760,42 +12452,15 @@
               </a:spcBef>
             </a:pPr>
             <a:r>
-              <a:rPr lang="en-US" altLang="en-US" sz="2400" kern="1200" dirty="0" smtClean="0">
+              <a:rPr lang="en-US" altLang="en-US" sz="2400" kern="1200" dirty="0">
                 <a:solidFill>
                   <a:srgbClr val="000000"/>
                 </a:solidFill>
                 <a:latin typeface="Arial (Body)"/>
                 <a:cs typeface="Times New Roman" panose="02020603050405020304" pitchFamily="18" charset="0"/>
               </a:rPr>
-              <a:t>Causes </a:t>
-            </a:r>
-            <a:r>
-              <a:rPr lang="en-US" altLang="en-US" sz="2400" kern="1200" dirty="0">
-                <a:solidFill>
-                  <a:srgbClr val="000000"/>
-                </a:solidFill>
-                <a:latin typeface="Arial (Body)"/>
-                <a:cs typeface="Times New Roman" panose="02020603050405020304" pitchFamily="18" charset="0"/>
-              </a:rPr>
-              <a:t>the next element or text to display on a new </a:t>
-            </a:r>
-            <a:r>
-              <a:rPr lang="en-US" altLang="en-US" sz="2400" kern="1200" dirty="0" smtClean="0">
-                <a:solidFill>
-                  <a:srgbClr val="000000"/>
-                </a:solidFill>
-                <a:latin typeface="Arial (Body)"/>
-                <a:cs typeface="Times New Roman" panose="02020603050405020304" pitchFamily="18" charset="0"/>
-              </a:rPr>
-              <a:t>line</a:t>
-            </a:r>
-            <a:endParaRPr lang="en-US" altLang="en-US" sz="2400" kern="1200" dirty="0">
-              <a:solidFill>
-                <a:srgbClr val="000000"/>
-              </a:solidFill>
-              <a:latin typeface="Arial (Body)"/>
-              <a:cs typeface="Times New Roman" panose="02020603050405020304" pitchFamily="18" charset="0"/>
-            </a:endParaRPr>
+              <a:t>Causes the next element or text to display on a new line</a:t>
+            </a:r>
           </a:p>
         </p:txBody>
       </p:sp>
@@ -12804,13 +12469,6 @@
   <p:clrMapOvr>
     <a:masterClrMapping/>
   </p:clrMapOvr>
-  <p:timing>
-    <p:tnLst>
-      <p:par>
-        <p:cTn id="1" dur="indefinite" restart="never" nodeType="tmRoot"/>
-      </p:par>
-    </p:tnLst>
-  </p:timing>
 </p:sld>
 </file>
 
@@ -12864,18 +12522,13 @@
               <a:defRPr/>
             </a:pPr>
             <a:r>
-              <a:rPr lang="en-US" kern="1200" spc="-50" dirty="0" smtClean="0">
+              <a:rPr lang="en-US" kern="1200" spc="-50" dirty="0">
                 <a:latin typeface="Times New Roman" panose="02020603050405020304" pitchFamily="18" charset="0"/>
                 <a:ea typeface="+mj-ea"/>
                 <a:cs typeface="+mj-cs"/>
               </a:rPr>
               <a:t>Blockquote Element</a:t>
             </a:r>
-            <a:endParaRPr lang="en-US" kern="1200" spc="-50" dirty="0">
-              <a:latin typeface="Times New Roman" panose="02020603050405020304" pitchFamily="18" charset="0"/>
-              <a:ea typeface="+mj-ea"/>
-              <a:cs typeface="+mj-cs"/>
-            </a:endParaRPr>
           </a:p>
         </p:txBody>
       </p:sp>
@@ -12934,27 +12587,8 @@
                 <a:ea typeface="+mn-ea"/>
                 <a:cs typeface="Times New Roman" panose="02020603050405020304" pitchFamily="18" charset="0"/>
               </a:rPr>
-              <a:t>Indents a block of text for special </a:t>
-            </a:r>
-            <a:r>
-              <a:rPr lang="en-US" altLang="en-US" sz="2400" kern="1200" dirty="0" smtClean="0">
-                <a:solidFill>
-                  <a:srgbClr val="000000"/>
-                </a:solidFill>
-                <a:latin typeface="Arial (Body)"/>
-                <a:ea typeface="+mn-ea"/>
-                <a:cs typeface="Times New Roman" panose="02020603050405020304" pitchFamily="18" charset="0"/>
-              </a:rPr>
-              <a:t>emphasis</a:t>
-            </a:r>
-            <a:endParaRPr lang="en-US" altLang="en-US" sz="2400" kern="1200" dirty="0">
-              <a:solidFill>
-                <a:srgbClr val="000000"/>
-              </a:solidFill>
-              <a:latin typeface="Arial (Body)"/>
-              <a:ea typeface="+mn-ea"/>
-              <a:cs typeface="Times New Roman" panose="02020603050405020304" pitchFamily="18" charset="0"/>
-            </a:endParaRPr>
+              <a:t>Indents a block of text for special emphasis</a:t>
+            </a:r>
           </a:p>
         </p:txBody>
       </p:sp>
@@ -13009,42 +12643,15 @@
               <a:defRPr/>
             </a:pPr>
             <a:r>
-              <a:rPr lang="en-US" altLang="en-US" sz="2400" kern="1200" dirty="0" smtClean="0">
+              <a:rPr lang="en-US" altLang="en-US" sz="2400" kern="1200" dirty="0">
                 <a:solidFill>
                   <a:srgbClr val="000000"/>
                 </a:solidFill>
                 <a:latin typeface="Arial (Body)"/>
                 <a:cs typeface="Times New Roman" panose="02020603050405020304" pitchFamily="18" charset="0"/>
               </a:rPr>
-              <a:t>Block </a:t>
-            </a:r>
-            <a:r>
-              <a:rPr lang="en-US" altLang="en-US" sz="2400" kern="1200" dirty="0">
-                <a:solidFill>
-                  <a:srgbClr val="000000"/>
-                </a:solidFill>
-                <a:latin typeface="Arial (Body)"/>
-                <a:cs typeface="Times New Roman" panose="02020603050405020304" pitchFamily="18" charset="0"/>
-              </a:rPr>
-              <a:t>Display – Configures empty space above and </a:t>
-            </a:r>
-            <a:r>
-              <a:rPr lang="en-US" altLang="en-US" sz="2400" kern="1200" dirty="0" smtClean="0">
-                <a:solidFill>
-                  <a:srgbClr val="000000"/>
-                </a:solidFill>
-                <a:latin typeface="Arial (Body)"/>
-                <a:cs typeface="Times New Roman" panose="02020603050405020304" pitchFamily="18" charset="0"/>
-              </a:rPr>
-              <a:t>below</a:t>
-            </a:r>
-            <a:endParaRPr lang="en-US" altLang="en-US" sz="2400" kern="1200" dirty="0">
-              <a:solidFill>
-                <a:srgbClr val="000000"/>
-              </a:solidFill>
-              <a:latin typeface="Arial (Body)"/>
-              <a:cs typeface="Times New Roman" panose="02020603050405020304" pitchFamily="18" charset="0"/>
-            </a:endParaRPr>
+              <a:t>Block Display – Configures empty space above and below</a:t>
+            </a:r>
           </a:p>
         </p:txBody>
       </p:sp>
@@ -13053,13 +12660,6 @@
   <p:clrMapOvr>
     <a:masterClrMapping/>
   </p:clrMapOvr>
-  <p:timing>
-    <p:tnLst>
-      <p:par>
-        <p:cTn id="1" dur="indefinite" restart="never" nodeType="tmRoot"/>
-      </p:par>
-    </p:tnLst>
-  </p:timing>
 </p:sld>
 </file>
 
@@ -13113,18 +12713,13 @@
               <a:defRPr/>
             </a:pPr>
             <a:r>
-              <a:rPr lang="en-US" kern="1200" spc="-50" dirty="0" smtClean="0">
+              <a:rPr lang="en-US" kern="1200" spc="-50" dirty="0">
                 <a:latin typeface="Times New Roman" panose="02020603050405020304" pitchFamily="18" charset="0"/>
                 <a:ea typeface="+mj-ea"/>
                 <a:cs typeface="+mj-cs"/>
               </a:rPr>
               <a:t>Phrase Elements</a:t>
             </a:r>
-            <a:endParaRPr lang="en-US" kern="1200" spc="-50" dirty="0">
-              <a:latin typeface="Times New Roman" panose="02020603050405020304" pitchFamily="18" charset="0"/>
-              <a:ea typeface="+mj-ea"/>
-              <a:cs typeface="+mj-cs"/>
-            </a:endParaRPr>
           </a:p>
         </p:txBody>
       </p:sp>
@@ -13163,18 +12758,7 @@
                 <a:ea typeface="+mn-ea"/>
                 <a:cs typeface="+mn-cs"/>
               </a:rPr>
-              <a:t>Indicate the context and meaning of the </a:t>
-            </a:r>
-            <a:r>
-              <a:rPr lang="en-US" altLang="en-US" sz="2200" kern="1200" dirty="0" smtClean="0">
-                <a:solidFill>
-                  <a:srgbClr val="000000"/>
-                </a:solidFill>
-                <a:latin typeface="Arial (Body)"/>
-                <a:ea typeface="+mn-ea"/>
-                <a:cs typeface="+mn-cs"/>
-              </a:rPr>
-              <a:t>text.</a:t>
+              <a:t>Indicate the context and meaning of the text.</a:t>
             </a:r>
           </a:p>
           <a:p>
@@ -13183,7 +12767,7 @@
               <a:defRPr/>
             </a:pPr>
             <a:r>
-              <a:rPr lang="en-US" altLang="en-US" sz="2200" kern="1200" dirty="0" smtClean="0">
+              <a:rPr lang="en-US" altLang="en-US" sz="2200" kern="1200" dirty="0">
                 <a:solidFill>
                   <a:srgbClr val="000000"/>
                 </a:solidFill>
@@ -13714,13 +13298,13 @@
                         </a:spcAft>
                       </a:pPr>
                       <a:r>
-                        <a:rPr lang="en-US" sz="1400" b="1" dirty="0" smtClean="0">
+                        <a:rPr lang="en-US" sz="1400" b="1" dirty="0">
                           <a:effectLst/>
                         </a:rPr>
                         <a:t>mark</a:t>
                       </a:r>
                       <a:r>
-                        <a:rPr lang="en-US" sz="1400" dirty="0" smtClean="0">
+                        <a:rPr lang="en-US" sz="1400" dirty="0">
                           <a:effectLst/>
                         </a:rPr>
                         <a:t> text</a:t>
@@ -14208,13 +13792,6 @@
   <p:clrMapOvr>
     <a:masterClrMapping/>
   </p:clrMapOvr>
-  <p:timing>
-    <p:tnLst>
-      <p:par>
-        <p:cTn id="1" dur="indefinite" restart="never" nodeType="tmRoot"/>
-      </p:par>
-    </p:tnLst>
-  </p:timing>
 </p:sld>
 </file>
 
@@ -14268,18 +13845,13 @@
               <a:defRPr/>
             </a:pPr>
             <a:r>
-              <a:rPr lang="en-US" kern="1200" spc="-50" dirty="0" smtClean="0">
+              <a:rPr lang="en-US" kern="1200" spc="-50" dirty="0">
                 <a:latin typeface="Times New Roman" panose="02020603050405020304" pitchFamily="18" charset="0"/>
                 <a:ea typeface="+mj-ea"/>
                 <a:cs typeface="+mj-cs"/>
               </a:rPr>
               <a:t>Proper Nesting</a:t>
             </a:r>
-            <a:endParaRPr lang="en-US" kern="1200" spc="-50" dirty="0">
-              <a:latin typeface="Times New Roman" panose="02020603050405020304" pitchFamily="18" charset="0"/>
-              <a:ea typeface="+mj-ea"/>
-              <a:cs typeface="+mj-cs"/>
-            </a:endParaRPr>
           </a:p>
         </p:txBody>
       </p:sp>
@@ -14311,7 +13883,7 @@
               <a:defRPr/>
             </a:pPr>
             <a:r>
-              <a:rPr lang="en-US" altLang="en-US" sz="2400" b="1" kern="1200" dirty="0" smtClean="0">
+              <a:rPr lang="en-US" altLang="en-US" sz="2400" b="1" kern="1200" dirty="0">
                 <a:solidFill>
                   <a:srgbClr val="000000"/>
                 </a:solidFill>
@@ -14321,14 +13893,6 @@
               </a:rPr>
               <a:t>Code:</a:t>
             </a:r>
-            <a:endParaRPr lang="en-US" altLang="en-US" sz="2400" b="1" kern="1200" dirty="0">
-              <a:solidFill>
-                <a:srgbClr val="000000"/>
-              </a:solidFill>
-              <a:latin typeface="Arial (Body)"/>
-              <a:ea typeface="+mn-ea"/>
-              <a:cs typeface="+mn-cs"/>
-            </a:endParaRPr>
           </a:p>
         </p:txBody>
       </p:sp>
@@ -14380,7 +13944,7 @@
               <a:buNone/>
             </a:pPr>
             <a:r>
-              <a:rPr lang="en-US" altLang="en-US" sz="2400" b="1" kern="1200" dirty="0" smtClean="0">
+              <a:rPr lang="en-US" altLang="en-US" sz="2400" b="1" kern="1200" dirty="0">
                 <a:solidFill>
                   <a:srgbClr val="000000"/>
                 </a:solidFill>
@@ -14421,13 +13985,6 @@
   <p:clrMapOvr>
     <a:masterClrMapping/>
   </p:clrMapOvr>
-  <p:timing>
-    <p:tnLst>
-      <p:par>
-        <p:cTn id="1" dur="indefinite" restart="never" nodeType="tmRoot"/>
-      </p:par>
-    </p:tnLst>
-  </p:timing>
 </p:sld>
 </file>
 
@@ -14481,7 +14038,7 @@
               <a:defRPr/>
             </a:pPr>
             <a:r>
-              <a:rPr lang="en-US" kern="1200" spc="-50" dirty="0" smtClean="0">
+              <a:rPr lang="en-US" kern="1200" spc="-50" dirty="0">
                 <a:latin typeface="Times New Roman" panose="02020603050405020304" pitchFamily="18" charset="0"/>
                 <a:ea typeface="+mj-ea"/>
                 <a:cs typeface="+mj-cs"/>
@@ -14489,7 +14046,7 @@
               <a:t>H</a:t>
             </a:r>
             <a:r>
-              <a:rPr lang="en-US" sz="100" kern="1200" spc="-50" dirty="0" smtClean="0">
+              <a:rPr lang="en-US" sz="100" kern="1200" spc="-50" dirty="0">
                 <a:latin typeface="Times New Roman" panose="02020603050405020304" pitchFamily="18" charset="0"/>
                 <a:ea typeface="+mj-ea"/>
                 <a:cs typeface="+mj-cs"/>
@@ -14497,7 +14054,7 @@
               <a:t> </a:t>
             </a:r>
             <a:r>
-              <a:rPr lang="en-US" kern="1200" spc="-50" dirty="0" smtClean="0">
+              <a:rPr lang="en-US" kern="1200" spc="-50" dirty="0">
                 <a:latin typeface="Times New Roman" panose="02020603050405020304" pitchFamily="18" charset="0"/>
                 <a:ea typeface="+mj-ea"/>
                 <a:cs typeface="+mj-cs"/>
@@ -14505,7 +14062,7 @@
               <a:t>T</a:t>
             </a:r>
             <a:r>
-              <a:rPr lang="en-US" sz="100" kern="1200" spc="-50" dirty="0" smtClean="0">
+              <a:rPr lang="en-US" sz="100" kern="1200" spc="-50" dirty="0">
                 <a:latin typeface="Times New Roman" panose="02020603050405020304" pitchFamily="18" charset="0"/>
                 <a:ea typeface="+mj-ea"/>
                 <a:cs typeface="+mj-cs"/>
@@ -14513,7 +14070,7 @@
               <a:t> </a:t>
             </a:r>
             <a:r>
-              <a:rPr lang="en-US" kern="1200" spc="-50" dirty="0" smtClean="0">
+              <a:rPr lang="en-US" kern="1200" spc="-50" dirty="0">
                 <a:latin typeface="Times New Roman" panose="02020603050405020304" pitchFamily="18" charset="0"/>
                 <a:ea typeface="+mj-ea"/>
                 <a:cs typeface="+mj-cs"/>
@@ -14521,7 +14078,7 @@
               <a:t>M</a:t>
             </a:r>
             <a:r>
-              <a:rPr lang="en-US" sz="100" kern="1200" spc="-50" dirty="0" smtClean="0">
+              <a:rPr lang="en-US" sz="100" kern="1200" spc="-50" dirty="0">
                 <a:latin typeface="Times New Roman" panose="02020603050405020304" pitchFamily="18" charset="0"/>
                 <a:ea typeface="+mj-ea"/>
                 <a:cs typeface="+mj-cs"/>
@@ -14529,18 +14086,13 @@
               <a:t> </a:t>
             </a:r>
             <a:r>
-              <a:rPr lang="en-US" kern="1200" spc="-50" dirty="0" smtClean="0">
+              <a:rPr lang="en-US" kern="1200" spc="-50" dirty="0">
                 <a:latin typeface="Times New Roman" panose="02020603050405020304" pitchFamily="18" charset="0"/>
                 <a:ea typeface="+mj-ea"/>
                 <a:cs typeface="+mj-cs"/>
               </a:rPr>
               <a:t>L Lists</a:t>
             </a:r>
-            <a:endParaRPr lang="en-US" kern="1200" spc="-50" dirty="0">
-              <a:latin typeface="Times New Roman" panose="02020603050405020304" pitchFamily="18" charset="0"/>
-              <a:ea typeface="+mj-ea"/>
-              <a:cs typeface="+mj-cs"/>
-            </a:endParaRPr>
           </a:p>
         </p:txBody>
       </p:sp>
@@ -14613,10 +14165,10 @@
                 <a:ea typeface="+mn-ea"/>
                 <a:cs typeface="+mn-cs"/>
               </a:rPr>
-              <a:t>Description </a:t>
-            </a:r>
-            <a:r>
-              <a:rPr lang="en-US" altLang="en-US" sz="2400" kern="1200" dirty="0" smtClean="0">
+              <a:t>Description List </a:t>
+            </a:r>
+            <a:r>
+              <a:rPr lang="en-US" altLang="en-US" sz="2400" b="1" kern="1200" dirty="0">
                 <a:solidFill>
                   <a:srgbClr val="000000"/>
                 </a:solidFill>
@@ -14624,49 +14176,8 @@
                 <a:ea typeface="+mn-ea"/>
                 <a:cs typeface="+mn-cs"/>
               </a:rPr>
-              <a:t>List </a:t>
-            </a:r>
-            <a:r>
-              <a:rPr lang="en-US" altLang="en-US" sz="2400" b="1" kern="1200" dirty="0" smtClean="0">
-                <a:solidFill>
-                  <a:srgbClr val="000000"/>
-                </a:solidFill>
-                <a:latin typeface="Arial (Body)"/>
-                <a:ea typeface="+mn-ea"/>
-                <a:cs typeface="+mn-cs"/>
-              </a:rPr>
-              <a:t>formerly </a:t>
-            </a:r>
-            <a:r>
-              <a:rPr lang="en-US" altLang="en-US" sz="2400" b="1" kern="1200" dirty="0">
-                <a:solidFill>
-                  <a:srgbClr val="000000"/>
-                </a:solidFill>
-                <a:latin typeface="Arial (Body)"/>
-                <a:ea typeface="+mn-ea"/>
-                <a:cs typeface="+mn-cs"/>
-              </a:rPr>
-              <a:t>called a </a:t>
-            </a:r>
-            <a:r>
-              <a:rPr lang="en-US" altLang="en-US" sz="2400" b="1" kern="1200" dirty="0" smtClean="0">
-                <a:solidFill>
-                  <a:srgbClr val="000000"/>
-                </a:solidFill>
-                <a:latin typeface="Arial (Body)"/>
-                <a:ea typeface="+mn-ea"/>
-                <a:cs typeface="+mn-cs"/>
-              </a:rPr>
-              <a:t>definition list</a:t>
-            </a:r>
-            <a:endParaRPr lang="en-US" altLang="en-US" sz="2400" b="1" kern="1200" dirty="0">
-              <a:solidFill>
-                <a:srgbClr val="000000"/>
-              </a:solidFill>
-              <a:latin typeface="Arial (Body)"/>
-              <a:ea typeface="+mn-ea"/>
-              <a:cs typeface="+mn-cs"/>
-            </a:endParaRPr>
+              <a:t>formerly called a definition list</a:t>
+            </a:r>
           </a:p>
         </p:txBody>
       </p:sp>
@@ -14728,7 +14239,7 @@
               <a:defRPr/>
             </a:pPr>
             <a:r>
-              <a:rPr lang="en-US" sz="3400" b="1" kern="1200" spc="-50" dirty="0" smtClean="0">
+              <a:rPr lang="en-US" sz="3400" b="1" kern="1200" spc="-50" dirty="0">
                 <a:solidFill>
                   <a:schemeClr val="tx2"/>
                 </a:solidFill>
@@ -14738,14 +14249,6 @@
               </a:rPr>
               <a:t>Unordered List</a:t>
             </a:r>
-            <a:endParaRPr lang="en-US" sz="3400" b="1" kern="1200" spc="-50" dirty="0">
-              <a:solidFill>
-                <a:schemeClr val="tx2"/>
-              </a:solidFill>
-              <a:latin typeface="Times New Roman" panose="02020603050405020304" pitchFamily="18" charset="0"/>
-              <a:ea typeface="+mj-ea"/>
-              <a:cs typeface="+mj-cs"/>
-            </a:endParaRPr>
           </a:p>
         </p:txBody>
       </p:sp>
@@ -14774,19 +14277,7 @@
               <a:rPr lang="en-US" altLang="en-US" sz="2400" dirty="0">
                 <a:latin typeface="+mn-lt"/>
               </a:rPr>
-              <a:t>Displays a bullet, or list marker, </a:t>
-            </a:r>
-            <a:r>
-              <a:rPr lang="en-US" altLang="en-US" sz="2400" dirty="0" smtClean="0">
-                <a:latin typeface="+mn-lt"/>
-              </a:rPr>
-              <a:t>before </a:t>
-            </a:r>
-            <a:r>
-              <a:rPr lang="en-US" altLang="en-US" sz="2400" dirty="0">
-                <a:latin typeface="+mn-lt"/>
-              </a:rPr>
-              <a:t>each entry in the list.</a:t>
+              <a:t>Displays a bullet, or list marker, before each entry in the list.</a:t>
             </a:r>
             <a:endParaRPr lang="en-US" altLang="en-US" sz="2400" kern="1200" dirty="0">
               <a:solidFill>
@@ -14846,17 +14337,8 @@
               <a:rPr lang="en-US" altLang="en-US" sz="2400" dirty="0">
                 <a:latin typeface="+mn-lt"/>
               </a:rPr>
-              <a:t>Contains the unordered </a:t>
-            </a:r>
-            <a:r>
-              <a:rPr lang="en-US" altLang="en-US" sz="2400" dirty="0" smtClean="0">
-                <a:latin typeface="+mn-lt"/>
-              </a:rPr>
-              <a:t>list</a:t>
-            </a:r>
-            <a:endParaRPr lang="en-US" altLang="en-US" sz="2400" dirty="0">
-              <a:latin typeface="+mn-lt"/>
-            </a:endParaRPr>
+              <a:t>Contains the unordered list</a:t>
+            </a:r>
           </a:p>
         </p:txBody>
       </p:sp>
@@ -14907,17 +14389,8 @@
               <a:rPr lang="en-US" altLang="en-US" sz="2400" dirty="0">
                 <a:latin typeface="+mn-lt"/>
               </a:rPr>
-              <a:t>Contains an item in the </a:t>
-            </a:r>
-            <a:r>
-              <a:rPr lang="en-US" altLang="en-US" sz="2400" dirty="0" smtClean="0">
-                <a:latin typeface="+mn-lt"/>
-              </a:rPr>
-              <a:t>list</a:t>
-            </a:r>
-            <a:endParaRPr lang="en-US" altLang="en-US" sz="2400" dirty="0">
-              <a:latin typeface="+mn-lt"/>
-            </a:endParaRPr>
+              <a:t>Contains an item in the list</a:t>
+            </a:r>
           </a:p>
         </p:txBody>
       </p:sp>
@@ -14962,13 +14435,6 @@
     <a:masterClrMapping/>
   </p:clrMapOvr>
   <p:transition spd="slow"/>
-  <p:timing>
-    <p:tnLst>
-      <p:par>
-        <p:cTn id="1" dur="indefinite" restart="never" nodeType="tmRoot"/>
-      </p:par>
-    </p:tnLst>
-  </p:timing>
 </p:sld>
 </file>
 
@@ -15020,7 +14486,7 @@
               <a:defRPr/>
             </a:pPr>
             <a:r>
-              <a:rPr lang="en-US" sz="3400" b="1" kern="1200" spc="-50" dirty="0" smtClean="0">
+              <a:rPr lang="en-US" sz="3400" b="1" kern="1200" spc="-50" dirty="0">
                 <a:solidFill>
                   <a:srgbClr val="007FA3"/>
                 </a:solidFill>
@@ -15032,7 +14498,7 @@
               <a:t>Learning Objectives </a:t>
             </a:r>
             <a:r>
-              <a:rPr lang="en-US" sz="2000" kern="1200" spc="-50" dirty="0" smtClean="0">
+              <a:rPr lang="en-US" sz="2000" kern="1200" spc="-50" dirty="0">
                 <a:solidFill>
                   <a:srgbClr val="007FA3"/>
                 </a:solidFill>
@@ -15043,15 +14509,6 @@
               </a:rPr>
               <a:t>(1 of 2)</a:t>
             </a:r>
-            <a:endParaRPr lang="en-US" sz="2000" kern="1200" spc="-50" dirty="0">
-              <a:solidFill>
-                <a:srgbClr val="007FA3"/>
-              </a:solidFill>
-              <a:latin typeface="Times New Roman" panose="02020603050405020304" pitchFamily="18" charset="0"/>
-              <a:ea typeface="+mj-ea"/>
-              <a:cs typeface="+mj-cs"/>
-              <a:sym typeface="Times New Roman"/>
-            </a:endParaRPr>
           </a:p>
         </p:txBody>
       </p:sp>
@@ -15085,7 +14542,7 @@
               <a:defRPr/>
             </a:pPr>
             <a:r>
-              <a:rPr lang="en-US" sz="2400" b="1" kern="1200" dirty="0" smtClean="0">
+              <a:rPr lang="en-US" sz="2400" b="1" kern="1200" dirty="0">
                 <a:solidFill>
                   <a:schemeClr val="tx2"/>
                 </a:solidFill>
@@ -15095,136 +14552,6 @@
                 <a:sym typeface="Arial"/>
               </a:rPr>
               <a:t>2.1</a:t>
-            </a:r>
-            <a:r>
-              <a:rPr lang="en-US" sz="2400" kern="1200" dirty="0" smtClean="0">
-                <a:latin typeface="Arial (Body)"/>
-                <a:ea typeface="+mn-ea"/>
-                <a:cs typeface="+mn-cs"/>
-                <a:sym typeface="Arial"/>
-              </a:rPr>
-              <a:t> Describe H</a:t>
-            </a:r>
-            <a:r>
-              <a:rPr lang="en-US" sz="100" kern="1200" dirty="0" smtClean="0">
-                <a:latin typeface="Arial (Body)"/>
-                <a:ea typeface="+mn-ea"/>
-                <a:cs typeface="+mn-cs"/>
-                <a:sym typeface="Arial"/>
-              </a:rPr>
-              <a:t> </a:t>
-            </a:r>
-            <a:r>
-              <a:rPr lang="en-US" sz="2400" kern="1200" dirty="0" smtClean="0">
-                <a:latin typeface="Arial (Body)"/>
-                <a:ea typeface="+mn-ea"/>
-                <a:cs typeface="+mn-cs"/>
-                <a:sym typeface="Arial"/>
-              </a:rPr>
-              <a:t>T</a:t>
-            </a:r>
-            <a:r>
-              <a:rPr lang="en-US" sz="100" kern="1200" dirty="0" smtClean="0">
-                <a:latin typeface="Arial (Body)"/>
-                <a:ea typeface="+mn-ea"/>
-                <a:cs typeface="+mn-cs"/>
-                <a:sym typeface="Arial"/>
-              </a:rPr>
-              <a:t> </a:t>
-            </a:r>
-            <a:r>
-              <a:rPr lang="en-US" sz="2400" kern="1200" dirty="0" smtClean="0">
-                <a:latin typeface="Arial (Body)"/>
-                <a:ea typeface="+mn-ea"/>
-                <a:cs typeface="+mn-cs"/>
-                <a:sym typeface="Arial"/>
-              </a:rPr>
-              <a:t>M</a:t>
-            </a:r>
-            <a:r>
-              <a:rPr lang="en-US" sz="100" kern="1200" dirty="0" smtClean="0">
-                <a:latin typeface="Arial (Body)"/>
-                <a:ea typeface="+mn-ea"/>
-                <a:cs typeface="+mn-cs"/>
-                <a:sym typeface="Arial"/>
-              </a:rPr>
-              <a:t> </a:t>
-            </a:r>
-            <a:r>
-              <a:rPr lang="en-US" sz="2400" kern="1200" dirty="0" smtClean="0">
-                <a:latin typeface="Arial (Body)"/>
-                <a:ea typeface="+mn-ea"/>
-                <a:cs typeface="+mn-cs"/>
-                <a:sym typeface="Arial"/>
-              </a:rPr>
-              <a:t>L, X</a:t>
-            </a:r>
-            <a:r>
-              <a:rPr lang="en-US" sz="100" kern="1200" dirty="0" smtClean="0">
-                <a:latin typeface="Arial (Body)"/>
-                <a:ea typeface="+mn-ea"/>
-                <a:cs typeface="+mn-cs"/>
-                <a:sym typeface="Arial"/>
-              </a:rPr>
-              <a:t> </a:t>
-            </a:r>
-            <a:r>
-              <a:rPr lang="en-US" sz="2400" kern="1200" dirty="0" smtClean="0">
-                <a:latin typeface="Arial (Body)"/>
-                <a:sym typeface="Arial"/>
-              </a:rPr>
-              <a:t>H</a:t>
-            </a:r>
-            <a:r>
-              <a:rPr lang="en-US" sz="100" kern="1200" dirty="0" smtClean="0">
-                <a:latin typeface="Arial (Body)"/>
-                <a:sym typeface="Arial"/>
-              </a:rPr>
-              <a:t> </a:t>
-            </a:r>
-            <a:r>
-              <a:rPr lang="en-US" sz="2400" kern="1200" dirty="0">
-                <a:latin typeface="Arial (Body)"/>
-                <a:sym typeface="Arial"/>
-              </a:rPr>
-              <a:t>T</a:t>
-            </a:r>
-            <a:r>
-              <a:rPr lang="en-US" sz="100" kern="1200" dirty="0">
-                <a:latin typeface="Arial (Body)"/>
-                <a:sym typeface="Arial"/>
-              </a:rPr>
-              <a:t> </a:t>
-            </a:r>
-            <a:r>
-              <a:rPr lang="en-US" sz="2400" kern="1200" dirty="0">
-                <a:latin typeface="Arial (Body)"/>
-                <a:sym typeface="Arial"/>
-              </a:rPr>
-              <a:t>M</a:t>
-            </a:r>
-            <a:r>
-              <a:rPr lang="en-US" sz="100" kern="1200" dirty="0">
-                <a:latin typeface="Arial (Body)"/>
-                <a:sym typeface="Arial"/>
-              </a:rPr>
-              <a:t> </a:t>
-            </a:r>
-            <a:r>
-              <a:rPr lang="en-US" sz="2400" kern="1200" dirty="0">
-                <a:latin typeface="Arial (Body)"/>
-                <a:sym typeface="Arial"/>
-              </a:rPr>
-              <a:t>L</a:t>
-            </a:r>
-            <a:r>
-              <a:rPr lang="en-US" sz="2400" kern="1200" dirty="0" smtClean="0">
-                <a:latin typeface="Arial (Body)"/>
-                <a:ea typeface="+mn-ea"/>
-                <a:cs typeface="+mn-cs"/>
-                <a:sym typeface="Arial"/>
-              </a:rPr>
-              <a:t>, </a:t>
             </a:r>
             <a:r>
               <a:rPr lang="en-US" sz="2400" kern="1200" dirty="0">
@@ -15233,108 +14560,16 @@
                 <a:cs typeface="+mn-cs"/>
                 <a:sym typeface="Arial"/>
               </a:rPr>
-              <a:t>and </a:t>
-            </a:r>
-            <a:r>
-              <a:rPr lang="en-US" sz="2400" kern="1200" dirty="0">
-                <a:latin typeface="Arial (Body)"/>
-                <a:sym typeface="Arial"/>
-              </a:rPr>
-              <a:t>H</a:t>
+              <a:t> Describe H</a:t>
             </a:r>
             <a:r>
               <a:rPr lang="en-US" sz="100" kern="1200" dirty="0">
-                <a:latin typeface="Arial (Body)"/>
-                <a:sym typeface="Arial"/>
-              </a:rPr>
-              <a:t> </a:t>
-            </a:r>
-            <a:r>
-              <a:rPr lang="en-US" sz="2400" kern="1200" dirty="0">
-                <a:latin typeface="Arial (Body)"/>
-                <a:sym typeface="Arial"/>
-              </a:rPr>
-              <a:t>T</a:t>
-            </a:r>
-            <a:r>
-              <a:rPr lang="en-US" sz="100" kern="1200" dirty="0">
-                <a:latin typeface="Arial (Body)"/>
-                <a:sym typeface="Arial"/>
-              </a:rPr>
-              <a:t> </a:t>
-            </a:r>
-            <a:r>
-              <a:rPr lang="en-US" sz="2400" kern="1200" dirty="0">
-                <a:latin typeface="Arial (Body)"/>
-                <a:sym typeface="Arial"/>
-              </a:rPr>
-              <a:t>M</a:t>
-            </a:r>
-            <a:r>
-              <a:rPr lang="en-US" sz="100" kern="1200" dirty="0">
-                <a:latin typeface="Arial (Body)"/>
-                <a:sym typeface="Arial"/>
-              </a:rPr>
-              <a:t> </a:t>
-            </a:r>
-            <a:r>
-              <a:rPr lang="en-US" sz="2400" kern="1200" dirty="0" smtClean="0">
-                <a:latin typeface="Arial (Body)"/>
-                <a:sym typeface="Arial"/>
-              </a:rPr>
-              <a:t>L</a:t>
-            </a:r>
-            <a:r>
-              <a:rPr lang="en-US" sz="100" kern="1200" dirty="0" smtClean="0">
-                <a:latin typeface="Arial (Body)"/>
-                <a:sym typeface="Arial"/>
-              </a:rPr>
-              <a:t> </a:t>
-            </a:r>
-            <a:r>
-              <a:rPr lang="en-US" sz="2400" kern="1200" dirty="0" smtClean="0">
                 <a:latin typeface="Arial (Body)"/>
                 <a:ea typeface="+mn-ea"/>
                 <a:cs typeface="+mn-cs"/>
                 <a:sym typeface="Arial"/>
               </a:rPr>
-              <a:t>5</a:t>
-            </a:r>
-            <a:endParaRPr lang="en-US" sz="2400" kern="1200" dirty="0">
-              <a:latin typeface="Arial (Body)"/>
-              <a:ea typeface="+mn-ea"/>
-              <a:cs typeface="+mn-cs"/>
-              <a:sym typeface="Arial"/>
-            </a:endParaRPr>
-          </a:p>
-          <a:p>
-            <a:pPr lvl="2" eaLnBrk="1" fontAlgn="auto" hangingPunct="1">
-              <a:spcBef>
-                <a:spcPts val="1500"/>
-              </a:spcBef>
-              <a:buSzPct val="100000"/>
-              <a:defRPr/>
-            </a:pPr>
-            <a:r>
-              <a:rPr lang="en-US" sz="2400" b="1" kern="1200" dirty="0" smtClean="0">
-                <a:solidFill>
-                  <a:schemeClr val="tx2"/>
-                </a:solidFill>
-                <a:latin typeface="Arial (Body)"/>
-                <a:ea typeface="+mn-ea"/>
-                <a:cs typeface="+mn-cs"/>
-                <a:sym typeface="Arial"/>
-              </a:rPr>
-              <a:t>2.2</a:t>
-            </a:r>
-            <a:r>
-              <a:rPr lang="en-US" sz="2400" kern="1200" dirty="0" smtClean="0">
-                <a:latin typeface="Arial (Body)"/>
-                <a:ea typeface="+mn-ea"/>
-                <a:cs typeface="+mn-cs"/>
-                <a:sym typeface="Arial"/>
-              </a:rPr>
-              <a:t> Identify </a:t>
+              <a:t> </a:t>
             </a:r>
             <a:r>
               <a:rPr lang="en-US" sz="2400" kern="1200" dirty="0">
@@ -15343,37 +14578,16 @@
                 <a:cs typeface="+mn-cs"/>
                 <a:sym typeface="Arial"/>
               </a:rPr>
-              <a:t>the markup language in a web page document</a:t>
-            </a:r>
-          </a:p>
-          <a:p>
-            <a:pPr lvl="2" eaLnBrk="1" fontAlgn="auto" hangingPunct="1">
-              <a:spcBef>
-                <a:spcPts val="1500"/>
-              </a:spcBef>
-              <a:buSzPct val="100000"/>
-              <a:defRPr/>
-            </a:pPr>
-            <a:r>
-              <a:rPr lang="en-US" sz="2400" b="1" kern="1200" dirty="0" smtClean="0">
-                <a:solidFill>
-                  <a:schemeClr val="tx2"/>
-                </a:solidFill>
+              <a:t>T</a:t>
+            </a:r>
+            <a:r>
+              <a:rPr lang="en-US" sz="100" kern="1200" dirty="0">
                 <a:latin typeface="Arial (Body)"/>
                 <a:ea typeface="+mn-ea"/>
                 <a:cs typeface="+mn-cs"/>
                 <a:sym typeface="Arial"/>
               </a:rPr>
-              <a:t>2.3</a:t>
-            </a:r>
-            <a:r>
-              <a:rPr lang="en-US" sz="2400" kern="1200" dirty="0" smtClean="0">
-                <a:latin typeface="Arial (Body)"/>
-                <a:ea typeface="+mn-ea"/>
-                <a:cs typeface="+mn-cs"/>
-                <a:sym typeface="Arial"/>
-              </a:rPr>
-              <a:t> Use </a:t>
+              <a:t> </a:t>
             </a:r>
             <a:r>
               <a:rPr lang="en-US" sz="2400" kern="1200" dirty="0">
@@ -15382,70 +14596,16 @@
                 <a:cs typeface="+mn-cs"/>
                 <a:sym typeface="Arial"/>
               </a:rPr>
-              <a:t>the </a:t>
-            </a:r>
-            <a:r>
-              <a:rPr lang="en-US" sz="2400" kern="1200" dirty="0" smtClean="0">
+              <a:t>M</a:t>
+            </a:r>
+            <a:r>
+              <a:rPr lang="en-US" sz="100" kern="1200" dirty="0">
                 <a:latin typeface="Arial (Body)"/>
                 <a:ea typeface="+mn-ea"/>
                 <a:cs typeface="+mn-cs"/>
                 <a:sym typeface="Arial"/>
               </a:rPr>
-              <a:t>h</a:t>
-            </a:r>
-            <a:r>
-              <a:rPr lang="en-US" sz="100" kern="1200" dirty="0" smtClean="0">
-                <a:latin typeface="Arial (Body)"/>
-                <a:ea typeface="+mn-ea"/>
-                <a:cs typeface="+mn-cs"/>
-                <a:sym typeface="Arial"/>
-              </a:rPr>
               <a:t> </a:t>
-            </a:r>
-            <a:r>
-              <a:rPr lang="en-US" sz="2400" kern="1200" dirty="0" smtClean="0">
-                <a:latin typeface="Arial (Body)"/>
-                <a:ea typeface="+mn-ea"/>
-                <a:cs typeface="+mn-cs"/>
-                <a:sym typeface="Arial"/>
-              </a:rPr>
-              <a:t>t</a:t>
-            </a:r>
-            <a:r>
-              <a:rPr lang="en-US" sz="100" kern="1200" dirty="0" smtClean="0">
-                <a:latin typeface="Arial (Body)"/>
-                <a:ea typeface="+mn-ea"/>
-                <a:cs typeface="+mn-cs"/>
-                <a:sym typeface="Arial"/>
-              </a:rPr>
-              <a:t> </a:t>
-            </a:r>
-            <a:r>
-              <a:rPr lang="en-US" sz="2400" kern="1200" dirty="0" smtClean="0">
-                <a:latin typeface="Arial (Body)"/>
-                <a:ea typeface="+mn-ea"/>
-                <a:cs typeface="+mn-cs"/>
-                <a:sym typeface="Arial"/>
-              </a:rPr>
-              <a:t>m</a:t>
-            </a:r>
-            <a:r>
-              <a:rPr lang="en-US" sz="100" kern="1200" dirty="0" smtClean="0">
-                <a:latin typeface="Arial (Body)"/>
-                <a:ea typeface="+mn-ea"/>
-                <a:cs typeface="+mn-cs"/>
-                <a:sym typeface="Arial"/>
-              </a:rPr>
-              <a:t> </a:t>
-            </a:r>
-            <a:r>
-              <a:rPr lang="en-US" sz="2400" kern="1200" dirty="0" smtClean="0">
-                <a:latin typeface="Arial (Body)"/>
-                <a:ea typeface="+mn-ea"/>
-                <a:cs typeface="+mn-cs"/>
-                <a:sym typeface="Arial"/>
-              </a:rPr>
-              <a:t>l</a:t>
             </a:r>
             <a:r>
               <a:rPr lang="en-US" sz="2400" kern="1200" dirty="0">
@@ -15454,37 +14614,65 @@
                 <a:cs typeface="+mn-cs"/>
                 <a:sym typeface="Arial"/>
               </a:rPr>
-              <a:t>, head, body, title, and meta elements to code a template for a web page</a:t>
-            </a:r>
-          </a:p>
-          <a:p>
-            <a:pPr lvl="2" eaLnBrk="1" fontAlgn="auto" hangingPunct="1">
-              <a:spcBef>
-                <a:spcPts val="1500"/>
-              </a:spcBef>
-              <a:buSzPct val="100000"/>
-              <a:defRPr/>
-            </a:pPr>
-            <a:r>
-              <a:rPr lang="en-US" sz="2400" b="1" kern="1200" dirty="0" smtClean="0">
-                <a:solidFill>
-                  <a:schemeClr val="tx2"/>
-                </a:solidFill>
+              <a:t>L, X</a:t>
+            </a:r>
+            <a:r>
+              <a:rPr lang="en-US" sz="100" kern="1200" dirty="0">
                 <a:latin typeface="Arial (Body)"/>
                 <a:ea typeface="+mn-ea"/>
                 <a:cs typeface="+mn-cs"/>
                 <a:sym typeface="Arial"/>
               </a:rPr>
-              <a:t>2.4</a:t>
-            </a:r>
-            <a:r>
-              <a:rPr lang="en-US" sz="2400" kern="1200" dirty="0" smtClean="0">
+              <a:t> </a:t>
+            </a:r>
+            <a:r>
+              <a:rPr lang="en-US" sz="2400" kern="1200" dirty="0">
                 <a:latin typeface="Arial (Body)"/>
-                <a:ea typeface="+mn-ea"/>
-                <a:cs typeface="+mn-cs"/>
-                <a:sym typeface="Arial"/>
-              </a:rPr>
-              <a:t> Configure </a:t>
+                <a:sym typeface="Arial"/>
+              </a:rPr>
+              <a:t>H</a:t>
+            </a:r>
+            <a:r>
+              <a:rPr lang="en-US" sz="100" kern="1200" dirty="0">
+                <a:latin typeface="Arial (Body)"/>
+                <a:sym typeface="Arial"/>
+              </a:rPr>
+              <a:t> </a:t>
+            </a:r>
+            <a:r>
+              <a:rPr lang="en-US" sz="2400" kern="1200" dirty="0">
+                <a:latin typeface="Arial (Body)"/>
+                <a:sym typeface="Arial"/>
+              </a:rPr>
+              <a:t>T</a:t>
+            </a:r>
+            <a:r>
+              <a:rPr lang="en-US" sz="100" kern="1200" dirty="0">
+                <a:latin typeface="Arial (Body)"/>
+                <a:sym typeface="Arial"/>
+              </a:rPr>
+              <a:t> </a:t>
+            </a:r>
+            <a:r>
+              <a:rPr lang="en-US" sz="2400" kern="1200" dirty="0">
+                <a:latin typeface="Arial (Body)"/>
+                <a:sym typeface="Arial"/>
+              </a:rPr>
+              <a:t>M</a:t>
+            </a:r>
+            <a:r>
+              <a:rPr lang="en-US" sz="100" kern="1200" dirty="0">
+                <a:latin typeface="Arial (Body)"/>
+                <a:sym typeface="Arial"/>
+              </a:rPr>
+              <a:t> </a:t>
+            </a:r>
+            <a:r>
+              <a:rPr lang="en-US" sz="2400" kern="1200" dirty="0">
+                <a:latin typeface="Arial (Body)"/>
+                <a:sym typeface="Arial"/>
+              </a:rPr>
+              <a:t>L</a:t>
             </a:r>
             <a:r>
               <a:rPr lang="en-US" sz="2400" kern="1200" dirty="0">
@@ -15493,37 +14681,63 @@
                 <a:cs typeface="+mn-cs"/>
                 <a:sym typeface="Arial"/>
               </a:rPr>
-              <a:t>the body of a web page with headings, paragraphs, line breaks, divs, lists, and blockquotes</a:t>
-            </a:r>
-          </a:p>
-          <a:p>
-            <a:pPr lvl="2" eaLnBrk="1" fontAlgn="auto" hangingPunct="1">
-              <a:spcBef>
-                <a:spcPts val="1500"/>
-              </a:spcBef>
-              <a:buSzPct val="100000"/>
-              <a:defRPr/>
-            </a:pPr>
-            <a:r>
-              <a:rPr lang="en-US" sz="2400" b="1" kern="1200" dirty="0" smtClean="0">
-                <a:solidFill>
-                  <a:schemeClr val="tx2"/>
-                </a:solidFill>
+              <a:t>, and </a:t>
+            </a:r>
+            <a:r>
+              <a:rPr lang="en-US" sz="2400" kern="1200" dirty="0">
                 <a:latin typeface="Arial (Body)"/>
-                <a:ea typeface="+mn-ea"/>
-                <a:cs typeface="+mn-cs"/>
-                <a:sym typeface="Arial"/>
-              </a:rPr>
-              <a:t>2.5</a:t>
-            </a:r>
-            <a:r>
-              <a:rPr lang="en-US" sz="2400" kern="1200" dirty="0" smtClean="0">
+                <a:sym typeface="Arial"/>
+              </a:rPr>
+              <a:t>H</a:t>
+            </a:r>
+            <a:r>
+              <a:rPr lang="en-US" sz="100" kern="1200" dirty="0">
                 <a:latin typeface="Arial (Body)"/>
-                <a:ea typeface="+mn-ea"/>
-                <a:cs typeface="+mn-cs"/>
-                <a:sym typeface="Arial"/>
-              </a:rPr>
-              <a:t> Configure </a:t>
+                <a:sym typeface="Arial"/>
+              </a:rPr>
+              <a:t> </a:t>
+            </a:r>
+            <a:r>
+              <a:rPr lang="en-US" sz="2400" kern="1200" dirty="0">
+                <a:latin typeface="Arial (Body)"/>
+                <a:sym typeface="Arial"/>
+              </a:rPr>
+              <a:t>T</a:t>
+            </a:r>
+            <a:r>
+              <a:rPr lang="en-US" sz="100" kern="1200" dirty="0">
+                <a:latin typeface="Arial (Body)"/>
+                <a:sym typeface="Arial"/>
+              </a:rPr>
+              <a:t> </a:t>
+            </a:r>
+            <a:r>
+              <a:rPr lang="en-US" sz="2400" kern="1200" dirty="0">
+                <a:latin typeface="Arial (Body)"/>
+                <a:sym typeface="Arial"/>
+              </a:rPr>
+              <a:t>M</a:t>
+            </a:r>
+            <a:r>
+              <a:rPr lang="en-US" sz="100" kern="1200" dirty="0">
+                <a:latin typeface="Arial (Body)"/>
+                <a:sym typeface="Arial"/>
+              </a:rPr>
+              <a:t> </a:t>
+            </a:r>
+            <a:r>
+              <a:rPr lang="en-US" sz="2400" kern="1200" dirty="0">
+                <a:latin typeface="Arial (Body)"/>
+                <a:sym typeface="Arial"/>
+              </a:rPr>
+              <a:t>L</a:t>
+            </a:r>
+            <a:r>
+              <a:rPr lang="en-US" sz="100" kern="1200" dirty="0">
+                <a:latin typeface="Arial (Body)"/>
+                <a:sym typeface="Arial"/>
+              </a:rPr>
+              <a:t> </a:t>
             </a:r>
             <a:r>
               <a:rPr lang="en-US" sz="2400" kern="1200" dirty="0">
@@ -15532,7 +14746,7 @@
                 <a:cs typeface="+mn-cs"/>
                 <a:sym typeface="Arial"/>
               </a:rPr>
-              <a:t>text with phrase elements</a:t>
+              <a:t>5</a:t>
             </a:r>
           </a:p>
           <a:p>
@@ -15544,7 +14758,7 @@
               <a:defRPr/>
             </a:pPr>
             <a:r>
-              <a:rPr lang="en-US" sz="2400" b="1" kern="1200" dirty="0" smtClean="0">
+              <a:rPr lang="en-US" sz="2400" b="1" kern="1200" dirty="0">
                 <a:solidFill>
                   <a:schemeClr val="tx2"/>
                 </a:solidFill>
@@ -15553,16 +14767,7 @@
                 <a:cs typeface="+mn-cs"/>
                 <a:sym typeface="Arial"/>
               </a:rPr>
-              <a:t>2.6</a:t>
-            </a:r>
-            <a:r>
-              <a:rPr lang="en-US" sz="2400" kern="1200" dirty="0" smtClean="0">
-                <a:latin typeface="Arial (Body)"/>
-                <a:ea typeface="+mn-ea"/>
-                <a:cs typeface="+mn-cs"/>
-                <a:sym typeface="Arial"/>
-              </a:rPr>
-              <a:t> Configure </a:t>
+              <a:t>2.2</a:t>
             </a:r>
             <a:r>
               <a:rPr lang="en-US" sz="2400" kern="1200" dirty="0">
@@ -15571,88 +14776,28 @@
                 <a:cs typeface="+mn-cs"/>
                 <a:sym typeface="Arial"/>
               </a:rPr>
-              <a:t>a web page using new </a:t>
-            </a:r>
-            <a:r>
-              <a:rPr lang="en-US" sz="2400" kern="1200" dirty="0" smtClean="0">
+              <a:t> Identify the markup language in a web page document</a:t>
+            </a:r>
+          </a:p>
+          <a:p>
+            <a:pPr lvl="2" eaLnBrk="1" fontAlgn="auto" hangingPunct="1">
+              <a:spcBef>
+                <a:spcPts val="1500"/>
+              </a:spcBef>
+              <a:buSzPct val="100000"/>
+              <a:defRPr/>
+            </a:pPr>
+            <a:r>
+              <a:rPr lang="en-US" sz="2400" b="1" kern="1200" dirty="0">
+                <a:solidFill>
+                  <a:schemeClr val="tx2"/>
+                </a:solidFill>
                 <a:latin typeface="Arial (Body)"/>
                 <a:ea typeface="+mn-ea"/>
                 <a:cs typeface="+mn-cs"/>
                 <a:sym typeface="Arial"/>
               </a:rPr>
-              <a:t>H</a:t>
-            </a:r>
-            <a:r>
-              <a:rPr lang="en-US" sz="100" kern="1200" dirty="0" smtClean="0">
-                <a:latin typeface="Arial (Body)"/>
-                <a:ea typeface="+mn-ea"/>
-                <a:cs typeface="+mn-cs"/>
-                <a:sym typeface="Arial"/>
-              </a:rPr>
-              <a:t> </a:t>
-            </a:r>
-            <a:r>
-              <a:rPr lang="en-US" sz="2400" kern="1200" dirty="0" smtClean="0">
-                <a:latin typeface="Arial (Body)"/>
-                <a:ea typeface="+mn-ea"/>
-                <a:cs typeface="+mn-cs"/>
-                <a:sym typeface="Arial"/>
-              </a:rPr>
-              <a:t>T</a:t>
-            </a:r>
-            <a:r>
-              <a:rPr lang="en-US" sz="100" kern="1200" dirty="0" smtClean="0">
-                <a:latin typeface="Arial (Body)"/>
-                <a:ea typeface="+mn-ea"/>
-                <a:cs typeface="+mn-cs"/>
-                <a:sym typeface="Arial"/>
-              </a:rPr>
-              <a:t> </a:t>
-            </a:r>
-            <a:r>
-              <a:rPr lang="en-US" sz="2400" kern="1200" dirty="0" smtClean="0">
-                <a:latin typeface="Arial (Body)"/>
-                <a:ea typeface="+mn-ea"/>
-                <a:cs typeface="+mn-cs"/>
-                <a:sym typeface="Arial"/>
-              </a:rPr>
-              <a:t>M</a:t>
-            </a:r>
-            <a:r>
-              <a:rPr lang="en-US" sz="100" kern="1200" dirty="0" smtClean="0">
-                <a:latin typeface="Arial (Body)"/>
-                <a:ea typeface="+mn-ea"/>
-                <a:cs typeface="+mn-cs"/>
-                <a:sym typeface="Arial"/>
-              </a:rPr>
-              <a:t> </a:t>
-            </a:r>
-            <a:r>
-              <a:rPr lang="en-US" sz="2400" kern="1200" dirty="0" smtClean="0">
-                <a:latin typeface="Arial (Body)"/>
-                <a:ea typeface="+mn-ea"/>
-                <a:cs typeface="+mn-cs"/>
-                <a:sym typeface="Arial"/>
-              </a:rPr>
-              <a:t>L</a:t>
-            </a:r>
-            <a:r>
-              <a:rPr lang="en-US" sz="100" kern="1200" dirty="0" smtClean="0">
-                <a:latin typeface="Arial (Body)"/>
-                <a:ea typeface="+mn-ea"/>
-                <a:cs typeface="+mn-cs"/>
-                <a:sym typeface="Arial"/>
-              </a:rPr>
-              <a:t> </a:t>
-            </a:r>
-            <a:r>
-              <a:rPr lang="en-US" sz="2400" kern="1200" dirty="0" smtClean="0">
-                <a:latin typeface="Arial (Body)"/>
-                <a:ea typeface="+mn-ea"/>
-                <a:cs typeface="+mn-cs"/>
-                <a:sym typeface="Arial"/>
-              </a:rPr>
-              <a:t>5 </a:t>
+              <a:t>2.3</a:t>
             </a:r>
             <a:r>
               <a:rPr lang="en-US" sz="2400" kern="1200" dirty="0">
@@ -15661,16 +14806,16 @@
                 <a:cs typeface="+mn-cs"/>
                 <a:sym typeface="Arial"/>
               </a:rPr>
-              <a:t>header, nav, </a:t>
-            </a:r>
-            <a:r>
-              <a:rPr lang="en-US" sz="2400" kern="1200" dirty="0" smtClean="0">
+              <a:t> Use the h</a:t>
+            </a:r>
+            <a:r>
+              <a:rPr lang="en-US" sz="100" kern="1200" dirty="0">
                 <a:latin typeface="Arial (Body)"/>
                 <a:ea typeface="+mn-ea"/>
                 <a:cs typeface="+mn-cs"/>
                 <a:sym typeface="Arial"/>
               </a:rPr>
-              <a:t>main</a:t>
+              <a:t> </a:t>
             </a:r>
             <a:r>
               <a:rPr lang="en-US" sz="2400" kern="1200" dirty="0">
@@ -15679,23 +14824,206 @@
                 <a:cs typeface="+mn-cs"/>
                 <a:sym typeface="Arial"/>
               </a:rPr>
-              <a:t>, and footer </a:t>
-            </a:r>
-            <a:r>
-              <a:rPr lang="en-US" sz="2400" kern="1200" dirty="0" smtClean="0">
+              <a:t>t</a:t>
+            </a:r>
+            <a:r>
+              <a:rPr lang="en-US" sz="100" kern="1200" dirty="0">
                 <a:latin typeface="Arial (Body)"/>
                 <a:ea typeface="+mn-ea"/>
                 <a:cs typeface="+mn-cs"/>
                 <a:sym typeface="Arial"/>
               </a:rPr>
-              <a:t>elements</a:t>
-            </a:r>
-            <a:endParaRPr lang="en-US" sz="2400" kern="1200" dirty="0">
-              <a:latin typeface="Arial (Body)"/>
-              <a:ea typeface="+mn-ea"/>
-              <a:cs typeface="+mn-cs"/>
-              <a:sym typeface="Arial"/>
-            </a:endParaRPr>
+              <a:t> </a:t>
+            </a:r>
+            <a:r>
+              <a:rPr lang="en-US" sz="2400" kern="1200" dirty="0">
+                <a:latin typeface="Arial (Body)"/>
+                <a:ea typeface="+mn-ea"/>
+                <a:cs typeface="+mn-cs"/>
+                <a:sym typeface="Arial"/>
+              </a:rPr>
+              <a:t>m</a:t>
+            </a:r>
+            <a:r>
+              <a:rPr lang="en-US" sz="100" kern="1200" dirty="0">
+                <a:latin typeface="Arial (Body)"/>
+                <a:ea typeface="+mn-ea"/>
+                <a:cs typeface="+mn-cs"/>
+                <a:sym typeface="Arial"/>
+              </a:rPr>
+              <a:t> </a:t>
+            </a:r>
+            <a:r>
+              <a:rPr lang="en-US" sz="2400" kern="1200" dirty="0">
+                <a:latin typeface="Arial (Body)"/>
+                <a:ea typeface="+mn-ea"/>
+                <a:cs typeface="+mn-cs"/>
+                <a:sym typeface="Arial"/>
+              </a:rPr>
+              <a:t>l, head, body, title, and meta elements to code a template for a web page</a:t>
+            </a:r>
+          </a:p>
+          <a:p>
+            <a:pPr lvl="2" eaLnBrk="1" fontAlgn="auto" hangingPunct="1">
+              <a:spcBef>
+                <a:spcPts val="1500"/>
+              </a:spcBef>
+              <a:buSzPct val="100000"/>
+              <a:defRPr/>
+            </a:pPr>
+            <a:r>
+              <a:rPr lang="en-US" sz="2400" b="1" kern="1200" dirty="0">
+                <a:solidFill>
+                  <a:schemeClr val="tx2"/>
+                </a:solidFill>
+                <a:latin typeface="Arial (Body)"/>
+                <a:ea typeface="+mn-ea"/>
+                <a:cs typeface="+mn-cs"/>
+                <a:sym typeface="Arial"/>
+              </a:rPr>
+              <a:t>2.4</a:t>
+            </a:r>
+            <a:r>
+              <a:rPr lang="en-US" sz="2400" kern="1200" dirty="0">
+                <a:latin typeface="Arial (Body)"/>
+                <a:ea typeface="+mn-ea"/>
+                <a:cs typeface="+mn-cs"/>
+                <a:sym typeface="Arial"/>
+              </a:rPr>
+              <a:t> Configure the body of a web page with headings, paragraphs, line breaks, divs, lists, and blockquotes</a:t>
+            </a:r>
+          </a:p>
+          <a:p>
+            <a:pPr lvl="2" eaLnBrk="1" fontAlgn="auto" hangingPunct="1">
+              <a:spcBef>
+                <a:spcPts val="1500"/>
+              </a:spcBef>
+              <a:buSzPct val="100000"/>
+              <a:defRPr/>
+            </a:pPr>
+            <a:r>
+              <a:rPr lang="en-US" sz="2400" b="1" kern="1200" dirty="0">
+                <a:solidFill>
+                  <a:schemeClr val="tx2"/>
+                </a:solidFill>
+                <a:latin typeface="Arial (Body)"/>
+                <a:ea typeface="+mn-ea"/>
+                <a:cs typeface="+mn-cs"/>
+                <a:sym typeface="Arial"/>
+              </a:rPr>
+              <a:t>2.5</a:t>
+            </a:r>
+            <a:r>
+              <a:rPr lang="en-US" sz="2400" kern="1200" dirty="0">
+                <a:latin typeface="Arial (Body)"/>
+                <a:ea typeface="+mn-ea"/>
+                <a:cs typeface="+mn-cs"/>
+                <a:sym typeface="Arial"/>
+              </a:rPr>
+              <a:t> Configure text with phrase elements</a:t>
+            </a:r>
+          </a:p>
+          <a:p>
+            <a:pPr lvl="2" eaLnBrk="1" fontAlgn="auto" hangingPunct="1">
+              <a:spcBef>
+                <a:spcPts val="1500"/>
+              </a:spcBef>
+              <a:buSzPct val="100000"/>
+              <a:defRPr/>
+            </a:pPr>
+            <a:r>
+              <a:rPr lang="en-US" sz="2400" b="1" kern="1200" dirty="0">
+                <a:solidFill>
+                  <a:schemeClr val="tx2"/>
+                </a:solidFill>
+                <a:latin typeface="Arial (Body)"/>
+                <a:ea typeface="+mn-ea"/>
+                <a:cs typeface="+mn-cs"/>
+                <a:sym typeface="Arial"/>
+              </a:rPr>
+              <a:t>2.6</a:t>
+            </a:r>
+            <a:r>
+              <a:rPr lang="en-US" sz="2400" kern="1200" dirty="0">
+                <a:latin typeface="Arial (Body)"/>
+                <a:ea typeface="+mn-ea"/>
+                <a:cs typeface="+mn-cs"/>
+                <a:sym typeface="Arial"/>
+              </a:rPr>
+              <a:t> Configure a web page using new H</a:t>
+            </a:r>
+            <a:r>
+              <a:rPr lang="en-US" sz="100" kern="1200" dirty="0">
+                <a:latin typeface="Arial (Body)"/>
+                <a:ea typeface="+mn-ea"/>
+                <a:cs typeface="+mn-cs"/>
+                <a:sym typeface="Arial"/>
+              </a:rPr>
+              <a:t> </a:t>
+            </a:r>
+            <a:r>
+              <a:rPr lang="en-US" sz="2400" kern="1200" dirty="0">
+                <a:latin typeface="Arial (Body)"/>
+                <a:ea typeface="+mn-ea"/>
+                <a:cs typeface="+mn-cs"/>
+                <a:sym typeface="Arial"/>
+              </a:rPr>
+              <a:t>T</a:t>
+            </a:r>
+            <a:r>
+              <a:rPr lang="en-US" sz="100" kern="1200" dirty="0">
+                <a:latin typeface="Arial (Body)"/>
+                <a:ea typeface="+mn-ea"/>
+                <a:cs typeface="+mn-cs"/>
+                <a:sym typeface="Arial"/>
+              </a:rPr>
+              <a:t> </a:t>
+            </a:r>
+            <a:r>
+              <a:rPr lang="en-US" sz="2400" kern="1200" dirty="0">
+                <a:latin typeface="Arial (Body)"/>
+                <a:ea typeface="+mn-ea"/>
+                <a:cs typeface="+mn-cs"/>
+                <a:sym typeface="Arial"/>
+              </a:rPr>
+              <a:t>M</a:t>
+            </a:r>
+            <a:r>
+              <a:rPr lang="en-US" sz="100" kern="1200" dirty="0">
+                <a:latin typeface="Arial (Body)"/>
+                <a:ea typeface="+mn-ea"/>
+                <a:cs typeface="+mn-cs"/>
+                <a:sym typeface="Arial"/>
+              </a:rPr>
+              <a:t> </a:t>
+            </a:r>
+            <a:r>
+              <a:rPr lang="en-US" sz="2400" kern="1200" dirty="0">
+                <a:latin typeface="Arial (Body)"/>
+                <a:ea typeface="+mn-ea"/>
+                <a:cs typeface="+mn-cs"/>
+                <a:sym typeface="Arial"/>
+              </a:rPr>
+              <a:t>L</a:t>
+            </a:r>
+            <a:r>
+              <a:rPr lang="en-US" sz="100" kern="1200" dirty="0">
+                <a:latin typeface="Arial (Body)"/>
+                <a:ea typeface="+mn-ea"/>
+                <a:cs typeface="+mn-cs"/>
+                <a:sym typeface="Arial"/>
+              </a:rPr>
+              <a:t> </a:t>
+            </a:r>
+            <a:r>
+              <a:rPr lang="en-US" sz="2400" kern="1200" dirty="0">
+                <a:latin typeface="Arial (Body)"/>
+                <a:ea typeface="+mn-ea"/>
+                <a:cs typeface="+mn-cs"/>
+                <a:sym typeface="Arial"/>
+              </a:rPr>
+              <a:t>5 header, nav, main, and footer elements</a:t>
+            </a:r>
           </a:p>
         </p:txBody>
       </p:sp>
@@ -15705,13 +15033,6 @@
     <a:masterClrMapping/>
   </p:clrMapOvr>
   <p:transition spd="slow"/>
-  <p:timing>
-    <p:tnLst>
-      <p:par>
-        <p:cTn id="1" dur="indefinite" restart="never" nodeType="tmRoot"/>
-      </p:par>
-    </p:tnLst>
-  </p:timing>
 </p:sld>
 </file>
 
@@ -15765,18 +15086,13 @@
               <a:defRPr/>
             </a:pPr>
             <a:r>
-              <a:rPr lang="en-US" kern="1200" spc="-50" dirty="0" smtClean="0">
+              <a:rPr lang="en-US" kern="1200" spc="-50" dirty="0">
                 <a:latin typeface="Times New Roman" panose="02020603050405020304" pitchFamily="18" charset="0"/>
                 <a:ea typeface="+mj-ea"/>
                 <a:cs typeface="+mj-cs"/>
               </a:rPr>
               <a:t>Unordered List Example</a:t>
             </a:r>
-            <a:endParaRPr lang="en-US" kern="1200" spc="-50" dirty="0">
-              <a:latin typeface="Times New Roman" panose="02020603050405020304" pitchFamily="18" charset="0"/>
-              <a:ea typeface="+mj-ea"/>
-              <a:cs typeface="+mj-cs"/>
-            </a:endParaRPr>
           </a:p>
         </p:txBody>
       </p:sp>
@@ -15844,13 +15160,6 @@
   <p:clrMapOvr>
     <a:masterClrMapping/>
   </p:clrMapOvr>
-  <p:timing>
-    <p:tnLst>
-      <p:par>
-        <p:cTn id="1" dur="indefinite" restart="never" nodeType="tmRoot"/>
-      </p:par>
-    </p:tnLst>
-  </p:timing>
 </p:sld>
 </file>
 
@@ -15904,7 +15213,7 @@
               <a:defRPr/>
             </a:pPr>
             <a:r>
-              <a:rPr lang="en-US" sz="3400" b="1" kern="1200" spc="-50" dirty="0" smtClean="0">
+              <a:rPr lang="en-US" sz="3400" b="1" kern="1200" spc="-50" dirty="0">
                 <a:solidFill>
                   <a:schemeClr val="tx2"/>
                 </a:solidFill>
@@ -15914,14 +15223,6 @@
               </a:rPr>
               <a:t>Ordered List</a:t>
             </a:r>
-            <a:endParaRPr lang="en-US" sz="3400" b="1" kern="1200" spc="-50" dirty="0">
-              <a:solidFill>
-                <a:schemeClr val="tx2"/>
-              </a:solidFill>
-              <a:latin typeface="Times New Roman" panose="02020603050405020304" pitchFamily="18" charset="0"/>
-              <a:ea typeface="+mj-ea"/>
-              <a:cs typeface="+mj-cs"/>
-            </a:endParaRPr>
           </a:p>
         </p:txBody>
       </p:sp>
@@ -15952,41 +15253,8 @@
                 </a:solidFill>
                 <a:latin typeface="+mn-lt"/>
               </a:rPr>
-              <a:t>Displays a numbering or lettering system to itemize </a:t>
-            </a:r>
-            <a:r>
-              <a:rPr lang="en-US" altLang="en-US" sz="2400" dirty="0" smtClean="0">
-                <a:solidFill>
-                  <a:schemeClr val="tx1"/>
-                </a:solidFill>
-                <a:latin typeface="+mn-lt"/>
-              </a:rPr>
-              <a:t>the information </a:t>
-            </a:r>
-            <a:r>
-              <a:rPr lang="en-US" altLang="en-US" sz="2400" dirty="0">
-                <a:solidFill>
-                  <a:schemeClr val="tx1"/>
-                </a:solidFill>
-                <a:latin typeface="+mn-lt"/>
-              </a:rPr>
-              <a:t>contained in the </a:t>
-            </a:r>
-            <a:r>
-              <a:rPr lang="en-US" altLang="en-US" sz="2400" dirty="0" smtClean="0">
-                <a:solidFill>
-                  <a:schemeClr val="tx1"/>
-                </a:solidFill>
-                <a:latin typeface="+mn-lt"/>
-              </a:rPr>
-              <a:t>list</a:t>
-            </a:r>
-            <a:endParaRPr lang="en-US" altLang="en-US" sz="2400" dirty="0">
-              <a:solidFill>
-                <a:schemeClr val="tx1"/>
-              </a:solidFill>
-              <a:latin typeface="+mn-lt"/>
-            </a:endParaRPr>
+              <a:t>Displays a numbering or lettering system to itemize the information contained in the list</a:t>
+            </a:r>
           </a:p>
         </p:txBody>
       </p:sp>
@@ -16063,17 +15331,8 @@
               <a:rPr lang="en-US" altLang="en-US" sz="2400" dirty="0">
                 <a:latin typeface="+mn-lt"/>
               </a:rPr>
-              <a:t> attribute determines numbering scheme of list, default is </a:t>
-            </a:r>
-            <a:r>
-              <a:rPr lang="en-US" altLang="en-US" sz="2400" dirty="0" smtClean="0">
-                <a:latin typeface="+mn-lt"/>
-              </a:rPr>
-              <a:t>numerals</a:t>
-            </a:r>
-            <a:endParaRPr lang="en-US" altLang="en-US" sz="2400" dirty="0">
-              <a:latin typeface="+mn-lt"/>
-            </a:endParaRPr>
+              <a:t> attribute determines numbering scheme of list, default is numerals</a:t>
+            </a:r>
           </a:p>
         </p:txBody>
       </p:sp>
@@ -16125,13 +15384,7 @@
               <a:rPr lang="en-US" altLang="en-US" sz="2400" dirty="0">
                 <a:latin typeface="+mn-lt"/>
               </a:rPr>
-              <a:t>Contains an item in the </a:t>
-            </a:r>
-            <a:r>
-              <a:rPr lang="en-US" altLang="en-US" sz="2400" dirty="0" smtClean="0">
-                <a:latin typeface="+mn-lt"/>
-              </a:rPr>
-              <a:t>list</a:t>
+              <a:t>Contains an item in the list</a:t>
             </a:r>
           </a:p>
         </p:txBody>
@@ -16142,13 +15395,6 @@
     <a:masterClrMapping/>
   </p:clrMapOvr>
   <p:transition spd="slow"/>
-  <p:timing>
-    <p:tnLst>
-      <p:par>
-        <p:cTn id="1" dur="indefinite" restart="never" nodeType="tmRoot"/>
-      </p:par>
-    </p:tnLst>
-  </p:timing>
 </p:sld>
 </file>
 
@@ -16202,18 +15448,13 @@
               <a:defRPr/>
             </a:pPr>
             <a:r>
-              <a:rPr lang="en-US" kern="1200" spc="-50" dirty="0" smtClean="0">
+              <a:rPr lang="en-US" kern="1200" spc="-50" dirty="0">
                 <a:latin typeface="Times New Roman" panose="02020603050405020304" pitchFamily="18" charset="0"/>
                 <a:ea typeface="+mj-ea"/>
                 <a:cs typeface="+mj-cs"/>
               </a:rPr>
               <a:t>Ordered List Example</a:t>
             </a:r>
-            <a:endParaRPr lang="en-US" kern="1200" spc="-50" dirty="0">
-              <a:latin typeface="Times New Roman" panose="02020603050405020304" pitchFamily="18" charset="0"/>
-              <a:ea typeface="+mj-ea"/>
-              <a:cs typeface="+mj-cs"/>
-            </a:endParaRPr>
           </a:p>
         </p:txBody>
       </p:sp>
@@ -16334,18 +15575,13 @@
               <a:defRPr/>
             </a:pPr>
             <a:r>
-              <a:rPr lang="en-US" kern="1200" spc="-50" dirty="0" smtClean="0">
+              <a:rPr lang="en-US" kern="1200" spc="-50" dirty="0">
                 <a:latin typeface="Times New Roman" panose="02020603050405020304" pitchFamily="18" charset="0"/>
                 <a:ea typeface="+mj-ea"/>
                 <a:cs typeface="+mj-cs"/>
               </a:rPr>
               <a:t>Description List</a:t>
             </a:r>
-            <a:endParaRPr lang="en-US" kern="1200" spc="-50" dirty="0">
-              <a:latin typeface="Times New Roman" panose="02020603050405020304" pitchFamily="18" charset="0"/>
-              <a:ea typeface="+mj-ea"/>
-              <a:cs typeface="+mj-cs"/>
-            </a:endParaRPr>
           </a:p>
         </p:txBody>
       </p:sp>
@@ -16382,70 +15618,43 @@
                 </a:solidFill>
                 <a:latin typeface="+mn-lt"/>
               </a:rPr>
-              <a:t>Useful to display a list of terms and descriptions or a list of </a:t>
-            </a:r>
-            <a:r>
-              <a:rPr lang="en-US" sz="2000" dirty="0" smtClean="0">
+              <a:t>Useful to display a list of terms and descriptions or a list of F</a:t>
+            </a:r>
+            <a:r>
+              <a:rPr lang="en-US" sz="100" dirty="0">
                 <a:solidFill>
                   <a:schemeClr val="tx1"/>
                 </a:solidFill>
                 <a:latin typeface="+mn-lt"/>
               </a:rPr>
-              <a:t>F</a:t>
-            </a:r>
-            <a:r>
-              <a:rPr lang="en-US" sz="100" dirty="0" smtClean="0">
+              <a:t> </a:t>
+            </a:r>
+            <a:r>
+              <a:rPr lang="en-US" sz="2000" dirty="0">
                 <a:solidFill>
                   <a:schemeClr val="tx1"/>
                 </a:solidFill>
                 <a:latin typeface="+mn-lt"/>
               </a:rPr>
+              <a:t>A</a:t>
+            </a:r>
+            <a:r>
+              <a:rPr lang="en-US" sz="100" dirty="0">
+                <a:solidFill>
+                  <a:schemeClr val="tx1"/>
+                </a:solidFill>
+                <a:latin typeface="+mn-lt"/>
+              </a:rPr>
               <a:t> </a:t>
             </a:r>
             <a:r>
-              <a:rPr lang="en-US" sz="2000" dirty="0" smtClean="0">
+              <a:rPr lang="en-US" sz="2000" dirty="0">
                 <a:solidFill>
                   <a:schemeClr val="tx1"/>
                 </a:solidFill>
                 <a:latin typeface="+mn-lt"/>
               </a:rPr>
-              <a:t>A</a:t>
-            </a:r>
-            <a:r>
-              <a:rPr lang="en-US" sz="100" dirty="0" smtClean="0">
-                <a:solidFill>
-                  <a:schemeClr val="tx1"/>
-                </a:solidFill>
-                <a:latin typeface="+mn-lt"/>
-              </a:rPr>
-              <a:t> </a:t>
-            </a:r>
-            <a:r>
-              <a:rPr lang="en-US" sz="2000" dirty="0" smtClean="0">
-                <a:solidFill>
-                  <a:schemeClr val="tx1"/>
-                </a:solidFill>
-                <a:latin typeface="+mn-lt"/>
-              </a:rPr>
-              <a:t>Q </a:t>
-            </a:r>
-            <a:r>
-              <a:rPr lang="en-US" sz="2000" dirty="0">
-                <a:solidFill>
-                  <a:schemeClr val="tx1"/>
-                </a:solidFill>
-                <a:latin typeface="+mn-lt"/>
-              </a:rPr>
-              <a:t>and </a:t>
-            </a:r>
-            <a:r>
-              <a:rPr lang="en-US" sz="2000" dirty="0" smtClean="0">
-                <a:solidFill>
-                  <a:schemeClr val="tx1"/>
-                </a:solidFill>
-                <a:latin typeface="+mn-lt"/>
-              </a:rPr>
-              <a:t>answers</a:t>
+              <a:t>Q and answers</a:t>
             </a:r>
           </a:p>
           <a:p>
@@ -16453,7 +15662,7 @@
               <a:defRPr/>
             </a:pPr>
             <a:r>
-              <a:rPr lang="en-US" sz="2000" dirty="0" smtClean="0">
+              <a:rPr lang="en-US" sz="2000" dirty="0">
                 <a:solidFill>
                   <a:schemeClr val="tx1"/>
                 </a:solidFill>
@@ -16519,7 +15728,7 @@
               </a:buClr>
             </a:pPr>
             <a:r>
-              <a:rPr lang="en-US" sz="2000" dirty="0" smtClean="0">
+              <a:rPr lang="en-US" sz="2000" dirty="0">
                 <a:solidFill>
                   <a:schemeClr val="tx1"/>
                 </a:solidFill>
@@ -16551,12 +15760,6 @@
               </a:rPr>
               <a:t> </a:t>
             </a:r>
-            <a:endParaRPr lang="en-US" sz="2000" dirty="0" smtClean="0">
-              <a:solidFill>
-                <a:schemeClr val="tx1"/>
-              </a:solidFill>
-              <a:latin typeface="+mn-lt"/>
-            </a:endParaRPr>
           </a:p>
         </p:txBody>
       </p:sp>
@@ -16612,14 +15815,21 @@
               </a:buClr>
             </a:pPr>
             <a:r>
-              <a:rPr lang="en-US" sz="2000" dirty="0" smtClean="0">
+              <a:rPr lang="en-US" sz="2000" dirty="0">
                 <a:solidFill>
                   <a:schemeClr val="tx1"/>
                 </a:solidFill>
                 <a:latin typeface="+mn-lt"/>
               </a:rPr>
-              <a:t>Contains </a:t>
-            </a:r>
+              <a:t>Contains a term/phrase/sentence</a:t>
+            </a:r>
+          </a:p>
+          <a:p>
+            <a:pPr marL="255600" indent="0">
+              <a:spcBef>
+                <a:spcPts val="0"/>
+              </a:spcBef>
+            </a:pPr>
             <a:r>
               <a:rPr lang="en-US" sz="2000" dirty="0">
                 <a:solidFill>
@@ -16627,50 +15837,7 @@
                 </a:solidFill>
                 <a:latin typeface="+mn-lt"/>
               </a:rPr>
-              <a:t>a </a:t>
-            </a:r>
-            <a:r>
-              <a:rPr lang="en-US" sz="2000" dirty="0" smtClean="0">
-                <a:solidFill>
-                  <a:schemeClr val="tx1"/>
-                </a:solidFill>
-                <a:latin typeface="+mn-lt"/>
-              </a:rPr>
-              <a:t>term/phrase/sentence</a:t>
-            </a:r>
-          </a:p>
-          <a:p>
-            <a:pPr marL="255600" indent="0">
-              <a:spcBef>
-                <a:spcPts val="0"/>
-              </a:spcBef>
-            </a:pPr>
-            <a:r>
-              <a:rPr lang="en-US" sz="2000" dirty="0" smtClean="0">
-                <a:solidFill>
-                  <a:schemeClr val="tx1"/>
-                </a:solidFill>
-                <a:latin typeface="+mn-lt"/>
-              </a:rPr>
-              <a:t>Configures </a:t>
-            </a:r>
-            <a:r>
-              <a:rPr lang="en-US" sz="2000" dirty="0">
-                <a:solidFill>
-                  <a:schemeClr val="tx1"/>
-                </a:solidFill>
-                <a:latin typeface="+mn-lt"/>
-              </a:rPr>
-              <a:t>empty space above and below the </a:t>
-            </a:r>
-            <a:r>
-              <a:rPr lang="en-US" sz="2000" dirty="0" smtClean="0">
-                <a:solidFill>
-                  <a:schemeClr val="tx1"/>
-                </a:solidFill>
-                <a:latin typeface="+mn-lt"/>
-              </a:rPr>
-              <a:t>text</a:t>
+              <a:t>Configures empty space above and below the text</a:t>
             </a:r>
           </a:p>
           <a:p>
@@ -16752,38 +15919,14 @@
               <a:defRPr/>
             </a:pPr>
             <a:r>
-              <a:rPr lang="en-US" sz="2000" dirty="0" smtClean="0">
+              <a:rPr lang="en-US" sz="2000" dirty="0">
                 <a:solidFill>
                   <a:schemeClr val="tx1"/>
                 </a:solidFill>
                 <a:latin typeface="+mn-lt"/>
               </a:rPr>
-              <a:t>Contains </a:t>
-            </a:r>
-            <a:r>
-              <a:rPr lang="en-US" sz="2000" dirty="0">
-                <a:solidFill>
-                  <a:schemeClr val="tx1"/>
-                </a:solidFill>
-                <a:latin typeface="+mn-lt"/>
-              </a:rPr>
-              <a:t>a description of the </a:t>
-            </a:r>
-            <a:r>
-              <a:rPr lang="en-US" sz="2000" dirty="0" smtClean="0">
-                <a:solidFill>
-                  <a:schemeClr val="tx1"/>
-                </a:solidFill>
-                <a:latin typeface="+mn-lt"/>
-              </a:rPr>
-              <a:t>term/phrase/sentence</a:t>
-            </a:r>
-            <a:endParaRPr lang="en-US" sz="2000" dirty="0">
-              <a:solidFill>
-                <a:schemeClr val="tx1"/>
-              </a:solidFill>
-              <a:latin typeface="+mn-lt"/>
-            </a:endParaRPr>
+              <a:t>Contains a description of the term/phrase/sentence</a:t>
+            </a:r>
           </a:p>
           <a:p>
             <a:pPr marL="741600" lvl="8" indent="-284400">
@@ -16798,22 +15941,13 @@
               <a:defRPr/>
             </a:pPr>
             <a:r>
-              <a:rPr lang="en-US" sz="2000" dirty="0" smtClean="0">
+              <a:rPr lang="en-US" sz="2000" dirty="0">
                 <a:solidFill>
                   <a:schemeClr val="tx1"/>
                 </a:solidFill>
                 <a:latin typeface="+mn-lt"/>
               </a:rPr>
-              <a:t>Indents </a:t>
-            </a:r>
-            <a:r>
-              <a:rPr lang="en-US" sz="2000" dirty="0">
-                <a:solidFill>
-                  <a:schemeClr val="tx1"/>
-                </a:solidFill>
-                <a:latin typeface="+mn-lt"/>
-              </a:rPr>
-              <a:t>the text</a:t>
+              <a:t>Indents the text</a:t>
             </a:r>
           </a:p>
           <a:p>
@@ -16898,18 +16032,13 @@
               <a:defRPr/>
             </a:pPr>
             <a:r>
-              <a:rPr lang="en-US" kern="1200" spc="-50" dirty="0" smtClean="0">
+              <a:rPr lang="en-US" kern="1200" spc="-50" dirty="0">
                 <a:latin typeface="Times New Roman" panose="02020603050405020304" pitchFamily="18" charset="0"/>
                 <a:ea typeface="+mj-ea"/>
                 <a:cs typeface="+mj-cs"/>
               </a:rPr>
               <a:t>Description List Example</a:t>
             </a:r>
-            <a:endParaRPr lang="en-US" kern="1200" spc="-50" dirty="0">
-              <a:latin typeface="Times New Roman" panose="02020603050405020304" pitchFamily="18" charset="0"/>
-              <a:ea typeface="+mj-ea"/>
-              <a:cs typeface="+mj-cs"/>
-            </a:endParaRPr>
           </a:p>
         </p:txBody>
       </p:sp>
@@ -17044,7 +16173,7 @@
               <a:defRPr/>
             </a:pPr>
             <a:r>
-              <a:rPr lang="en-US" kern="1200" spc="-50" dirty="0" smtClean="0">
+              <a:rPr lang="en-US" kern="1200" spc="-50" dirty="0">
                 <a:latin typeface="Times New Roman" panose="02020603050405020304" pitchFamily="18" charset="0"/>
                 <a:ea typeface="+mj-ea"/>
                 <a:cs typeface="+mj-cs"/>
@@ -17132,27 +16261,8 @@
                 <a:ea typeface="+mn-ea"/>
                 <a:cs typeface="+mn-cs"/>
               </a:rPr>
-              <a:t>Describe the purpose of the blockquote tag</a:t>
-            </a:r>
-            <a:r>
-              <a:rPr lang="en-US" altLang="en-US" sz="2400" kern="1200" dirty="0" smtClean="0">
-                <a:solidFill>
-                  <a:srgbClr val="000000"/>
-                </a:solidFill>
-                <a:latin typeface="Arial (Body)"/>
-                <a:ea typeface="+mn-ea"/>
-                <a:cs typeface="+mn-cs"/>
-              </a:rPr>
-              <a:t>.</a:t>
-            </a:r>
-            <a:endParaRPr lang="en-US" altLang="en-US" sz="2400" kern="1200" dirty="0">
-              <a:solidFill>
-                <a:srgbClr val="000000"/>
-              </a:solidFill>
-              <a:latin typeface="Arial (Body)"/>
-              <a:ea typeface="+mn-ea"/>
-              <a:cs typeface="+mn-cs"/>
-            </a:endParaRPr>
+              <a:t>Describe the purpose of the blockquote tag.</a:t>
+            </a:r>
           </a:p>
         </p:txBody>
       </p:sp>
@@ -17214,18 +16324,13 @@
               <a:defRPr/>
             </a:pPr>
             <a:r>
-              <a:rPr lang="en-US" kern="1200" spc="-50" dirty="0" smtClean="0">
+              <a:rPr lang="en-US" kern="1200" spc="-50" dirty="0">
                 <a:latin typeface="Times New Roman" panose="02020603050405020304" pitchFamily="18" charset="0"/>
                 <a:ea typeface="+mj-ea"/>
                 <a:cs typeface="+mj-cs"/>
               </a:rPr>
               <a:t>Special Characters</a:t>
             </a:r>
-            <a:endParaRPr lang="en-US" kern="1200" spc="-50" dirty="0">
-              <a:latin typeface="Times New Roman" panose="02020603050405020304" pitchFamily="18" charset="0"/>
-              <a:ea typeface="+mj-ea"/>
-              <a:cs typeface="+mj-cs"/>
-            </a:endParaRPr>
           </a:p>
         </p:txBody>
       </p:sp>
@@ -17310,7 +16415,7 @@
                     <a:p>
                       <a:pPr algn="ctr"/>
                       <a:r>
-                        <a:rPr lang="en-US" altLang="en-US" sz="2000" dirty="0" smtClean="0"/>
+                        <a:rPr lang="en-US" altLang="en-US" sz="2000" dirty="0"/>
                         <a:t>Character</a:t>
                       </a:r>
                       <a:endParaRPr lang="en-US" sz="2000" b="1" dirty="0">
@@ -17329,7 +16434,7 @@
                     <a:p>
                       <a:pPr algn="l"/>
                       <a:r>
-                        <a:rPr lang="en-US" altLang="en-US" sz="2000" dirty="0" smtClean="0"/>
+                        <a:rPr lang="en-US" altLang="en-US" sz="2000" dirty="0"/>
                         <a:t>Code</a:t>
                       </a:r>
                       <a:endParaRPr lang="en-US" sz="2000" b="1" dirty="0">
@@ -17355,7 +16460,7 @@
                     <a:p>
                       <a:pPr algn="ctr"/>
                       <a:r>
-                        <a:rPr lang="en-US" altLang="en-US" sz="2000" dirty="0" smtClean="0"/>
+                        <a:rPr lang="en-US" altLang="en-US" sz="2000" dirty="0"/>
                         <a:t>©</a:t>
                       </a:r>
                       <a:endParaRPr lang="en-US" sz="2000" dirty="0">
@@ -17377,10 +16482,10 @@
                         <a:buNone/>
                       </a:pPr>
                       <a:r>
-                        <a:rPr lang="en-US" altLang="en-US" sz="2000" dirty="0" smtClean="0"/>
+                        <a:rPr lang="en-US" altLang="en-US" sz="2000" dirty="0"/>
                         <a:t>&amp;copy;</a:t>
                       </a:r>
-                      <a:endParaRPr lang="en-US" altLang="en-US" sz="2000" dirty="0" smtClean="0">
+                      <a:endParaRPr lang="en-US" altLang="en-US" sz="2000" dirty="0">
                         <a:solidFill>
                           <a:schemeClr val="tx1"/>
                         </a:solidFill>
@@ -17404,7 +16509,7 @@
                     <a:p>
                       <a:pPr algn="ctr"/>
                       <a:r>
-                        <a:rPr lang="en-US" sz="2000" dirty="0" smtClean="0"/>
+                        <a:rPr lang="en-US" sz="2000" dirty="0"/>
                         <a:t>&lt;</a:t>
                       </a:r>
                       <a:endParaRPr lang="en-US" sz="2000" dirty="0">
@@ -17426,10 +16531,10 @@
                         <a:buNone/>
                       </a:pPr>
                       <a:r>
-                        <a:rPr lang="en-US" altLang="en-US" sz="2000" dirty="0" smtClean="0"/>
+                        <a:rPr lang="en-US" altLang="en-US" sz="2000" dirty="0"/>
                         <a:t>&amp;lt;</a:t>
                       </a:r>
-                      <a:endParaRPr lang="en-US" altLang="en-US" sz="2000" dirty="0" smtClean="0">
+                      <a:endParaRPr lang="en-US" altLang="en-US" sz="2000" dirty="0">
                         <a:solidFill>
                           <a:schemeClr val="tx1"/>
                         </a:solidFill>
@@ -17453,7 +16558,7 @@
                     <a:p>
                       <a:pPr algn="ctr"/>
                       <a:r>
-                        <a:rPr lang="en-US" sz="2000" dirty="0" smtClean="0"/>
+                        <a:rPr lang="en-US" sz="2000" dirty="0"/>
                         <a:t>&gt;</a:t>
                       </a:r>
                       <a:endParaRPr lang="en-US" sz="2000" dirty="0">
@@ -17488,10 +16593,10 @@
                         <a:defRPr/>
                       </a:pPr>
                       <a:r>
-                        <a:rPr lang="en-US" altLang="en-US" sz="2000" dirty="0" smtClean="0"/>
+                        <a:rPr lang="en-US" altLang="en-US" sz="2000" dirty="0"/>
                         <a:t>&amp;gt;</a:t>
                       </a:r>
-                      <a:endParaRPr lang="en-US" altLang="en-US" sz="2000" dirty="0" smtClean="0">
+                      <a:endParaRPr lang="en-US" altLang="en-US" sz="2000" dirty="0">
                         <a:solidFill>
                           <a:schemeClr val="tx1"/>
                         </a:solidFill>
@@ -17515,7 +16620,7 @@
                     <a:p>
                       <a:pPr algn="ctr"/>
                       <a:r>
-                        <a:rPr lang="en-US" sz="2000" dirty="0" smtClean="0"/>
+                        <a:rPr lang="en-US" sz="2000" dirty="0"/>
                         <a:t>&amp;</a:t>
                       </a:r>
                       <a:endParaRPr lang="en-US" sz="2000" dirty="0">
@@ -17550,10 +16655,10 @@
                         <a:defRPr/>
                       </a:pPr>
                       <a:r>
-                        <a:rPr lang="en-US" altLang="en-US" sz="2000" dirty="0" smtClean="0"/>
+                        <a:rPr lang="en-US" altLang="en-US" sz="2000" dirty="0"/>
                         <a:t>&amp;amp;</a:t>
                       </a:r>
-                      <a:endParaRPr lang="en-US" altLang="en-US" sz="2000" dirty="0" smtClean="0">
+                      <a:endParaRPr lang="en-US" altLang="en-US" sz="2000" dirty="0">
                         <a:solidFill>
                           <a:schemeClr val="tx1"/>
                         </a:solidFill>
@@ -17593,7 +16698,7 @@
                         <a:defRPr/>
                       </a:pPr>
                       <a:r>
-                        <a:rPr lang="en-US" sz="2000" dirty="0" smtClean="0">
+                        <a:rPr lang="en-US" sz="2000" dirty="0">
                           <a:solidFill>
                             <a:schemeClr val="bg1"/>
                           </a:solidFill>
@@ -17627,10 +16732,10 @@
                         <a:defRPr/>
                       </a:pPr>
                       <a:r>
-                        <a:rPr lang="en-US" altLang="en-US" sz="2000" dirty="0" smtClean="0"/>
+                        <a:rPr lang="en-US" altLang="en-US" sz="2000" dirty="0"/>
                         <a:t>&amp;nbsp;</a:t>
                       </a:r>
-                      <a:endParaRPr lang="en-US" altLang="en-US" sz="2000" dirty="0" smtClean="0">
+                      <a:endParaRPr lang="en-US" altLang="en-US" sz="2000" dirty="0">
                         <a:solidFill>
                           <a:schemeClr val="tx1"/>
                         </a:solidFill>
@@ -17708,18 +16813,13 @@
               <a:defRPr/>
             </a:pPr>
             <a:r>
-              <a:rPr lang="en-US" kern="1200" spc="-50" dirty="0" smtClean="0">
+              <a:rPr lang="en-US" kern="1200" spc="-50" dirty="0">
                 <a:latin typeface="Times New Roman" panose="02020603050405020304" pitchFamily="18" charset="0"/>
                 <a:ea typeface="+mj-ea"/>
                 <a:cs typeface="+mj-cs"/>
               </a:rPr>
               <a:t>Div Element</a:t>
             </a:r>
-            <a:endParaRPr lang="en-US" kern="1200" spc="-50" dirty="0">
-              <a:latin typeface="Times New Roman" panose="02020603050405020304" pitchFamily="18" charset="0"/>
-              <a:ea typeface="+mj-ea"/>
-              <a:cs typeface="+mj-cs"/>
-            </a:endParaRPr>
           </a:p>
         </p:txBody>
       </p:sp>
@@ -17754,23 +16854,8 @@
                 </a:solidFill>
                 <a:latin typeface="+mn-lt"/>
               </a:rPr>
-              <a:t>Configures a structural block area or “division” on a web page with empty space above and below</a:t>
-            </a:r>
-            <a:r>
-              <a:rPr lang="en-US" sz="2400" dirty="0" smtClean="0">
-                <a:solidFill>
-                  <a:schemeClr val="tx1"/>
-                </a:solidFill>
-                <a:latin typeface="+mn-lt"/>
-              </a:rPr>
-              <a:t>.</a:t>
-            </a:r>
-            <a:endParaRPr lang="en-US" sz="2400" dirty="0">
-              <a:solidFill>
-                <a:schemeClr val="tx1"/>
-              </a:solidFill>
-              <a:latin typeface="+mn-lt"/>
-            </a:endParaRPr>
+              <a:t>Configures a structural block area or “division” on a web page with empty space above and below.</a:t>
+            </a:r>
           </a:p>
           <a:p>
             <a:pPr marL="0" indent="0" eaLnBrk="1" fontAlgn="auto" hangingPunct="1">
@@ -17784,23 +16869,8 @@
                 </a:solidFill>
                 <a:latin typeface="+mn-lt"/>
               </a:rPr>
-              <a:t>Can contain other block display elements, including other div </a:t>
-            </a:r>
-            <a:r>
-              <a:rPr lang="en-US" sz="2400" dirty="0" smtClean="0">
-                <a:solidFill>
-                  <a:schemeClr val="tx1"/>
-                </a:solidFill>
-                <a:latin typeface="+mn-lt"/>
-              </a:rPr>
-              <a:t>elements</a:t>
-            </a:r>
-            <a:endParaRPr lang="en-US" sz="2400" dirty="0">
-              <a:solidFill>
-                <a:schemeClr val="tx1"/>
-              </a:solidFill>
-              <a:latin typeface="+mn-lt"/>
-            </a:endParaRPr>
+              <a:t>Can contain other block display elements, including other div elements</a:t>
+            </a:r>
           </a:p>
         </p:txBody>
       </p:sp>
@@ -17885,7 +16955,7 @@
               <a:defRPr/>
             </a:pPr>
             <a:r>
-              <a:rPr lang="en-US" kern="1200" spc="-50" dirty="0" smtClean="0">
+              <a:rPr lang="en-US" kern="1200" spc="-50" dirty="0">
                 <a:latin typeface="Times New Roman" panose="02020603050405020304" pitchFamily="18" charset="0"/>
                 <a:ea typeface="+mj-ea"/>
                 <a:cs typeface="+mj-cs"/>
@@ -17893,7 +16963,7 @@
               <a:t>H</a:t>
             </a:r>
             <a:r>
-              <a:rPr lang="en-US" sz="100" kern="1200" spc="-50" dirty="0" smtClean="0">
+              <a:rPr lang="en-US" sz="100" kern="1200" spc="-50" dirty="0">
                 <a:latin typeface="Times New Roman" panose="02020603050405020304" pitchFamily="18" charset="0"/>
                 <a:ea typeface="+mj-ea"/>
                 <a:cs typeface="+mj-cs"/>
@@ -17901,7 +16971,7 @@
               <a:t> </a:t>
             </a:r>
             <a:r>
-              <a:rPr lang="en-US" kern="1200" spc="-50" dirty="0" smtClean="0">
+              <a:rPr lang="en-US" kern="1200" spc="-50" dirty="0">
                 <a:latin typeface="Times New Roman" panose="02020603050405020304" pitchFamily="18" charset="0"/>
                 <a:ea typeface="+mj-ea"/>
                 <a:cs typeface="+mj-cs"/>
@@ -17909,7 +16979,7 @@
               <a:t>T</a:t>
             </a:r>
             <a:r>
-              <a:rPr lang="en-US" sz="100" kern="1200" spc="-50" dirty="0" smtClean="0">
+              <a:rPr lang="en-US" sz="100" kern="1200" spc="-50" dirty="0">
                 <a:latin typeface="Times New Roman" panose="02020603050405020304" pitchFamily="18" charset="0"/>
                 <a:ea typeface="+mj-ea"/>
                 <a:cs typeface="+mj-cs"/>
@@ -17917,7 +16987,7 @@
               <a:t> </a:t>
             </a:r>
             <a:r>
-              <a:rPr lang="en-US" kern="1200" spc="-50" dirty="0" smtClean="0">
+              <a:rPr lang="en-US" kern="1200" spc="-50" dirty="0">
                 <a:latin typeface="Times New Roman" panose="02020603050405020304" pitchFamily="18" charset="0"/>
                 <a:ea typeface="+mj-ea"/>
                 <a:cs typeface="+mj-cs"/>
@@ -17925,7 +16995,7 @@
               <a:t>M</a:t>
             </a:r>
             <a:r>
-              <a:rPr lang="en-US" sz="100" kern="1200" spc="-50" dirty="0" smtClean="0">
+              <a:rPr lang="en-US" sz="100" kern="1200" spc="-50" dirty="0">
                 <a:latin typeface="Times New Roman" panose="02020603050405020304" pitchFamily="18" charset="0"/>
                 <a:ea typeface="+mj-ea"/>
                 <a:cs typeface="+mj-cs"/>
@@ -17933,7 +17003,7 @@
               <a:t> </a:t>
             </a:r>
             <a:r>
-              <a:rPr lang="en-US" kern="1200" spc="-50" dirty="0" smtClean="0">
+              <a:rPr lang="en-US" kern="1200" spc="-50" dirty="0">
                 <a:latin typeface="Times New Roman" panose="02020603050405020304" pitchFamily="18" charset="0"/>
                 <a:ea typeface="+mj-ea"/>
                 <a:cs typeface="+mj-cs"/>
@@ -17941,7 +17011,7 @@
               <a:t>L</a:t>
             </a:r>
             <a:r>
-              <a:rPr lang="en-US" sz="100" kern="1200" spc="-50" dirty="0" smtClean="0">
+              <a:rPr lang="en-US" sz="100" kern="1200" spc="-50" dirty="0">
                 <a:latin typeface="Times New Roman" panose="02020603050405020304" pitchFamily="18" charset="0"/>
                 <a:ea typeface="+mj-ea"/>
                 <a:cs typeface="+mj-cs"/>
@@ -17949,7 +17019,7 @@
               <a:t> </a:t>
             </a:r>
             <a:r>
-              <a:rPr lang="en-US" kern="1200" spc="-50" dirty="0" smtClean="0">
+              <a:rPr lang="en-US" kern="1200" spc="-50" dirty="0">
                 <a:latin typeface="Times New Roman" panose="02020603050405020304" pitchFamily="18" charset="0"/>
                 <a:ea typeface="+mj-ea"/>
                 <a:cs typeface="+mj-cs"/>
@@ -17957,18 +17027,13 @@
               <a:t>5 Structural Elements </a:t>
             </a:r>
             <a:r>
-              <a:rPr lang="en-US" sz="2000" b="0" kern="1200" spc="-50" dirty="0" smtClean="0">
+              <a:rPr lang="en-US" sz="2000" b="0" kern="1200" spc="-50" dirty="0">
                 <a:latin typeface="Times New Roman" panose="02020603050405020304" pitchFamily="18" charset="0"/>
                 <a:ea typeface="+mj-ea"/>
                 <a:cs typeface="+mj-cs"/>
               </a:rPr>
               <a:t>(1 of 2)</a:t>
             </a:r>
-            <a:endParaRPr lang="en-US" sz="2000" b="0" kern="1200" spc="-50" dirty="0">
-              <a:latin typeface="Times New Roman" panose="02020603050405020304" pitchFamily="18" charset="0"/>
-              <a:ea typeface="+mj-ea"/>
-              <a:cs typeface="+mj-cs"/>
-            </a:endParaRPr>
           </a:p>
         </p:txBody>
       </p:sp>
@@ -18144,40 +17209,28 @@
               <a:t> </a:t>
             </a:r>
             <a:r>
-              <a:rPr lang="en-US" kern="1200" spc="-50" dirty="0" smtClean="0">
-                <a:latin typeface="Times New Roman" panose="02020603050405020304" pitchFamily="18" charset="0"/>
-              </a:rPr>
-              <a:t>L</a:t>
-            </a:r>
-            <a:r>
-              <a:rPr lang="en-US" sz="100" kern="1200" spc="-50" dirty="0" smtClean="0">
-                <a:latin typeface="Times New Roman" panose="02020603050405020304" pitchFamily="18" charset="0"/>
-              </a:rPr>
-              <a:t> </a:t>
-            </a:r>
-            <a:r>
-              <a:rPr lang="en-US" kern="1200" spc="-50" dirty="0" smtClean="0">
-                <a:latin typeface="Times New Roman" panose="02020603050405020304" pitchFamily="18" charset="0"/>
-              </a:rPr>
-              <a:t>5 </a:t>
-            </a:r>
-            <a:r>
               <a:rPr lang="en-US" kern="1200" spc="-50" dirty="0">
                 <a:latin typeface="Times New Roman" panose="02020603050405020304" pitchFamily="18" charset="0"/>
               </a:rPr>
-              <a:t>Structural Elements </a:t>
-            </a:r>
-            <a:r>
-              <a:rPr lang="en-US" sz="2000" b="0" kern="1200" spc="-50" dirty="0" smtClean="0">
+              <a:t>L</a:t>
+            </a:r>
+            <a:r>
+              <a:rPr lang="en-US" sz="100" kern="1200" spc="-50" dirty="0">
                 <a:latin typeface="Times New Roman" panose="02020603050405020304" pitchFamily="18" charset="0"/>
               </a:rPr>
-              <a:t>(2 </a:t>
+              <a:t> </a:t>
+            </a:r>
+            <a:r>
+              <a:rPr lang="en-US" kern="1200" spc="-50" dirty="0">
+                <a:latin typeface="Times New Roman" panose="02020603050405020304" pitchFamily="18" charset="0"/>
+              </a:rPr>
+              <a:t>5 Structural Elements </a:t>
             </a:r>
             <a:r>
               <a:rPr lang="en-US" sz="2000" b="0" kern="1200" spc="-50" dirty="0">
                 <a:latin typeface="Times New Roman" panose="02020603050405020304" pitchFamily="18" charset="0"/>
               </a:rPr>
-              <a:t>of 2)</a:t>
+              <a:t>(2 of 2)</a:t>
             </a:r>
             <a:endParaRPr lang="en-US" sz="2000" b="0" kern="1200" spc="-50" dirty="0">
               <a:latin typeface="Times New Roman" panose="02020603050405020304" pitchFamily="18" charset="0"/>
@@ -18310,22 +17363,10 @@
               <a:t>Learning Objectives </a:t>
             </a:r>
             <a:r>
-              <a:rPr lang="en-US" sz="2000" b="0" kern="1200" spc="-50" dirty="0" smtClean="0">
-                <a:latin typeface="Times New Roman" panose="02020603050405020304" pitchFamily="18" charset="0"/>
-              </a:rPr>
-              <a:t>(2 </a:t>
-            </a:r>
-            <a:r>
               <a:rPr lang="en-US" sz="2000" b="0" kern="1200" spc="-50" dirty="0">
                 <a:latin typeface="Times New Roman" panose="02020603050405020304" pitchFamily="18" charset="0"/>
               </a:rPr>
-              <a:t>of 2</a:t>
-            </a:r>
-            <a:r>
-              <a:rPr lang="en-US" sz="2000" b="0" kern="1200" spc="-50" dirty="0" smtClean="0">
-                <a:latin typeface="Times New Roman" panose="02020603050405020304" pitchFamily="18" charset="0"/>
-              </a:rPr>
-              <a:t>)</a:t>
+              <a:t>(2 of 2)</a:t>
             </a:r>
             <a:endParaRPr lang="en-US" b="0" kern="1200" spc="-50" dirty="0">
               <a:latin typeface="Times New Roman" panose="02020603050405020304" pitchFamily="18" charset="0"/>
@@ -18357,7 +17398,7 @@
               <a:defRPr/>
             </a:pPr>
             <a:r>
-              <a:rPr lang="en-US" sz="2400" b="1" kern="1200" dirty="0" smtClean="0">
+              <a:rPr lang="en-US" sz="2400" b="1" kern="1200" dirty="0">
                 <a:solidFill>
                   <a:schemeClr val="tx2"/>
                 </a:solidFill>
@@ -18367,42 +17408,44 @@
               <a:t>2.7</a:t>
             </a:r>
             <a:r>
-              <a:rPr lang="en-US" sz="2400" kern="1200" dirty="0" smtClean="0">
+              <a:rPr lang="en-US" sz="2400" kern="1200" dirty="0">
                 <a:solidFill>
                   <a:srgbClr val="000000"/>
                 </a:solidFill>
                 <a:latin typeface="Arial (Body)"/>
                 <a:ea typeface="+mn-ea"/>
               </a:rPr>
-              <a:t> Configure </a:t>
-            </a:r>
-            <a:r>
-              <a:rPr lang="en-US" sz="2400" kern="1200" dirty="0">
-                <a:solidFill>
-                  <a:srgbClr val="000000"/>
+              <a:t> Configure special characters</a:t>
+            </a:r>
+          </a:p>
+          <a:p>
+            <a:pPr marL="0" lvl="1" indent="0" eaLnBrk="1" fontAlgn="auto" hangingPunct="1">
+              <a:spcBef>
+                <a:spcPts val="1500"/>
+              </a:spcBef>
+              <a:buNone/>
+              <a:defRPr/>
+            </a:pPr>
+            <a:r>
+              <a:rPr lang="en-US" sz="2400" b="1" kern="1200" dirty="0">
+                <a:solidFill>
+                  <a:schemeClr val="tx2"/>
                 </a:solidFill>
                 <a:latin typeface="Arial (Body)"/>
                 <a:ea typeface="+mn-ea"/>
               </a:rPr>
-              <a:t>special </a:t>
-            </a:r>
-            <a:r>
-              <a:rPr lang="en-US" sz="2400" kern="1200" dirty="0" smtClean="0">
+              <a:t>2.8</a:t>
+            </a:r>
+            <a:r>
+              <a:rPr lang="en-US" sz="2400" kern="1200" dirty="0">
                 <a:solidFill>
                   <a:srgbClr val="000000"/>
                 </a:solidFill>
                 <a:latin typeface="Arial (Body)"/>
                 <a:ea typeface="+mn-ea"/>
               </a:rPr>
-              <a:t>characters</a:t>
-            </a:r>
-            <a:endParaRPr lang="en-US" sz="2400" kern="1200" dirty="0">
-              <a:solidFill>
-                <a:srgbClr val="000000"/>
-              </a:solidFill>
-              <a:latin typeface="Arial (Body)"/>
-              <a:ea typeface="+mn-ea"/>
-            </a:endParaRPr>
+              <a:t> Use the anchor element to link from page to page</a:t>
+            </a:r>
           </a:p>
           <a:p>
             <a:pPr marL="0" lvl="1" indent="0" eaLnBrk="1" fontAlgn="auto" hangingPunct="1">
@@ -18413,34 +17456,53 @@
               <a:defRPr/>
             </a:pPr>
             <a:r>
-              <a:rPr lang="en-US" sz="2400" b="1" kern="1200" dirty="0" smtClean="0">
+              <a:rPr lang="en-US" sz="2400" b="1" kern="1200" dirty="0">
                 <a:solidFill>
                   <a:schemeClr val="tx2"/>
                 </a:solidFill>
                 <a:latin typeface="Arial (Body)"/>
                 <a:ea typeface="+mn-ea"/>
               </a:rPr>
-              <a:t>2.8</a:t>
-            </a:r>
-            <a:r>
-              <a:rPr lang="en-US" sz="2400" kern="1200" dirty="0" smtClean="0">
+              <a:t>2.9</a:t>
+            </a:r>
+            <a:r>
+              <a:rPr lang="en-US" sz="2400" kern="1200" dirty="0">
                 <a:solidFill>
                   <a:srgbClr val="000000"/>
                 </a:solidFill>
                 <a:latin typeface="Arial (Body)"/>
                 <a:ea typeface="+mn-ea"/>
               </a:rPr>
-              <a:t> Use </a:t>
-            </a:r>
-            <a:r>
-              <a:rPr lang="en-US" sz="2400" kern="1200" dirty="0">
-                <a:solidFill>
-                  <a:srgbClr val="000000"/>
+              <a:t> Create absolute, relative, and e-mail hyperlinks</a:t>
+            </a:r>
+          </a:p>
+          <a:p>
+            <a:pPr marL="0" lvl="1" indent="0" eaLnBrk="1" fontAlgn="auto" hangingPunct="1">
+              <a:spcBef>
+                <a:spcPts val="1500"/>
+              </a:spcBef>
+              <a:buNone/>
+              <a:defRPr/>
+            </a:pPr>
+            <a:r>
+              <a:rPr lang="en-US" sz="2400" b="1" kern="1200" dirty="0">
+                <a:solidFill>
+                  <a:schemeClr val="tx2"/>
                 </a:solidFill>
                 <a:latin typeface="Arial (Body)"/>
                 <a:ea typeface="+mn-ea"/>
               </a:rPr>
-              <a:t>the anchor element to link from page to page</a:t>
+              <a:t>2.10 </a:t>
+            </a:r>
+            <a:r>
+              <a:rPr lang="en-US" sz="2400" kern="1200" dirty="0">
+                <a:solidFill>
+                  <a:srgbClr val="000000"/>
+                </a:solidFill>
+                <a:latin typeface="Arial (Body)"/>
+                <a:ea typeface="+mn-ea"/>
+              </a:rPr>
+              <a:t>Code, save, and display a web page document</a:t>
             </a:r>
           </a:p>
           <a:p>
@@ -18452,130 +17514,25 @@
               <a:defRPr/>
             </a:pPr>
             <a:r>
-              <a:rPr lang="en-US" sz="2400" b="1" kern="1200" dirty="0" smtClean="0">
+              <a:rPr lang="en-US" sz="2400" b="1" kern="1200" dirty="0">
                 <a:solidFill>
                   <a:schemeClr val="tx2"/>
                 </a:solidFill>
                 <a:latin typeface="Arial (Body)"/>
                 <a:ea typeface="+mn-ea"/>
               </a:rPr>
-              <a:t>2.9</a:t>
-            </a:r>
-            <a:r>
-              <a:rPr lang="en-US" sz="2400" kern="1200" dirty="0" smtClean="0">
+              <a:t>2.11</a:t>
+            </a:r>
+            <a:r>
+              <a:rPr lang="en-US" sz="2400" kern="1200" dirty="0">
                 <a:solidFill>
                   <a:srgbClr val="000000"/>
                 </a:solidFill>
                 <a:latin typeface="Arial (Body)"/>
                 <a:ea typeface="+mn-ea"/>
               </a:rPr>
-              <a:t> Create </a:t>
-            </a:r>
-            <a:r>
-              <a:rPr lang="en-US" sz="2400" kern="1200" dirty="0">
-                <a:solidFill>
-                  <a:srgbClr val="000000"/>
-                </a:solidFill>
-                <a:latin typeface="Arial (Body)"/>
-                <a:ea typeface="+mn-ea"/>
-              </a:rPr>
-              <a:t>absolute, relative, and e-mail hyperlinks</a:t>
-            </a:r>
-          </a:p>
-          <a:p>
-            <a:pPr marL="0" lvl="1" indent="0" eaLnBrk="1" fontAlgn="auto" hangingPunct="1">
-              <a:spcBef>
-                <a:spcPts val="1500"/>
-              </a:spcBef>
-              <a:buNone/>
-              <a:defRPr/>
-            </a:pPr>
-            <a:r>
-              <a:rPr lang="en-US" sz="2400" b="1" kern="1200" dirty="0" smtClean="0">
-                <a:solidFill>
-                  <a:schemeClr val="tx2"/>
-                </a:solidFill>
-                <a:latin typeface="Arial (Body)"/>
-                <a:ea typeface="+mn-ea"/>
-              </a:rPr>
-              <a:t>2.10 </a:t>
-            </a:r>
-            <a:r>
-              <a:rPr lang="en-US" sz="2400" kern="1200" dirty="0" smtClean="0">
-                <a:solidFill>
-                  <a:srgbClr val="000000"/>
-                </a:solidFill>
-                <a:latin typeface="Arial (Body)"/>
-                <a:ea typeface="+mn-ea"/>
-              </a:rPr>
-              <a:t>Code</a:t>
-            </a:r>
-            <a:r>
-              <a:rPr lang="en-US" sz="2400" kern="1200" dirty="0">
-                <a:solidFill>
-                  <a:srgbClr val="000000"/>
-                </a:solidFill>
-                <a:latin typeface="Arial (Body)"/>
-                <a:ea typeface="+mn-ea"/>
-              </a:rPr>
-              <a:t>, save, and display a web page document</a:t>
-            </a:r>
-          </a:p>
-          <a:p>
-            <a:pPr marL="0" lvl="1" indent="0" eaLnBrk="1" fontAlgn="auto" hangingPunct="1">
-              <a:spcBef>
-                <a:spcPts val="1500"/>
-              </a:spcBef>
-              <a:buNone/>
-              <a:defRPr/>
-            </a:pPr>
-            <a:r>
-              <a:rPr lang="en-US" sz="2400" b="1" kern="1200" dirty="0" smtClean="0">
-                <a:solidFill>
-                  <a:schemeClr val="tx2"/>
-                </a:solidFill>
-                <a:latin typeface="Arial (Body)"/>
-                <a:ea typeface="+mn-ea"/>
-              </a:rPr>
-              <a:t>2.11</a:t>
-            </a:r>
-            <a:r>
-              <a:rPr lang="en-US" sz="2400" kern="1200" dirty="0" smtClean="0">
-                <a:solidFill>
-                  <a:srgbClr val="000000"/>
-                </a:solidFill>
-                <a:latin typeface="Arial (Body)"/>
-                <a:ea typeface="+mn-ea"/>
-              </a:rPr>
-              <a:t> Test </a:t>
-            </a:r>
-            <a:r>
-              <a:rPr lang="en-US" sz="2400" kern="1200" dirty="0">
-                <a:solidFill>
-                  <a:srgbClr val="000000"/>
-                </a:solidFill>
-                <a:latin typeface="Arial (Body)"/>
-                <a:ea typeface="+mn-ea"/>
-              </a:rPr>
-              <a:t>a web page document for valid </a:t>
-            </a:r>
-            <a:r>
-              <a:rPr lang="en-US" sz="2400" kern="1200" dirty="0" smtClean="0">
-                <a:solidFill>
-                  <a:srgbClr val="000000"/>
-                </a:solidFill>
-                <a:latin typeface="Arial (Body)"/>
-                <a:ea typeface="+mn-ea"/>
-              </a:rPr>
-              <a:t>syntax</a:t>
-            </a:r>
-            <a:endParaRPr lang="en-US" sz="2400" kern="1200" dirty="0">
-              <a:solidFill>
-                <a:srgbClr val="000000"/>
-              </a:solidFill>
-              <a:latin typeface="Arial (Body)"/>
-              <a:ea typeface="+mn-ea"/>
-            </a:endParaRPr>
+              <a:t> Test a web page document for valid syntax</a:t>
+            </a:r>
           </a:p>
         </p:txBody>
       </p:sp>
@@ -18584,21 +17541,6 @@
   <p:clrMapOvr>
     <a:masterClrMapping/>
   </p:clrMapOvr>
-  <mc:AlternateContent xmlns:mc="http://schemas.openxmlformats.org/markup-compatibility/2006" xmlns:p14="http://schemas.microsoft.com/office/powerpoint/2010/main">
-    <mc:Choice Requires="p14">
-      <p:transition spd="slow" p14:dur="2000"/>
-    </mc:Choice>
-    <mc:Fallback xmlns="">
-      <p:transition spd="slow"/>
-    </mc:Fallback>
-  </mc:AlternateContent>
-  <p:timing>
-    <p:tnLst>
-      <p:par>
-        <p:cTn id="1" dur="indefinite" restart="never" nodeType="tmRoot"/>
-      </p:par>
-    </p:tnLst>
-  </p:timing>
 </p:sld>
 </file>
 
@@ -18652,18 +17594,13 @@
               <a:defRPr/>
             </a:pPr>
             <a:r>
-              <a:rPr lang="en-US" kern="1200" spc="-50" dirty="0" smtClean="0">
+              <a:rPr lang="en-US" kern="1200" spc="-50" dirty="0">
                 <a:latin typeface="Times New Roman" panose="02020603050405020304" pitchFamily="18" charset="0"/>
                 <a:ea typeface="+mj-ea"/>
                 <a:cs typeface="+mj-cs"/>
               </a:rPr>
               <a:t>Anchor Element</a:t>
             </a:r>
-            <a:endParaRPr lang="en-US" kern="1200" spc="-50" dirty="0">
-              <a:latin typeface="Times New Roman" panose="02020603050405020304" pitchFamily="18" charset="0"/>
-              <a:ea typeface="+mj-ea"/>
-              <a:cs typeface="+mj-cs"/>
-            </a:endParaRPr>
           </a:p>
         </p:txBody>
       </p:sp>
@@ -18700,17 +17637,7 @@
                 <a:latin typeface="+mn-lt"/>
                 <a:cs typeface="Times New Roman" pitchFamily="18" charset="0"/>
               </a:rPr>
-              <a:t>Specifies a hyperlink reference (href) to a </a:t>
-            </a:r>
-            <a:r>
-              <a:rPr lang="en-US" sz="2400" dirty="0" smtClean="0">
-                <a:solidFill>
-                  <a:schemeClr val="tx1"/>
-                </a:solidFill>
-                <a:latin typeface="+mn-lt"/>
-                <a:cs typeface="Times New Roman" pitchFamily="18" charset="0"/>
-              </a:rPr>
-              <a:t>file</a:t>
+              <a:t>Specifies a hyperlink reference (href) to a file</a:t>
             </a:r>
             <a:endParaRPr lang="en-US" sz="2200" kern="1200" dirty="0">
               <a:solidFill>
@@ -18754,24 +17681,14 @@
               <a:buChar char="•"/>
             </a:pPr>
             <a:r>
-              <a:rPr lang="en-US" sz="2400" dirty="0" smtClean="0">
+              <a:rPr lang="en-US" sz="2400" dirty="0">
                 <a:solidFill>
                   <a:schemeClr val="tx1"/>
                 </a:solidFill>
                 <a:latin typeface="+mn-lt"/>
                 <a:cs typeface="Times New Roman" pitchFamily="18" charset="0"/>
               </a:rPr>
-              <a:t>Text </a:t>
-            </a:r>
-            <a:r>
-              <a:rPr lang="en-US" sz="2400" dirty="0">
-                <a:solidFill>
-                  <a:schemeClr val="tx1"/>
-                </a:solidFill>
-                <a:latin typeface="+mn-lt"/>
-                <a:cs typeface="Times New Roman" pitchFamily="18" charset="0"/>
-              </a:rPr>
-              <a:t>between the</a:t>
+              <a:t>Text between the</a:t>
             </a:r>
             <a:endParaRPr lang="en-US" sz="2400" dirty="0">
               <a:solidFill>
@@ -18834,17 +17751,7 @@
                 <a:latin typeface="+mn-lt"/>
                 <a:cs typeface="Times New Roman" pitchFamily="18" charset="0"/>
               </a:rPr>
-              <a:t>is displayed on the </a:t>
-            </a:r>
-            <a:r>
-              <a:rPr lang="en-US" sz="2400" dirty="0" smtClean="0">
-                <a:solidFill>
-                  <a:schemeClr val="tx1"/>
-                </a:solidFill>
-                <a:latin typeface="+mn-lt"/>
-                <a:cs typeface="Times New Roman" pitchFamily="18" charset="0"/>
-              </a:rPr>
-              <a:t>web</a:t>
+              <a:t>is displayed on the web</a:t>
             </a:r>
             <a:endParaRPr lang="en-US" sz="1100" dirty="0">
               <a:solidFill>
@@ -18884,17 +17791,7 @@
                 <a:latin typeface="+mn-lt"/>
                 <a:cs typeface="Times New Roman" pitchFamily="18" charset="0"/>
               </a:rPr>
-              <a:t> </a:t>
-            </a:r>
-            <a:r>
-              <a:rPr lang="en-US" sz="2400" dirty="0" smtClean="0">
-                <a:solidFill>
-                  <a:schemeClr val="tx1"/>
-                </a:solidFill>
-                <a:latin typeface="+mn-lt"/>
-                <a:cs typeface="Times New Roman" pitchFamily="18" charset="0"/>
-              </a:rPr>
-              <a:t>page as a hyperlink and is underlined.</a:t>
+              <a:t> page as a hyperlink and is underlined.</a:t>
             </a:r>
             <a:endParaRPr lang="en-US" sz="2400" dirty="0">
               <a:solidFill>
@@ -18963,7 +17860,7 @@
               <a:defRPr/>
             </a:pPr>
             <a:r>
-              <a:rPr lang="en-US" sz="2400" dirty="0" smtClean="0">
+              <a:rPr lang="en-US" sz="2400" dirty="0">
                 <a:solidFill>
                   <a:schemeClr val="tx1"/>
                 </a:solidFill>
@@ -18973,7 +17870,7 @@
               <a:t>h</a:t>
             </a:r>
             <a:r>
-              <a:rPr lang="en-US" sz="100" dirty="0" smtClean="0">
+              <a:rPr lang="en-US" sz="100" dirty="0">
                 <a:solidFill>
                   <a:schemeClr val="tx1"/>
                 </a:solidFill>
@@ -18983,7 +17880,7 @@
               <a:t> </a:t>
             </a:r>
             <a:r>
-              <a:rPr lang="en-US" sz="2400" dirty="0" smtClean="0">
+              <a:rPr lang="en-US" sz="2400" dirty="0">
                 <a:solidFill>
                   <a:schemeClr val="tx1"/>
                 </a:solidFill>
@@ -19009,37 +17906,37 @@
               <a:defRPr/>
             </a:pPr>
             <a:r>
-              <a:rPr lang="en-US" sz="2400" dirty="0" smtClean="0">
+              <a:rPr lang="en-US" sz="2400" dirty="0">
                 <a:solidFill>
                   <a:schemeClr val="tx1"/>
                 </a:solidFill>
                 <a:latin typeface="+mn-lt"/>
                 <a:cs typeface="Times New Roman" pitchFamily="18" charset="0"/>
               </a:rPr>
-              <a:t>Indicates </a:t>
-            </a:r>
-            <a:r>
-              <a:rPr lang="en-US" sz="2400" dirty="0">
+              <a:t>Indicates the file name or U</a:t>
+            </a:r>
+            <a:r>
+              <a:rPr lang="en-US" sz="100" dirty="0">
                 <a:solidFill>
                   <a:schemeClr val="tx1"/>
                 </a:solidFill>
                 <a:latin typeface="+mn-lt"/>
                 <a:cs typeface="Times New Roman" pitchFamily="18" charset="0"/>
               </a:rPr>
-              <a:t>the file name or </a:t>
-            </a:r>
-            <a:r>
-              <a:rPr lang="en-US" sz="2400" dirty="0" smtClean="0">
+              <a:t> </a:t>
+            </a:r>
+            <a:r>
+              <a:rPr lang="en-US" sz="2400" dirty="0">
                 <a:solidFill>
                   <a:schemeClr val="tx1"/>
                 </a:solidFill>
                 <a:latin typeface="+mn-lt"/>
                 <a:cs typeface="Times New Roman" pitchFamily="18" charset="0"/>
               </a:rPr>
-              <a:t>U</a:t>
-            </a:r>
-            <a:r>
-              <a:rPr lang="en-US" sz="100" dirty="0" smtClean="0">
+              <a:t>R</a:t>
+            </a:r>
+            <a:r>
+              <a:rPr lang="en-US" sz="100" dirty="0">
                 <a:solidFill>
                   <a:schemeClr val="tx1"/>
                 </a:solidFill>
@@ -19049,27 +17946,7 @@
               <a:t> </a:t>
             </a:r>
             <a:r>
-              <a:rPr lang="en-US" sz="2400" dirty="0" smtClean="0">
-                <a:solidFill>
-                  <a:schemeClr val="tx1"/>
-                </a:solidFill>
-                <a:latin typeface="+mn-lt"/>
-                <a:cs typeface="Times New Roman" pitchFamily="18" charset="0"/>
-              </a:rPr>
-              <a:t>R</a:t>
-            </a:r>
-            <a:r>
-              <a:rPr lang="en-US" sz="100" dirty="0" smtClean="0">
-                <a:solidFill>
-                  <a:schemeClr val="tx1"/>
-                </a:solidFill>
-                <a:latin typeface="+mn-lt"/>
-                <a:cs typeface="Times New Roman" pitchFamily="18" charset="0"/>
-              </a:rPr>
-              <a:t> </a:t>
-            </a:r>
-            <a:r>
-              <a:rPr lang="en-US" sz="2400" dirty="0" smtClean="0">
+              <a:rPr lang="en-US" sz="2400" dirty="0">
                 <a:solidFill>
                   <a:schemeClr val="tx1"/>
                 </a:solidFill>
@@ -19145,18 +18022,13 @@
               <a:defRPr/>
             </a:pPr>
             <a:r>
-              <a:rPr lang="en-US" kern="1200" spc="-50" dirty="0" smtClean="0">
+              <a:rPr lang="en-US" kern="1200" spc="-50" dirty="0">
                 <a:latin typeface="Times New Roman" panose="02020603050405020304" pitchFamily="18" charset="0"/>
                 <a:ea typeface="+mj-ea"/>
                 <a:cs typeface="+mj-cs"/>
               </a:rPr>
               <a:t>Absolute &amp; Relative Hyperlinks</a:t>
             </a:r>
-            <a:endParaRPr lang="en-US" kern="1200" spc="-50" dirty="0">
-              <a:latin typeface="Times New Roman" panose="02020603050405020304" pitchFamily="18" charset="0"/>
-              <a:ea typeface="+mj-ea"/>
-              <a:cs typeface="+mj-cs"/>
-            </a:endParaRPr>
           </a:p>
         </p:txBody>
       </p:sp>
@@ -19209,7 +18081,7 @@
               <a:defRPr/>
             </a:pPr>
             <a:r>
-              <a:rPr lang="en-US" altLang="en-US" sz="2400" kern="1200" dirty="0" smtClean="0">
+              <a:rPr lang="en-US" altLang="en-US" sz="2400" kern="1200" dirty="0">
                 <a:solidFill>
                   <a:srgbClr val="000000"/>
                 </a:solidFill>
@@ -19217,38 +18089,8 @@
                 <a:ea typeface="+mn-ea"/>
                 <a:cs typeface="Times New Roman" panose="02020603050405020304" pitchFamily="18" charset="0"/>
               </a:rPr>
-              <a:t>Link </a:t>
-            </a:r>
-            <a:r>
-              <a:rPr lang="en-US" altLang="en-US" sz="2400" kern="1200" dirty="0">
-                <a:solidFill>
-                  <a:srgbClr val="000000"/>
-                </a:solidFill>
-                <a:latin typeface="Arial (Body)"/>
-                <a:ea typeface="+mn-ea"/>
-                <a:cs typeface="Times New Roman" panose="02020603050405020304" pitchFamily="18" charset="0"/>
-              </a:rPr>
-              <a:t>to a different </a:t>
-            </a:r>
-            <a:r>
-              <a:rPr lang="en-US" altLang="en-US" sz="2400" kern="1200" dirty="0" smtClean="0">
-                <a:solidFill>
-                  <a:srgbClr val="000000"/>
-                </a:solidFill>
-                <a:latin typeface="Arial (Body)"/>
-                <a:ea typeface="+mn-ea"/>
-                <a:cs typeface="Times New Roman" panose="02020603050405020304" pitchFamily="18" charset="0"/>
-              </a:rPr>
-              <a:t>website</a:t>
-            </a:r>
-            <a:endParaRPr lang="en-US" altLang="en-US" sz="2400" kern="1200" dirty="0">
-              <a:solidFill>
-                <a:srgbClr val="000000"/>
-              </a:solidFill>
-              <a:latin typeface="Arial (Body)"/>
-              <a:ea typeface="+mn-ea"/>
-              <a:cs typeface="Times New Roman" panose="02020603050405020304" pitchFamily="18" charset="0"/>
-            </a:endParaRPr>
+              <a:t>Link to a different website</a:t>
+            </a:r>
           </a:p>
         </p:txBody>
       </p:sp>
@@ -19466,10 +18308,17 @@
                 <a:ea typeface="+mn-ea"/>
                 <a:cs typeface="Times New Roman" panose="02020603050405020304" pitchFamily="18" charset="0"/>
               </a:rPr>
-              <a:t>Automatically launch the default </a:t>
-            </a:r>
-            <a:r>
-              <a:rPr lang="en-US" altLang="en-US" sz="2400" kern="1200" dirty="0" smtClean="0">
+              <a:t>Automatically launch the default mail program configured for the browser</a:t>
+            </a:r>
+          </a:p>
+          <a:p>
+            <a:pPr marL="0" indent="0" eaLnBrk="1" hangingPunct="1">
+              <a:buNone/>
+              <a:tabLst/>
+              <a:defRPr/>
+            </a:pPr>
+            <a:r>
+              <a:rPr lang="en-US" altLang="en-US" sz="2400" kern="1200" dirty="0">
                 <a:solidFill>
                   <a:srgbClr val="000000"/>
                 </a:solidFill>
@@ -19477,100 +18326,8 @@
                 <a:ea typeface="+mn-ea"/>
                 <a:cs typeface="Times New Roman" panose="02020603050405020304" pitchFamily="18" charset="0"/>
               </a:rPr>
-              <a:t>mail program </a:t>
-            </a:r>
-            <a:r>
-              <a:rPr lang="en-US" altLang="en-US" sz="2400" kern="1200" dirty="0">
-                <a:solidFill>
-                  <a:srgbClr val="000000"/>
-                </a:solidFill>
-                <a:latin typeface="Arial (Body)"/>
-                <a:ea typeface="+mn-ea"/>
-                <a:cs typeface="Times New Roman" panose="02020603050405020304" pitchFamily="18" charset="0"/>
-              </a:rPr>
-              <a:t>configured for the </a:t>
-            </a:r>
-            <a:r>
-              <a:rPr lang="en-US" altLang="en-US" sz="2400" kern="1200" dirty="0" smtClean="0">
-                <a:solidFill>
-                  <a:srgbClr val="000000"/>
-                </a:solidFill>
-                <a:latin typeface="Arial (Body)"/>
-                <a:ea typeface="+mn-ea"/>
-                <a:cs typeface="Times New Roman" panose="02020603050405020304" pitchFamily="18" charset="0"/>
-              </a:rPr>
-              <a:t>browser</a:t>
-            </a:r>
-          </a:p>
-          <a:p>
-            <a:pPr marL="0" indent="0" eaLnBrk="1" hangingPunct="1">
-              <a:buNone/>
-              <a:tabLst/>
-              <a:defRPr/>
-            </a:pPr>
-            <a:r>
-              <a:rPr lang="en-US" altLang="en-US" sz="2400" kern="1200" dirty="0" smtClean="0">
-                <a:solidFill>
-                  <a:srgbClr val="000000"/>
-                </a:solidFill>
-                <a:latin typeface="Arial (Body)"/>
-                <a:ea typeface="+mn-ea"/>
-                <a:cs typeface="Times New Roman" panose="02020603050405020304" pitchFamily="18" charset="0"/>
-              </a:rPr>
-              <a:t>If </a:t>
-            </a:r>
-            <a:r>
-              <a:rPr lang="en-US" altLang="en-US" sz="2400" kern="1200" dirty="0">
-                <a:solidFill>
-                  <a:srgbClr val="000000"/>
-                </a:solidFill>
-                <a:latin typeface="Arial (Body)"/>
-                <a:ea typeface="+mn-ea"/>
-                <a:cs typeface="Times New Roman" panose="02020603050405020304" pitchFamily="18" charset="0"/>
-              </a:rPr>
-              <a:t>no browser default is </a:t>
-            </a:r>
-            <a:r>
-              <a:rPr lang="en-US" altLang="en-US" sz="2400" kern="1200" dirty="0" smtClean="0">
-                <a:solidFill>
-                  <a:srgbClr val="000000"/>
-                </a:solidFill>
-                <a:latin typeface="Arial (Body)"/>
-                <a:ea typeface="+mn-ea"/>
-                <a:cs typeface="Times New Roman" panose="02020603050405020304" pitchFamily="18" charset="0"/>
-              </a:rPr>
-              <a:t>configured, a </a:t>
-            </a:r>
-            <a:r>
-              <a:rPr lang="en-US" altLang="en-US" sz="2400" kern="1200" dirty="0">
-                <a:solidFill>
-                  <a:srgbClr val="000000"/>
-                </a:solidFill>
-                <a:latin typeface="Arial (Body)"/>
-                <a:ea typeface="+mn-ea"/>
-                <a:cs typeface="Times New Roman" panose="02020603050405020304" pitchFamily="18" charset="0"/>
-              </a:rPr>
-              <a:t>message is </a:t>
-            </a:r>
-            <a:r>
-              <a:rPr lang="en-US" altLang="en-US" sz="2400" kern="1200" dirty="0" smtClean="0">
-                <a:solidFill>
-                  <a:srgbClr val="000000"/>
-                </a:solidFill>
-                <a:latin typeface="Arial (Body)"/>
-                <a:ea typeface="+mn-ea"/>
-                <a:cs typeface="Times New Roman" panose="02020603050405020304" pitchFamily="18" charset="0"/>
-              </a:rPr>
-              <a:t>displayed</a:t>
-            </a:r>
-            <a:endParaRPr lang="en-US" altLang="en-US" sz="2400" kern="1200" dirty="0">
-              <a:solidFill>
-                <a:srgbClr val="000000"/>
-              </a:solidFill>
-              <a:latin typeface="Arial (Body)"/>
-              <a:ea typeface="+mn-ea"/>
-              <a:cs typeface="Times New Roman" panose="02020603050405020304" pitchFamily="18" charset="0"/>
-            </a:endParaRPr>
+              <a:t>If no browser default is configured, a message is displayed</a:t>
+            </a:r>
           </a:p>
         </p:txBody>
       </p:sp>
@@ -19655,18 +18412,13 @@
               <a:defRPr/>
             </a:pPr>
             <a:r>
-              <a:rPr lang="en-US" kern="1200" spc="-50" dirty="0" smtClean="0">
+              <a:rPr lang="en-US" kern="1200" spc="-50" dirty="0">
                 <a:latin typeface="Times New Roman" panose="02020603050405020304" pitchFamily="18" charset="0"/>
                 <a:ea typeface="+mj-ea"/>
                 <a:cs typeface="+mj-cs"/>
               </a:rPr>
               <a:t>Hyperlinks</a:t>
             </a:r>
-            <a:endParaRPr lang="en-US" kern="1200" spc="-50" dirty="0">
-              <a:latin typeface="Times New Roman" panose="02020603050405020304" pitchFamily="18" charset="0"/>
-              <a:ea typeface="+mj-ea"/>
-              <a:cs typeface="+mj-cs"/>
-            </a:endParaRPr>
           </a:p>
         </p:txBody>
       </p:sp>
@@ -19697,17 +18449,8 @@
               <a:rPr lang="en-US" altLang="en-US" sz="2400" dirty="0">
                 <a:latin typeface="+mn-lt"/>
               </a:rPr>
-              <a:t>Hands-On </a:t>
-            </a:r>
-            <a:r>
-              <a:rPr lang="en-US" altLang="en-US" sz="2400" dirty="0" smtClean="0">
-                <a:latin typeface="+mn-lt"/>
-              </a:rPr>
-              <a:t>Practice</a:t>
-            </a:r>
-            <a:endParaRPr lang="en-US" altLang="en-US" sz="2400" dirty="0">
-              <a:latin typeface="+mn-lt"/>
-            </a:endParaRPr>
+              <a:t>Hands-On Practice</a:t>
+            </a:r>
           </a:p>
         </p:txBody>
       </p:sp>
@@ -19823,7 +18566,7 @@
               <a:defRPr/>
             </a:pPr>
             <a:r>
-              <a:rPr lang="en-US" kern="1200" spc="-50" dirty="0" smtClean="0">
+              <a:rPr lang="en-US" kern="1200" spc="-50" dirty="0">
                 <a:latin typeface="Times New Roman" panose="02020603050405020304" pitchFamily="18" charset="0"/>
               </a:rPr>
               <a:t>Checkpoint 2.2</a:t>
@@ -19866,23 +18609,8 @@
                 </a:solidFill>
                 <a:latin typeface="+mn-lt"/>
               </a:rPr>
-              <a:t>Describe the purpose of special characters</a:t>
-            </a:r>
-            <a:r>
-              <a:rPr lang="en-US" sz="2400" dirty="0" smtClean="0">
-                <a:solidFill>
-                  <a:schemeClr val="tx1"/>
-                </a:solidFill>
-                <a:latin typeface="+mn-lt"/>
-              </a:rPr>
-              <a:t>.</a:t>
-            </a:r>
-            <a:endParaRPr lang="en-US" sz="2400" dirty="0">
-              <a:solidFill>
-                <a:schemeClr val="tx1"/>
-              </a:solidFill>
-              <a:latin typeface="+mn-lt"/>
-            </a:endParaRPr>
+              <a:t>Describe the purpose of special characters.</a:t>
+            </a:r>
           </a:p>
           <a:p>
             <a:pPr marL="432000" indent="-432000" eaLnBrk="1" fontAlgn="auto" hangingPunct="1">
@@ -19900,41 +18628,8 @@
                 </a:solidFill>
                 <a:latin typeface="+mn-lt"/>
               </a:rPr>
-              <a:t>Describe when to use an absolute link. </a:t>
-            </a:r>
-            <a:r>
-              <a:rPr lang="en-US" sz="2400" dirty="0" smtClean="0">
-                <a:solidFill>
-                  <a:schemeClr val="tx1"/>
-                </a:solidFill>
-                <a:latin typeface="+mn-lt"/>
-              </a:rPr>
-              <a:t>Is </a:t>
-            </a:r>
-            <a:r>
-              <a:rPr lang="en-US" sz="2400" dirty="0">
-                <a:solidFill>
-                  <a:schemeClr val="tx1"/>
-                </a:solidFill>
-                <a:latin typeface="+mn-lt"/>
-              </a:rPr>
-              <a:t>the http protocol used in the href value</a:t>
-            </a:r>
-            <a:r>
-              <a:rPr lang="en-US" sz="2400" dirty="0" smtClean="0">
-                <a:solidFill>
-                  <a:schemeClr val="tx1"/>
-                </a:solidFill>
-                <a:latin typeface="+mn-lt"/>
-              </a:rPr>
-              <a:t>?</a:t>
-            </a:r>
-            <a:endParaRPr lang="en-US" sz="2400" dirty="0">
-              <a:solidFill>
-                <a:schemeClr val="tx1"/>
-              </a:solidFill>
-              <a:latin typeface="+mn-lt"/>
-            </a:endParaRPr>
+              <a:t>Describe when to use an absolute link. Is the http protocol used in the href value?</a:t>
+            </a:r>
           </a:p>
           <a:p>
             <a:pPr marL="432000" indent="-432000" eaLnBrk="1" fontAlgn="auto" hangingPunct="1">
@@ -19952,23 +18647,8 @@
                 </a:solidFill>
                 <a:latin typeface="+mn-lt"/>
               </a:rPr>
-              <a:t>Describe when to use a relative link. Is the http protocol used in the href value</a:t>
-            </a:r>
-            <a:r>
-              <a:rPr lang="en-US" sz="2400" dirty="0" smtClean="0">
-                <a:solidFill>
-                  <a:schemeClr val="tx1"/>
-                </a:solidFill>
-                <a:latin typeface="+mn-lt"/>
-              </a:rPr>
-              <a:t>?</a:t>
-            </a:r>
-            <a:endParaRPr lang="en-US" sz="2400" dirty="0">
-              <a:solidFill>
-                <a:schemeClr val="tx1"/>
-              </a:solidFill>
-              <a:latin typeface="+mn-lt"/>
-            </a:endParaRPr>
+              <a:t>Describe when to use a relative link. Is the http protocol used in the href value?</a:t>
+            </a:r>
           </a:p>
         </p:txBody>
       </p:sp>
@@ -19977,13 +18657,6 @@
   <p:clrMapOvr>
     <a:masterClrMapping/>
   </p:clrMapOvr>
-  <p:timing>
-    <p:tnLst>
-      <p:par>
-        <p:cTn id="1" dur="indefinite" restart="never" nodeType="tmRoot"/>
-      </p:par>
-    </p:tnLst>
-  </p:timing>
 </p:sld>
 </file>
 
@@ -20037,7 +18710,7 @@
               <a:defRPr/>
             </a:pPr>
             <a:r>
-              <a:rPr lang="en-US" kern="1200" spc="-50" dirty="0" smtClean="0">
+              <a:rPr lang="en-US" kern="1200" spc="-50" dirty="0">
                 <a:latin typeface="Times New Roman" panose="02020603050405020304" pitchFamily="18" charset="0"/>
                 <a:ea typeface="+mj-ea"/>
                 <a:cs typeface="+mj-cs"/>
@@ -20045,7 +18718,7 @@
               <a:t>Writing Valid H</a:t>
             </a:r>
             <a:r>
-              <a:rPr lang="en-US" sz="100" kern="1200" spc="-50" dirty="0" smtClean="0">
+              <a:rPr lang="en-US" sz="100" kern="1200" spc="-50" dirty="0">
                 <a:latin typeface="Times New Roman" panose="02020603050405020304" pitchFamily="18" charset="0"/>
                 <a:ea typeface="+mj-ea"/>
                 <a:cs typeface="+mj-cs"/>
@@ -20053,7 +18726,7 @@
               <a:t> </a:t>
             </a:r>
             <a:r>
-              <a:rPr lang="en-US" kern="1200" spc="-50" dirty="0" smtClean="0">
+              <a:rPr lang="en-US" kern="1200" spc="-50" dirty="0">
                 <a:latin typeface="Times New Roman" panose="02020603050405020304" pitchFamily="18" charset="0"/>
                 <a:ea typeface="+mj-ea"/>
                 <a:cs typeface="+mj-cs"/>
@@ -20061,7 +18734,7 @@
               <a:t>T</a:t>
             </a:r>
             <a:r>
-              <a:rPr lang="en-US" sz="100" kern="1200" spc="-50" dirty="0" smtClean="0">
+              <a:rPr lang="en-US" sz="100" kern="1200" spc="-50" dirty="0">
                 <a:latin typeface="Times New Roman" panose="02020603050405020304" pitchFamily="18" charset="0"/>
                 <a:ea typeface="+mj-ea"/>
                 <a:cs typeface="+mj-cs"/>
@@ -20069,7 +18742,7 @@
               <a:t> </a:t>
             </a:r>
             <a:r>
-              <a:rPr lang="en-US" kern="1200" spc="-50" dirty="0" smtClean="0">
+              <a:rPr lang="en-US" kern="1200" spc="-50" dirty="0">
                 <a:latin typeface="Times New Roman" panose="02020603050405020304" pitchFamily="18" charset="0"/>
                 <a:ea typeface="+mj-ea"/>
                 <a:cs typeface="+mj-cs"/>
@@ -20077,7 +18750,7 @@
               <a:t>M</a:t>
             </a:r>
             <a:r>
-              <a:rPr lang="en-US" sz="100" kern="1200" spc="-50" dirty="0" smtClean="0">
+              <a:rPr lang="en-US" sz="100" kern="1200" spc="-50" dirty="0">
                 <a:latin typeface="Times New Roman" panose="02020603050405020304" pitchFamily="18" charset="0"/>
                 <a:ea typeface="+mj-ea"/>
                 <a:cs typeface="+mj-cs"/>
@@ -20085,18 +18758,13 @@
               <a:t> </a:t>
             </a:r>
             <a:r>
-              <a:rPr lang="en-US" kern="1200" spc="-50" dirty="0" smtClean="0">
+              <a:rPr lang="en-US" kern="1200" spc="-50" dirty="0">
                 <a:latin typeface="Times New Roman" panose="02020603050405020304" pitchFamily="18" charset="0"/>
                 <a:ea typeface="+mj-ea"/>
                 <a:cs typeface="+mj-cs"/>
               </a:rPr>
               <a:t>L</a:t>
             </a:r>
-            <a:endParaRPr lang="en-US" kern="1200" spc="-50" dirty="0">
-              <a:latin typeface="Times New Roman" panose="02020603050405020304" pitchFamily="18" charset="0"/>
-              <a:ea typeface="+mj-ea"/>
-              <a:cs typeface="+mj-cs"/>
-            </a:endParaRPr>
           </a:p>
         </p:txBody>
       </p:sp>
@@ -20136,18 +18804,7 @@
                 <a:ea typeface="+mn-ea"/>
                 <a:cs typeface="+mn-cs"/>
               </a:rPr>
-              <a:t>Check your code for syntax </a:t>
-            </a:r>
-            <a:r>
-              <a:rPr lang="en-US" altLang="en-US" sz="2400" kern="1200" dirty="0" smtClean="0">
-                <a:solidFill>
-                  <a:srgbClr val="000000"/>
-                </a:solidFill>
-                <a:latin typeface="Arial (Body)"/>
-                <a:ea typeface="+mn-ea"/>
-                <a:cs typeface="+mn-cs"/>
-              </a:rPr>
-              <a:t>errors</a:t>
+              <a:t>Check your code for syntax errors</a:t>
             </a:r>
           </a:p>
           <a:p>
@@ -20158,7 +18815,7 @@
               <a:defRPr/>
             </a:pPr>
             <a:r>
-              <a:rPr lang="en-US" altLang="en-US" sz="2400" kern="1200" dirty="0" smtClean="0">
+              <a:rPr lang="en-US" altLang="en-US" sz="2400" kern="1200" dirty="0">
                 <a:solidFill>
                   <a:srgbClr val="000000"/>
                 </a:solidFill>
@@ -20176,7 +18833,7 @@
               <a:defRPr/>
             </a:pPr>
             <a:r>
-              <a:rPr lang="en-US" altLang="en-US" sz="2400" kern="1200" dirty="0" smtClean="0">
+              <a:rPr lang="en-US" altLang="en-US" sz="2400" kern="1200" dirty="0">
                 <a:solidFill>
                   <a:srgbClr val="000000"/>
                 </a:solidFill>
@@ -20187,7 +18844,7 @@
               <a:t>Valid code</a:t>
             </a:r>
             <a:r>
-              <a:rPr lang="en-US" altLang="en-US" sz="2400" kern="1200" dirty="0" smtClean="0">
+              <a:rPr lang="en-US" altLang="en-US" sz="2400" kern="1200" dirty="0">
                 <a:solidFill>
                   <a:srgbClr val="000000"/>
                 </a:solidFill>
@@ -20199,7 +18856,7 @@
               <a:t> </a:t>
             </a:r>
             <a:r>
-              <a:rPr lang="en-US" altLang="en-US" sz="2400" kern="1200" dirty="0" smtClean="0">
+              <a:rPr lang="en-US" altLang="en-US" sz="2400" kern="1200" dirty="0">
                 <a:solidFill>
                   <a:srgbClr val="000000"/>
                 </a:solidFill>
@@ -20211,7 +18868,7 @@
               <a:t>→ </a:t>
             </a:r>
             <a:r>
-              <a:rPr lang="en-US" altLang="en-US" sz="2400" kern="1200" dirty="0" smtClean="0">
+              <a:rPr lang="en-US" altLang="en-US" sz="2400" kern="1200" dirty="0">
                 <a:solidFill>
                   <a:srgbClr val="000000"/>
                 </a:solidFill>
@@ -20220,8 +18877,15 @@
                 <a:cs typeface="+mn-cs"/>
                 <a:sym typeface="Wingdings" panose="05000000000000000000" pitchFamily="2" charset="2"/>
               </a:rPr>
-              <a:t>more </a:t>
-            </a:r>
+              <a:t>more consistent browser display</a:t>
+            </a:r>
+          </a:p>
+          <a:p>
+            <a:pPr marL="0" indent="0" eaLnBrk="1" hangingPunct="1">
+              <a:buNone/>
+              <a:tabLst/>
+              <a:defRPr/>
+            </a:pPr>
             <a:r>
               <a:rPr lang="en-US" altLang="en-US" sz="2400" kern="1200" dirty="0">
                 <a:solidFill>
@@ -20230,19 +18894,74 @@
                 <a:latin typeface="Arial (Body)"/>
                 <a:ea typeface="+mn-ea"/>
                 <a:cs typeface="+mn-cs"/>
-                <a:sym typeface="Wingdings" panose="05000000000000000000" pitchFamily="2" charset="2"/>
-              </a:rPr>
-              <a:t>consistent browser display</a:t>
-            </a:r>
-          </a:p>
-          <a:p>
-            <a:pPr marL="0" indent="0" eaLnBrk="1" hangingPunct="1">
-              <a:buNone/>
-              <a:tabLst/>
-              <a:defRPr/>
-            </a:pPr>
-            <a:r>
-              <a:rPr lang="en-US" altLang="en-US" sz="2400" kern="1200" dirty="0" smtClean="0">
+              </a:rPr>
+              <a:t>W3C </a:t>
+            </a:r>
+            <a:r>
+              <a:rPr lang="en-US" altLang="en-US" sz="2400" kern="1200" dirty="0">
+                <a:solidFill>
+                  <a:srgbClr val="000000"/>
+                </a:solidFill>
+                <a:latin typeface="Arial (Body)"/>
+              </a:rPr>
+              <a:t>H</a:t>
+            </a:r>
+            <a:r>
+              <a:rPr lang="en-US" altLang="en-US" sz="100" kern="1200" dirty="0">
+                <a:solidFill>
+                  <a:srgbClr val="000000"/>
+                </a:solidFill>
+                <a:latin typeface="Arial (Body)"/>
+              </a:rPr>
+              <a:t> </a:t>
+            </a:r>
+            <a:r>
+              <a:rPr lang="en-US" altLang="en-US" sz="2400" kern="1200" dirty="0">
+                <a:solidFill>
+                  <a:srgbClr val="000000"/>
+                </a:solidFill>
+                <a:latin typeface="Arial (Body)"/>
+              </a:rPr>
+              <a:t>T</a:t>
+            </a:r>
+            <a:r>
+              <a:rPr lang="en-US" altLang="en-US" sz="100" kern="1200" dirty="0">
+                <a:solidFill>
+                  <a:srgbClr val="000000"/>
+                </a:solidFill>
+                <a:latin typeface="Arial (Body)"/>
+              </a:rPr>
+              <a:t> </a:t>
+            </a:r>
+            <a:r>
+              <a:rPr lang="en-US" altLang="en-US" sz="2400" kern="1200" dirty="0">
+                <a:solidFill>
+                  <a:srgbClr val="000000"/>
+                </a:solidFill>
+                <a:latin typeface="Arial (Body)"/>
+              </a:rPr>
+              <a:t>M</a:t>
+            </a:r>
+            <a:r>
+              <a:rPr lang="en-US" altLang="en-US" sz="100" kern="1200" dirty="0">
+                <a:solidFill>
+                  <a:srgbClr val="000000"/>
+                </a:solidFill>
+                <a:latin typeface="Arial (Body)"/>
+              </a:rPr>
+              <a:t> </a:t>
+            </a:r>
+            <a:r>
+              <a:rPr lang="en-US" altLang="en-US" sz="2400" kern="1200" dirty="0">
+                <a:solidFill>
+                  <a:srgbClr val="000000"/>
+                </a:solidFill>
+                <a:latin typeface="Arial (Body)"/>
+              </a:rPr>
+              <a:t>L</a:t>
+            </a:r>
+            <a:r>
+              <a:rPr lang="en-US" altLang="en-US" sz="2400" kern="1200" dirty="0">
                 <a:solidFill>
                   <a:srgbClr val="000000"/>
                 </a:solidFill>
@@ -20250,92 +18969,7 @@
                 <a:ea typeface="+mn-ea"/>
                 <a:cs typeface="+mn-cs"/>
               </a:rPr>
-              <a:t>W3C </a:t>
-            </a:r>
-            <a:r>
-              <a:rPr lang="en-US" altLang="en-US" sz="2400" kern="1200" dirty="0" smtClean="0">
-                <a:solidFill>
-                  <a:srgbClr val="000000"/>
-                </a:solidFill>
-                <a:latin typeface="Arial (Body)"/>
-              </a:rPr>
-              <a:t>H</a:t>
-            </a:r>
-            <a:r>
-              <a:rPr lang="en-US" altLang="en-US" sz="100" kern="1200" dirty="0" smtClean="0">
-                <a:solidFill>
-                  <a:srgbClr val="000000"/>
-                </a:solidFill>
-                <a:latin typeface="Arial (Body)"/>
-              </a:rPr>
-              <a:t> </a:t>
-            </a:r>
-            <a:r>
-              <a:rPr lang="en-US" altLang="en-US" sz="2400" kern="1200" dirty="0" smtClean="0">
-                <a:solidFill>
-                  <a:srgbClr val="000000"/>
-                </a:solidFill>
-                <a:latin typeface="Arial (Body)"/>
-              </a:rPr>
-              <a:t>T</a:t>
-            </a:r>
-            <a:r>
-              <a:rPr lang="en-US" altLang="en-US" sz="100" kern="1200" dirty="0" smtClean="0">
-                <a:solidFill>
-                  <a:srgbClr val="000000"/>
-                </a:solidFill>
-                <a:latin typeface="Arial (Body)"/>
-              </a:rPr>
-              <a:t> </a:t>
-            </a:r>
-            <a:r>
-              <a:rPr lang="en-US" altLang="en-US" sz="2400" kern="1200" dirty="0" smtClean="0">
-                <a:solidFill>
-                  <a:srgbClr val="000000"/>
-                </a:solidFill>
-                <a:latin typeface="Arial (Body)"/>
-              </a:rPr>
-              <a:t>M</a:t>
-            </a:r>
-            <a:r>
-              <a:rPr lang="en-US" altLang="en-US" sz="100" kern="1200" dirty="0" smtClean="0">
-                <a:solidFill>
-                  <a:srgbClr val="000000"/>
-                </a:solidFill>
-                <a:latin typeface="Arial (Body)"/>
-              </a:rPr>
-              <a:t> </a:t>
-            </a:r>
-            <a:r>
-              <a:rPr lang="en-US" altLang="en-US" sz="2400" kern="1200" dirty="0" smtClean="0">
-                <a:solidFill>
-                  <a:srgbClr val="000000"/>
-                </a:solidFill>
-                <a:latin typeface="Arial (Body)"/>
-              </a:rPr>
-              <a:t>L</a:t>
-            </a:r>
-            <a:r>
-              <a:rPr lang="en-US" altLang="en-US" sz="2400" kern="1200" dirty="0" smtClean="0">
-                <a:solidFill>
-                  <a:srgbClr val="000000"/>
-                </a:solidFill>
-                <a:latin typeface="Arial (Body)"/>
-                <a:ea typeface="+mn-ea"/>
-                <a:cs typeface="+mn-cs"/>
-              </a:rPr>
-              <a:t> </a:t>
-            </a:r>
-            <a:r>
-              <a:rPr lang="en-US" altLang="en-US" sz="2400" kern="1200" dirty="0">
-                <a:solidFill>
-                  <a:srgbClr val="000000"/>
-                </a:solidFill>
-                <a:latin typeface="Arial (Body)"/>
-                <a:ea typeface="+mn-ea"/>
-                <a:cs typeface="+mn-cs"/>
-              </a:rPr>
-              <a:t>Validation Tool</a:t>
+              <a:t> Validation Tool</a:t>
             </a:r>
           </a:p>
           <a:p>
@@ -20346,7 +18980,7 @@
               <a:defRPr/>
             </a:pPr>
             <a:r>
-              <a:rPr lang="en-US" altLang="en-US" sz="2400" kern="1200" dirty="0" smtClean="0">
+              <a:rPr lang="en-US" altLang="en-US" sz="2400" kern="1200" dirty="0">
                 <a:solidFill>
                   <a:srgbClr val="000000"/>
                 </a:solidFill>
@@ -20355,31 +18989,7 @@
                 <a:cs typeface="+mn-cs"/>
                 <a:hlinkClick r:id="rId2" tooltip="http://validator.w3.org/"/>
               </a:rPr>
-              <a:t>http</a:t>
-            </a:r>
-            <a:r>
-              <a:rPr lang="en-US" altLang="en-US" sz="2400" kern="1200" dirty="0">
-                <a:solidFill>
-                  <a:srgbClr val="000000"/>
-                </a:solidFill>
-                <a:latin typeface="Arial (Body)"/>
-                <a:ea typeface="+mn-ea"/>
-                <a:cs typeface="+mn-cs"/>
-                <a:hlinkClick r:id="rId2" tooltip="http://validator.w3.org/"/>
-              </a:rPr>
-              <a:t>://</a:t>
-            </a:r>
-            <a:r>
-              <a:rPr lang="en-US" altLang="en-US" sz="2400" kern="1200" dirty="0" smtClean="0">
-                <a:solidFill>
-                  <a:srgbClr val="000000"/>
-                </a:solidFill>
-                <a:latin typeface="Arial (Body)"/>
-                <a:ea typeface="+mn-ea"/>
-                <a:cs typeface="+mn-cs"/>
-                <a:hlinkClick r:id="rId2" tooltip="http://validator.w3.org/"/>
-              </a:rPr>
-              <a:t>validator.w3.org</a:t>
+              <a:t>http://validator.w3.org</a:t>
             </a:r>
             <a:endParaRPr lang="en-US" altLang="en-US" sz="2400" kern="1200" dirty="0">
               <a:solidFill>
@@ -20397,13 +19007,6 @@
   <p:clrMapOvr>
     <a:masterClrMapping/>
   </p:clrMapOvr>
-  <p:timing>
-    <p:tnLst>
-      <p:par>
-        <p:cTn id="1" dur="indefinite" restart="never" nodeType="tmRoot"/>
-      </p:par>
-    </p:tnLst>
-  </p:timing>
 </p:sld>
 </file>
 
@@ -20457,18 +19060,13 @@
               <a:defRPr/>
             </a:pPr>
             <a:r>
-              <a:rPr lang="en-US" kern="1200" spc="-50" dirty="0" smtClean="0">
+              <a:rPr lang="en-US" kern="1200" spc="-50" dirty="0">
                 <a:latin typeface="Times New Roman" panose="02020603050405020304" pitchFamily="18" charset="0"/>
                 <a:ea typeface="+mj-ea"/>
                 <a:cs typeface="+mj-cs"/>
               </a:rPr>
               <a:t>Summary</a:t>
             </a:r>
-            <a:endParaRPr lang="en-US" kern="1200" spc="-50" dirty="0">
-              <a:latin typeface="Times New Roman" panose="02020603050405020304" pitchFamily="18" charset="0"/>
-              <a:ea typeface="+mj-ea"/>
-              <a:cs typeface="+mj-cs"/>
-            </a:endParaRPr>
           </a:p>
         </p:txBody>
       </p:sp>
@@ -20507,10 +19105,10 @@
                 <a:ea typeface="+mn-ea"/>
                 <a:cs typeface="Arial" panose="020B0604020202020204" pitchFamily="34" charset="0"/>
               </a:rPr>
-              <a:t>This chapter introduced you to </a:t>
-            </a:r>
-            <a:r>
-              <a:rPr lang="en-US" altLang="en-US" sz="2400" kern="1200" dirty="0" smtClean="0">
+              <a:t>This chapter introduced you to H</a:t>
+            </a:r>
+            <a:r>
+              <a:rPr lang="en-US" altLang="en-US" sz="100" kern="1200" dirty="0">
                 <a:solidFill>
                   <a:srgbClr val="000000"/>
                 </a:solidFill>
@@ -20518,10 +19116,10 @@
                 <a:ea typeface="+mn-ea"/>
                 <a:cs typeface="Arial" panose="020B0604020202020204" pitchFamily="34" charset="0"/>
               </a:rPr>
-              <a:t>H</a:t>
-            </a:r>
-            <a:r>
-              <a:rPr lang="en-US" altLang="en-US" sz="100" kern="1200" dirty="0" smtClean="0">
+              <a:t> </a:t>
+            </a:r>
+            <a:r>
+              <a:rPr lang="en-US" altLang="en-US" sz="2400" kern="1200" dirty="0">
                 <a:solidFill>
                   <a:srgbClr val="000000"/>
                 </a:solidFill>
@@ -20529,10 +19127,10 @@
                 <a:ea typeface="+mn-ea"/>
                 <a:cs typeface="Arial" panose="020B0604020202020204" pitchFamily="34" charset="0"/>
               </a:rPr>
-              <a:t> </a:t>
-            </a:r>
-            <a:r>
-              <a:rPr lang="en-US" altLang="en-US" sz="2400" kern="1200" dirty="0" smtClean="0">
+              <a:t>T</a:t>
+            </a:r>
+            <a:r>
+              <a:rPr lang="en-US" altLang="en-US" sz="100" kern="1200" dirty="0">
                 <a:solidFill>
                   <a:srgbClr val="000000"/>
                 </a:solidFill>
@@ -20540,10 +19138,10 @@
                 <a:ea typeface="+mn-ea"/>
                 <a:cs typeface="Arial" panose="020B0604020202020204" pitchFamily="34" charset="0"/>
               </a:rPr>
-              <a:t>T</a:t>
-            </a:r>
-            <a:r>
-              <a:rPr lang="en-US" altLang="en-US" sz="100" kern="1200" dirty="0" smtClean="0">
+              <a:t> </a:t>
+            </a:r>
+            <a:r>
+              <a:rPr lang="en-US" altLang="en-US" sz="2400" kern="1200" dirty="0">
                 <a:solidFill>
                   <a:srgbClr val="000000"/>
                 </a:solidFill>
@@ -20551,10 +19149,10 @@
                 <a:ea typeface="+mn-ea"/>
                 <a:cs typeface="Arial" panose="020B0604020202020204" pitchFamily="34" charset="0"/>
               </a:rPr>
-              <a:t> </a:t>
-            </a:r>
-            <a:r>
-              <a:rPr lang="en-US" altLang="en-US" sz="2400" kern="1200" dirty="0" smtClean="0">
+              <a:t>M</a:t>
+            </a:r>
+            <a:r>
+              <a:rPr lang="en-US" altLang="en-US" sz="100" kern="1200" dirty="0">
                 <a:solidFill>
                   <a:srgbClr val="000000"/>
                 </a:solidFill>
@@ -20562,10 +19160,10 @@
                 <a:ea typeface="+mn-ea"/>
                 <a:cs typeface="Arial" panose="020B0604020202020204" pitchFamily="34" charset="0"/>
               </a:rPr>
-              <a:t>M</a:t>
-            </a:r>
-            <a:r>
-              <a:rPr lang="en-US" altLang="en-US" sz="100" kern="1200" dirty="0" smtClean="0">
+              <a:t> </a:t>
+            </a:r>
+            <a:r>
+              <a:rPr lang="en-US" altLang="en-US" sz="2400" kern="1200" dirty="0">
                 <a:solidFill>
                   <a:srgbClr val="000000"/>
                 </a:solidFill>
@@ -20573,27 +19171,8 @@
                 <a:ea typeface="+mn-ea"/>
                 <a:cs typeface="Arial" panose="020B0604020202020204" pitchFamily="34" charset="0"/>
               </a:rPr>
-              <a:t> </a:t>
-            </a:r>
-            <a:r>
-              <a:rPr lang="en-US" altLang="en-US" sz="2400" kern="1200" dirty="0" smtClean="0">
-                <a:solidFill>
-                  <a:srgbClr val="000000"/>
-                </a:solidFill>
-                <a:latin typeface="Arial (Body)"/>
-                <a:ea typeface="+mn-ea"/>
-                <a:cs typeface="Arial" panose="020B0604020202020204" pitchFamily="34" charset="0"/>
-              </a:rPr>
               <a:t>L.</a:t>
             </a:r>
-            <a:endParaRPr lang="en-US" altLang="en-US" sz="2400" kern="1200" dirty="0">
-              <a:solidFill>
-                <a:srgbClr val="000000"/>
-              </a:solidFill>
-              <a:latin typeface="Arial (Body)"/>
-              <a:ea typeface="+mn-ea"/>
-              <a:cs typeface="Arial" panose="020B0604020202020204" pitchFamily="34" charset="0"/>
-            </a:endParaRPr>
           </a:p>
           <a:p>
             <a:pPr eaLnBrk="1" hangingPunct="1">
@@ -20609,29 +19188,7 @@
                 <a:ea typeface="+mn-ea"/>
                 <a:cs typeface="Arial" panose="020B0604020202020204" pitchFamily="34" charset="0"/>
               </a:rPr>
-              <a:t>You will use these skills over and over again as you create web </a:t>
-            </a:r>
-            <a:r>
-              <a:rPr lang="en-US" altLang="en-US" sz="2400" kern="1200" dirty="0" smtClean="0">
-                <a:solidFill>
-                  <a:srgbClr val="000000"/>
-                </a:solidFill>
-                <a:latin typeface="Arial (Body)"/>
-                <a:ea typeface="+mn-ea"/>
-                <a:cs typeface="Arial" panose="020B0604020202020204" pitchFamily="34" charset="0"/>
-              </a:rPr>
-              <a:t>pages</a:t>
-            </a:r>
-            <a:r>
-              <a:rPr lang="en-US" altLang="en-US" sz="2400" kern="1200" dirty="0">
-                <a:solidFill>
-                  <a:srgbClr val="000000"/>
-                </a:solidFill>
-                <a:latin typeface="Arial (Body)"/>
-                <a:ea typeface="+mn-ea"/>
-                <a:cs typeface="Arial" panose="020B0604020202020204" pitchFamily="34" charset="0"/>
-              </a:rPr>
-              <a:t>.</a:t>
+              <a:t>You will use these skills over and over again as you create web pages.</a:t>
             </a:r>
           </a:p>
         </p:txBody>
@@ -20641,13 +19198,6 @@
   <p:clrMapOvr>
     <a:masterClrMapping/>
   </p:clrMapOvr>
-  <p:timing>
-    <p:tnLst>
-      <p:par>
-        <p:cTn id="1" dur="indefinite" restart="never" nodeType="tmRoot"/>
-      </p:par>
-    </p:tnLst>
-  </p:timing>
 </p:sld>
 </file>
 
@@ -20693,7 +19243,7 @@
               <a:buNone/>
             </a:pPr>
             <a:r>
-              <a:rPr lang="en-US" altLang="en-US" dirty="0" smtClean="0">
+              <a:rPr lang="en-US" altLang="en-US" dirty="0">
                 <a:latin typeface="Times New Roman" panose="02020603050405020304" pitchFamily="18" charset="0"/>
                 <a:cs typeface="Times New Roman" panose="02020603050405020304" pitchFamily="18" charset="0"/>
                 <a:sym typeface="Times New Roman" panose="02020603050405020304" pitchFamily="18" charset="0"/>
@@ -20815,7 +19365,7 @@
               <a:defRPr/>
             </a:pPr>
             <a:r>
-              <a:rPr lang="en-US" kern="1200" spc="-50" dirty="0" smtClean="0">
+              <a:rPr lang="en-US" kern="1200" spc="-50" dirty="0">
                 <a:latin typeface="Times New Roman" panose="02020603050405020304" pitchFamily="18" charset="0"/>
                 <a:ea typeface="+mj-ea"/>
                 <a:cs typeface="+mj-cs"/>
@@ -20823,7 +19373,7 @@
               <a:t>What is H</a:t>
             </a:r>
             <a:r>
-              <a:rPr lang="en-US" sz="100" kern="1200" spc="-50" dirty="0" smtClean="0">
+              <a:rPr lang="en-US" sz="100" kern="1200" spc="-50" dirty="0">
                 <a:latin typeface="Times New Roman" panose="02020603050405020304" pitchFamily="18" charset="0"/>
                 <a:ea typeface="+mj-ea"/>
                 <a:cs typeface="+mj-cs"/>
@@ -20831,7 +19381,7 @@
               <a:t> </a:t>
             </a:r>
             <a:r>
-              <a:rPr lang="en-US" kern="1200" spc="-50" dirty="0" smtClean="0">
+              <a:rPr lang="en-US" kern="1200" spc="-50" dirty="0">
                 <a:latin typeface="Times New Roman" panose="02020603050405020304" pitchFamily="18" charset="0"/>
                 <a:ea typeface="+mj-ea"/>
                 <a:cs typeface="+mj-cs"/>
@@ -20839,7 +19389,7 @@
               <a:t>T</a:t>
             </a:r>
             <a:r>
-              <a:rPr lang="en-US" sz="100" kern="1200" spc="-50" dirty="0" smtClean="0">
+              <a:rPr lang="en-US" sz="100" kern="1200" spc="-50" dirty="0">
                 <a:latin typeface="Times New Roman" panose="02020603050405020304" pitchFamily="18" charset="0"/>
                 <a:ea typeface="+mj-ea"/>
                 <a:cs typeface="+mj-cs"/>
@@ -20847,7 +19397,7 @@
               <a:t> </a:t>
             </a:r>
             <a:r>
-              <a:rPr lang="en-US" kern="1200" spc="-50" dirty="0" smtClean="0">
+              <a:rPr lang="en-US" kern="1200" spc="-50" dirty="0">
                 <a:latin typeface="Times New Roman" panose="02020603050405020304" pitchFamily="18" charset="0"/>
                 <a:ea typeface="+mj-ea"/>
                 <a:cs typeface="+mj-cs"/>
@@ -20855,7 +19405,7 @@
               <a:t>M</a:t>
             </a:r>
             <a:r>
-              <a:rPr lang="en-US" sz="100" kern="1200" spc="-50" dirty="0" smtClean="0">
+              <a:rPr lang="en-US" sz="100" kern="1200" spc="-50" dirty="0">
                 <a:latin typeface="Times New Roman" panose="02020603050405020304" pitchFamily="18" charset="0"/>
                 <a:ea typeface="+mj-ea"/>
                 <a:cs typeface="+mj-cs"/>
@@ -20863,18 +19413,13 @@
               <a:t> </a:t>
             </a:r>
             <a:r>
-              <a:rPr lang="en-US" kern="1200" spc="-50" dirty="0" smtClean="0">
+              <a:rPr lang="en-US" kern="1200" spc="-50" dirty="0">
                 <a:latin typeface="Times New Roman" panose="02020603050405020304" pitchFamily="18" charset="0"/>
                 <a:ea typeface="+mj-ea"/>
                 <a:cs typeface="+mj-cs"/>
               </a:rPr>
               <a:t>L?</a:t>
             </a:r>
-            <a:endParaRPr lang="en-US" kern="1200" spc="-50" dirty="0">
-              <a:latin typeface="Times New Roman" panose="02020603050405020304" pitchFamily="18" charset="0"/>
-              <a:ea typeface="+mj-ea"/>
-              <a:cs typeface="+mj-cs"/>
-            </a:endParaRPr>
           </a:p>
         </p:txBody>
       </p:sp>
@@ -20906,7 +19451,7 @@
               <a:defRPr/>
             </a:pPr>
             <a:r>
-              <a:rPr lang="en-US" altLang="en-US" sz="2400" kern="1200" dirty="0" smtClean="0">
+              <a:rPr lang="en-US" altLang="en-US" sz="2400" kern="1200" dirty="0">
                 <a:solidFill>
                   <a:srgbClr val="000000"/>
                 </a:solidFill>
@@ -20917,7 +19462,7 @@
               <a:t>H</a:t>
             </a:r>
             <a:r>
-              <a:rPr lang="en-US" altLang="en-US" sz="100" kern="1200" dirty="0" smtClean="0">
+              <a:rPr lang="en-US" altLang="en-US" sz="100" kern="1200" dirty="0">
                 <a:solidFill>
                   <a:srgbClr val="000000"/>
                 </a:solidFill>
@@ -20928,7 +19473,7 @@
               <a:t> </a:t>
             </a:r>
             <a:r>
-              <a:rPr lang="en-US" altLang="en-US" sz="2400" kern="1200" dirty="0" smtClean="0">
+              <a:rPr lang="en-US" altLang="en-US" sz="2400" kern="1200" dirty="0">
                 <a:solidFill>
                   <a:srgbClr val="000000"/>
                 </a:solidFill>
@@ -20939,7 +19484,7 @@
               <a:t>T</a:t>
             </a:r>
             <a:r>
-              <a:rPr lang="en-US" altLang="en-US" sz="100" kern="1200" dirty="0" smtClean="0">
+              <a:rPr lang="en-US" altLang="en-US" sz="100" kern="1200" dirty="0">
                 <a:solidFill>
                   <a:srgbClr val="000000"/>
                 </a:solidFill>
@@ -20950,7 +19495,7 @@
               <a:t> </a:t>
             </a:r>
             <a:r>
-              <a:rPr lang="en-US" altLang="en-US" sz="2400" kern="1200" dirty="0" smtClean="0">
+              <a:rPr lang="en-US" altLang="en-US" sz="2400" kern="1200" dirty="0">
                 <a:solidFill>
                   <a:srgbClr val="000000"/>
                 </a:solidFill>
@@ -20961,7 +19506,7 @@
               <a:t>M</a:t>
             </a:r>
             <a:r>
-              <a:rPr lang="en-US" altLang="en-US" sz="100" kern="1200" dirty="0" smtClean="0">
+              <a:rPr lang="en-US" altLang="en-US" sz="100" kern="1200" dirty="0">
                 <a:solidFill>
                   <a:srgbClr val="000000"/>
                 </a:solidFill>
@@ -20972,7 +19517,7 @@
               <a:t> </a:t>
             </a:r>
             <a:r>
-              <a:rPr lang="en-US" altLang="en-US" sz="2400" kern="1200" dirty="0" smtClean="0">
+              <a:rPr lang="en-US" altLang="en-US" sz="2400" kern="1200" dirty="0">
                 <a:solidFill>
                   <a:srgbClr val="000000"/>
                 </a:solidFill>
@@ -20980,29 +19525,7 @@
                 <a:ea typeface="+mn-ea"/>
                 <a:cs typeface="Arial" panose="020B0604020202020204" pitchFamily="34" charset="0"/>
               </a:rPr>
-              <a:t>L: The </a:t>
-            </a:r>
-            <a:r>
-              <a:rPr lang="en-US" altLang="en-US" sz="2400" kern="1200" dirty="0">
-                <a:solidFill>
-                  <a:srgbClr val="000000"/>
-                </a:solidFill>
-                <a:latin typeface="Arial (Body)"/>
-                <a:ea typeface="+mn-ea"/>
-                <a:cs typeface="Arial" panose="020B0604020202020204" pitchFamily="34" charset="0"/>
-              </a:rPr>
-              <a:t>set of markup symbols or codes placed in a file intended for display on a Web browser </a:t>
-            </a:r>
-            <a:r>
-              <a:rPr lang="en-US" altLang="en-US" sz="2400" kern="1200" dirty="0" smtClean="0">
-                <a:solidFill>
-                  <a:srgbClr val="000000"/>
-                </a:solidFill>
-                <a:latin typeface="Arial (Body)"/>
-                <a:ea typeface="+mn-ea"/>
-                <a:cs typeface="Arial" panose="020B0604020202020204" pitchFamily="34" charset="0"/>
-              </a:rPr>
-              <a:t>page.</a:t>
+              <a:t>L: The set of markup symbols or codes placed in a file intended for display on a Web browser page.</a:t>
             </a:r>
           </a:p>
           <a:p>
@@ -21015,7 +19538,7 @@
               <a:defRPr/>
             </a:pPr>
             <a:r>
-              <a:rPr lang="en-US" altLang="en-US" sz="2400" kern="1200" dirty="0" smtClean="0">
+              <a:rPr lang="en-US" altLang="en-US" sz="2400" kern="1200" dirty="0">
                 <a:solidFill>
                   <a:srgbClr val="000000"/>
                 </a:solidFill>
@@ -21026,7 +19549,7 @@
               <a:t>The World Wide Web Consortium (</a:t>
             </a:r>
             <a:r>
-              <a:rPr lang="en-US" altLang="en-US" sz="2400" kern="1200" dirty="0" smtClean="0">
+              <a:rPr lang="en-US" altLang="en-US" sz="2400" kern="1200" dirty="0">
                 <a:solidFill>
                   <a:srgbClr val="000000"/>
                 </a:solidFill>
@@ -21038,7 +19561,7 @@
               <a:t>http://w3c.org</a:t>
             </a:r>
             <a:r>
-              <a:rPr lang="en-US" altLang="en-US" sz="2400" kern="1200" dirty="0" smtClean="0">
+              <a:rPr lang="en-US" altLang="en-US" sz="2400" kern="1200" dirty="0">
                 <a:solidFill>
                   <a:srgbClr val="000000"/>
                 </a:solidFill>
@@ -21049,7 +19572,7 @@
               <a:t>) sets the standards for H</a:t>
             </a:r>
             <a:r>
-              <a:rPr lang="en-US" altLang="en-US" sz="100" kern="1200" dirty="0" smtClean="0">
+              <a:rPr lang="en-US" altLang="en-US" sz="100" kern="1200" dirty="0">
                 <a:solidFill>
                   <a:srgbClr val="000000"/>
                 </a:solidFill>
@@ -21060,7 +19583,7 @@
               <a:t> </a:t>
             </a:r>
             <a:r>
-              <a:rPr lang="en-US" altLang="en-US" sz="2400" kern="1200" dirty="0" smtClean="0">
+              <a:rPr lang="en-US" altLang="en-US" sz="2400" kern="1200" dirty="0">
                 <a:solidFill>
                   <a:srgbClr val="000000"/>
                 </a:solidFill>
@@ -21071,7 +19594,7 @@
               <a:t>T</a:t>
             </a:r>
             <a:r>
-              <a:rPr lang="en-US" altLang="en-US" sz="100" kern="1200" dirty="0" smtClean="0">
+              <a:rPr lang="en-US" altLang="en-US" sz="100" kern="1200" dirty="0">
                 <a:solidFill>
                   <a:srgbClr val="000000"/>
                 </a:solidFill>
@@ -21082,7 +19605,7 @@
               <a:t> </a:t>
             </a:r>
             <a:r>
-              <a:rPr lang="en-US" altLang="en-US" sz="2400" kern="1200" dirty="0" smtClean="0">
+              <a:rPr lang="en-US" altLang="en-US" sz="2400" kern="1200" dirty="0">
                 <a:solidFill>
                   <a:srgbClr val="000000"/>
                 </a:solidFill>
@@ -21093,7 +19616,7 @@
               <a:t>M</a:t>
             </a:r>
             <a:r>
-              <a:rPr lang="en-US" altLang="en-US" sz="100" kern="1200" dirty="0" smtClean="0">
+              <a:rPr lang="en-US" altLang="en-US" sz="100" kern="1200" dirty="0">
                 <a:solidFill>
                   <a:srgbClr val="000000"/>
                 </a:solidFill>
@@ -21104,7 +19627,7 @@
               <a:t> </a:t>
             </a:r>
             <a:r>
-              <a:rPr lang="en-US" altLang="en-US" sz="2400" kern="1200" dirty="0" smtClean="0">
+              <a:rPr lang="en-US" altLang="en-US" sz="2400" kern="1200" dirty="0">
                 <a:solidFill>
                   <a:srgbClr val="000000"/>
                 </a:solidFill>
@@ -21122,13 +19645,6 @@
   <p:clrMapOvr>
     <a:masterClrMapping/>
   </p:clrMapOvr>
-  <p:timing>
-    <p:tnLst>
-      <p:par>
-        <p:cTn id="1" dur="indefinite" restart="never" nodeType="tmRoot"/>
-      </p:par>
-    </p:tnLst>
-  </p:timing>
 </p:sld>
 </file>
 
@@ -21182,7 +19698,7 @@
               <a:defRPr/>
             </a:pPr>
             <a:r>
-              <a:rPr lang="en-US" kern="1200" spc="-50" dirty="0" smtClean="0">
+              <a:rPr lang="en-US" kern="1200" spc="-50" dirty="0">
                 <a:latin typeface="Times New Roman" panose="02020603050405020304" pitchFamily="18" charset="0"/>
                 <a:ea typeface="+mj-ea"/>
                 <a:cs typeface="+mj-cs"/>
@@ -21190,7 +19706,7 @@
               <a:t>H</a:t>
             </a:r>
             <a:r>
-              <a:rPr lang="en-US" sz="100" kern="1200" spc="-50" dirty="0" smtClean="0">
+              <a:rPr lang="en-US" sz="100" kern="1200" spc="-50" dirty="0">
                 <a:latin typeface="Times New Roman" panose="02020603050405020304" pitchFamily="18" charset="0"/>
                 <a:ea typeface="+mj-ea"/>
                 <a:cs typeface="+mj-cs"/>
@@ -21198,7 +19714,7 @@
               <a:t> </a:t>
             </a:r>
             <a:r>
-              <a:rPr lang="en-US" kern="1200" spc="-50" dirty="0" smtClean="0">
+              <a:rPr lang="en-US" kern="1200" spc="-50" dirty="0">
                 <a:latin typeface="Times New Roman" panose="02020603050405020304" pitchFamily="18" charset="0"/>
                 <a:ea typeface="+mj-ea"/>
                 <a:cs typeface="+mj-cs"/>
@@ -21206,7 +19722,7 @@
               <a:t>T</a:t>
             </a:r>
             <a:r>
-              <a:rPr lang="en-US" sz="100" kern="1200" spc="-50" dirty="0" smtClean="0">
+              <a:rPr lang="en-US" sz="100" kern="1200" spc="-50" dirty="0">
                 <a:latin typeface="Times New Roman" panose="02020603050405020304" pitchFamily="18" charset="0"/>
                 <a:ea typeface="+mj-ea"/>
                 <a:cs typeface="+mj-cs"/>
@@ -21214,7 +19730,7 @@
               <a:t> </a:t>
             </a:r>
             <a:r>
-              <a:rPr lang="en-US" kern="1200" spc="-50" dirty="0" smtClean="0">
+              <a:rPr lang="en-US" kern="1200" spc="-50" dirty="0">
                 <a:latin typeface="Times New Roman" panose="02020603050405020304" pitchFamily="18" charset="0"/>
                 <a:ea typeface="+mj-ea"/>
                 <a:cs typeface="+mj-cs"/>
@@ -21222,7 +19738,7 @@
               <a:t>M</a:t>
             </a:r>
             <a:r>
-              <a:rPr lang="en-US" sz="100" kern="1200" spc="-50" dirty="0" smtClean="0">
+              <a:rPr lang="en-US" sz="100" kern="1200" spc="-50" dirty="0">
                 <a:latin typeface="Times New Roman" panose="02020603050405020304" pitchFamily="18" charset="0"/>
                 <a:ea typeface="+mj-ea"/>
                 <a:cs typeface="+mj-cs"/>
@@ -21230,18 +19746,13 @@
               <a:t> </a:t>
             </a:r>
             <a:r>
-              <a:rPr lang="en-US" kern="1200" spc="-50" dirty="0" smtClean="0">
+              <a:rPr lang="en-US" kern="1200" spc="-50" dirty="0">
                 <a:latin typeface="Times New Roman" panose="02020603050405020304" pitchFamily="18" charset="0"/>
                 <a:ea typeface="+mj-ea"/>
                 <a:cs typeface="+mj-cs"/>
               </a:rPr>
               <a:t>L Elements</a:t>
             </a:r>
-            <a:endParaRPr lang="en-US" kern="1200" spc="-50" dirty="0">
-              <a:latin typeface="Times New Roman" panose="02020603050405020304" pitchFamily="18" charset="0"/>
-              <a:ea typeface="+mj-ea"/>
-              <a:cs typeface="+mj-cs"/>
-            </a:endParaRPr>
           </a:p>
         </p:txBody>
       </p:sp>
@@ -21280,10 +19791,10 @@
                 <a:ea typeface="+mn-ea"/>
                 <a:cs typeface="+mn-cs"/>
               </a:rPr>
-              <a:t>Each markup code represents an </a:t>
-            </a:r>
-            <a:r>
-              <a:rPr lang="en-US" altLang="en-US" sz="2400" kern="1200" dirty="0" smtClean="0">
+              <a:t>Each markup code represents an H</a:t>
+            </a:r>
+            <a:r>
+              <a:rPr lang="en-US" altLang="en-US" sz="100" kern="1200" dirty="0">
                 <a:solidFill>
                   <a:srgbClr val="000000"/>
                 </a:solidFill>
@@ -21291,10 +19802,10 @@
                 <a:ea typeface="+mn-ea"/>
                 <a:cs typeface="+mn-cs"/>
               </a:rPr>
-              <a:t>H</a:t>
-            </a:r>
-            <a:r>
-              <a:rPr lang="en-US" altLang="en-US" sz="100" kern="1200" dirty="0" smtClean="0">
+              <a:t> </a:t>
+            </a:r>
+            <a:r>
+              <a:rPr lang="en-US" altLang="en-US" sz="2400" kern="1200" dirty="0">
                 <a:solidFill>
                   <a:srgbClr val="000000"/>
                 </a:solidFill>
@@ -21302,10 +19813,10 @@
                 <a:ea typeface="+mn-ea"/>
                 <a:cs typeface="+mn-cs"/>
               </a:rPr>
-              <a:t> </a:t>
-            </a:r>
-            <a:r>
-              <a:rPr lang="en-US" altLang="en-US" sz="2400" kern="1200" dirty="0" smtClean="0">
+              <a:t>T</a:t>
+            </a:r>
+            <a:r>
+              <a:rPr lang="en-US" altLang="en-US" sz="100" kern="1200" dirty="0">
                 <a:solidFill>
                   <a:srgbClr val="000000"/>
                 </a:solidFill>
@@ -21313,10 +19824,10 @@
                 <a:ea typeface="+mn-ea"/>
                 <a:cs typeface="+mn-cs"/>
               </a:rPr>
-              <a:t>T</a:t>
-            </a:r>
-            <a:r>
-              <a:rPr lang="en-US" altLang="en-US" sz="100" kern="1200" dirty="0" smtClean="0">
+              <a:t> </a:t>
+            </a:r>
+            <a:r>
+              <a:rPr lang="en-US" altLang="en-US" sz="2400" kern="1200" dirty="0">
                 <a:solidFill>
                   <a:srgbClr val="000000"/>
                 </a:solidFill>
@@ -21324,10 +19835,10 @@
                 <a:ea typeface="+mn-ea"/>
                 <a:cs typeface="+mn-cs"/>
               </a:rPr>
-              <a:t> </a:t>
-            </a:r>
-            <a:r>
-              <a:rPr lang="en-US" altLang="en-US" sz="2400" kern="1200" dirty="0" smtClean="0">
+              <a:t>M</a:t>
+            </a:r>
+            <a:r>
+              <a:rPr lang="en-US" altLang="en-US" sz="100" kern="1200" dirty="0">
                 <a:solidFill>
                   <a:srgbClr val="000000"/>
                 </a:solidFill>
@@ -21335,10 +19846,10 @@
                 <a:ea typeface="+mn-ea"/>
                 <a:cs typeface="+mn-cs"/>
               </a:rPr>
-              <a:t>M</a:t>
-            </a:r>
-            <a:r>
-              <a:rPr lang="en-US" altLang="en-US" sz="100" kern="1200" dirty="0" smtClean="0">
+              <a:t> </a:t>
+            </a:r>
+            <a:r>
+              <a:rPr lang="en-US" altLang="en-US" sz="2400" kern="1200" dirty="0">
                 <a:solidFill>
                   <a:srgbClr val="000000"/>
                 </a:solidFill>
@@ -21346,10 +19857,10 @@
                 <a:ea typeface="+mn-ea"/>
                 <a:cs typeface="+mn-cs"/>
               </a:rPr>
-              <a:t> </a:t>
-            </a:r>
-            <a:r>
-              <a:rPr lang="en-US" altLang="en-US" sz="2400" kern="1200" dirty="0" smtClean="0">
+              <a:t>L </a:t>
+            </a:r>
+            <a:r>
+              <a:rPr lang="en-US" altLang="en-US" sz="2400" b="1" kern="1200" dirty="0">
                 <a:solidFill>
                   <a:srgbClr val="000000"/>
                 </a:solidFill>
@@ -21357,10 +19868,10 @@
                 <a:ea typeface="+mn-ea"/>
                 <a:cs typeface="+mn-cs"/>
               </a:rPr>
-              <a:t>L </a:t>
-            </a:r>
-            <a:r>
-              <a:rPr lang="en-US" altLang="en-US" sz="2400" b="1" kern="1200" dirty="0" smtClean="0">
+              <a:t>element</a:t>
+            </a:r>
+            <a:r>
+              <a:rPr lang="en-US" altLang="en-US" sz="2400" kern="1200" dirty="0">
                 <a:solidFill>
                   <a:srgbClr val="000000"/>
                 </a:solidFill>
@@ -21368,18 +19879,42 @@
                 <a:ea typeface="+mn-ea"/>
                 <a:cs typeface="+mn-cs"/>
               </a:rPr>
-              <a:t>element</a:t>
-            </a:r>
-            <a:r>
-              <a:rPr lang="en-US" altLang="en-US" sz="2400" kern="1200" dirty="0" smtClean="0">
+              <a:t>.</a:t>
+            </a:r>
+          </a:p>
+          <a:p>
+            <a:pPr marL="255651" indent="-255651" eaLnBrk="1" fontAlgn="auto" hangingPunct="1">
+              <a:tabLst/>
+              <a:defRPr/>
+            </a:pPr>
+            <a:r>
+              <a:rPr lang="en-US" altLang="en-US" sz="2400" kern="1200" dirty="0">
                 <a:solidFill>
                   <a:srgbClr val="000000"/>
                 </a:solidFill>
                 <a:latin typeface="Arial (Body)"/>
                 <a:ea typeface="+mn-ea"/>
-                <a:cs typeface="+mn-cs"/>
-              </a:rPr>
-              <a:t>.</a:t>
+                <a:cs typeface="Times New Roman" panose="02020603050405020304" pitchFamily="18" charset="0"/>
+              </a:rPr>
+              <a:t>Each element has a purpose.</a:t>
+            </a:r>
+          </a:p>
+          <a:p>
+            <a:pPr marL="0" indent="0" eaLnBrk="1" fontAlgn="auto" hangingPunct="1">
+              <a:buNone/>
+              <a:tabLst/>
+              <a:defRPr/>
+            </a:pPr>
+            <a:r>
+              <a:rPr lang="en-US" altLang="en-US" sz="2400" kern="1200" dirty="0">
+                <a:solidFill>
+                  <a:srgbClr val="000000"/>
+                </a:solidFill>
+                <a:latin typeface="Arial (Body)"/>
+                <a:ea typeface="+mn-ea"/>
+                <a:cs typeface="Times New Roman" panose="02020603050405020304" pitchFamily="18" charset="0"/>
+              </a:rPr>
+              <a:t>Most elements are coded as a pair of tags: an opening tag and a closing tag.</a:t>
             </a:r>
             <a:endParaRPr lang="en-US" altLang="en-US" sz="2400" kern="1200" dirty="0">
               <a:solidFill>
@@ -21404,10 +19939,10 @@
                 <a:ea typeface="+mn-ea"/>
                 <a:cs typeface="Times New Roman" panose="02020603050405020304" pitchFamily="18" charset="0"/>
               </a:rPr>
-              <a:t>Each element has a </a:t>
-            </a:r>
-            <a:r>
-              <a:rPr lang="en-US" altLang="en-US" sz="2400" kern="1200" dirty="0" smtClean="0">
+              <a:t>Tags are enclosed in angle brackets, “</a:t>
+            </a:r>
+            <a:r>
+              <a:rPr lang="en-US" altLang="en-US" sz="2400" b="1" kern="1200" dirty="0">
                 <a:solidFill>
                   <a:srgbClr val="000000"/>
                 </a:solidFill>
@@ -21415,25 +19950,10 @@
                 <a:ea typeface="+mn-ea"/>
                 <a:cs typeface="Times New Roman" panose="02020603050405020304" pitchFamily="18" charset="0"/>
               </a:rPr>
-              <a:t>purpose.</a:t>
-            </a:r>
-            <a:endParaRPr lang="en-US" altLang="en-US" sz="2400" kern="1200" dirty="0">
-              <a:solidFill>
-                <a:srgbClr val="000000"/>
-              </a:solidFill>
-              <a:latin typeface="Arial (Body)"/>
-              <a:ea typeface="+mn-ea"/>
-              <a:cs typeface="Times New Roman" panose="02020603050405020304" pitchFamily="18" charset="0"/>
-            </a:endParaRPr>
-          </a:p>
-          <a:p>
-            <a:pPr marL="0" indent="0" eaLnBrk="1" fontAlgn="auto" hangingPunct="1">
-              <a:buNone/>
-              <a:tabLst/>
-              <a:defRPr/>
-            </a:pPr>
-            <a:r>
-              <a:rPr lang="en-US" altLang="en-US" sz="2400" kern="1200" dirty="0" smtClean="0">
+              <a:t>&lt;</a:t>
+            </a:r>
+            <a:r>
+              <a:rPr lang="en-US" altLang="en-US" sz="2400" kern="1200" dirty="0">
                 <a:solidFill>
                   <a:srgbClr val="000000"/>
                 </a:solidFill>
@@ -21441,10 +19961,10 @@
                 <a:ea typeface="+mn-ea"/>
                 <a:cs typeface="Times New Roman" panose="02020603050405020304" pitchFamily="18" charset="0"/>
               </a:rPr>
-              <a:t>Most </a:t>
-            </a:r>
-            <a:r>
-              <a:rPr lang="en-US" altLang="en-US" sz="2400" kern="1200" dirty="0">
+              <a:t>” and “</a:t>
+            </a:r>
+            <a:r>
+              <a:rPr lang="en-US" altLang="en-US" sz="2400" b="1" kern="1200" dirty="0">
                 <a:solidFill>
                   <a:srgbClr val="000000"/>
                 </a:solidFill>
@@ -21452,10 +19972,10 @@
                 <a:ea typeface="+mn-ea"/>
                 <a:cs typeface="Times New Roman" panose="02020603050405020304" pitchFamily="18" charset="0"/>
               </a:rPr>
-              <a:t>elements are coded as a pair of tags</a:t>
-            </a:r>
-            <a:r>
-              <a:rPr lang="en-US" altLang="en-US" sz="2400" kern="1200" dirty="0" smtClean="0">
+              <a:t>&gt;</a:t>
+            </a:r>
+            <a:r>
+              <a:rPr lang="en-US" altLang="en-US" sz="2400" kern="1200" dirty="0">
                 <a:solidFill>
                   <a:srgbClr val="000000"/>
                 </a:solidFill>
@@ -21463,151 +19983,8 @@
                 <a:ea typeface="+mn-ea"/>
                 <a:cs typeface="Times New Roman" panose="02020603050405020304" pitchFamily="18" charset="0"/>
               </a:rPr>
-              <a:t>: an </a:t>
-            </a:r>
-            <a:r>
-              <a:rPr lang="en-US" altLang="en-US" sz="2400" kern="1200" dirty="0">
-                <a:solidFill>
-                  <a:srgbClr val="000000"/>
-                </a:solidFill>
-                <a:latin typeface="Arial (Body)"/>
-                <a:ea typeface="+mn-ea"/>
-                <a:cs typeface="Times New Roman" panose="02020603050405020304" pitchFamily="18" charset="0"/>
-              </a:rPr>
-              <a:t>opening tag and a closing tag</a:t>
-            </a:r>
-            <a:r>
-              <a:rPr lang="en-US" altLang="en-US" sz="2400" kern="1200" dirty="0" smtClean="0">
-                <a:solidFill>
-                  <a:srgbClr val="000000"/>
-                </a:solidFill>
-                <a:latin typeface="Arial (Body)"/>
-                <a:ea typeface="+mn-ea"/>
-                <a:cs typeface="Times New Roman" panose="02020603050405020304" pitchFamily="18" charset="0"/>
-              </a:rPr>
-              <a:t>.</a:t>
-            </a:r>
-            <a:endParaRPr lang="en-US" altLang="en-US" sz="2400" kern="1200" dirty="0">
-              <a:solidFill>
-                <a:srgbClr val="000000"/>
-              </a:solidFill>
-              <a:latin typeface="Arial (Body)"/>
-              <a:ea typeface="+mn-ea"/>
-              <a:cs typeface="+mn-cs"/>
-            </a:endParaRPr>
-          </a:p>
-          <a:p>
-            <a:pPr marL="255651" indent="-255651" eaLnBrk="1" fontAlgn="auto" hangingPunct="1">
-              <a:tabLst/>
-              <a:defRPr/>
-            </a:pPr>
-            <a:r>
-              <a:rPr lang="en-US" altLang="en-US" sz="2400" kern="1200" dirty="0" smtClean="0">
-                <a:solidFill>
-                  <a:srgbClr val="000000"/>
-                </a:solidFill>
-                <a:latin typeface="Arial (Body)"/>
-                <a:ea typeface="+mn-ea"/>
-                <a:cs typeface="Times New Roman" panose="02020603050405020304" pitchFamily="18" charset="0"/>
-              </a:rPr>
-              <a:t>Tags </a:t>
-            </a:r>
-            <a:r>
-              <a:rPr lang="en-US" altLang="en-US" sz="2400" kern="1200" dirty="0">
-                <a:solidFill>
-                  <a:srgbClr val="000000"/>
-                </a:solidFill>
-                <a:latin typeface="Arial (Body)"/>
-                <a:ea typeface="+mn-ea"/>
-                <a:cs typeface="Times New Roman" panose="02020603050405020304" pitchFamily="18" charset="0"/>
-              </a:rPr>
-              <a:t>are enclosed in angle brackets, </a:t>
-            </a:r>
-            <a:r>
-              <a:rPr lang="en-US" altLang="en-US" sz="2400" kern="1200" dirty="0" smtClean="0">
-                <a:solidFill>
-                  <a:srgbClr val="000000"/>
-                </a:solidFill>
-                <a:latin typeface="Arial (Body)"/>
-                <a:ea typeface="+mn-ea"/>
-                <a:cs typeface="Times New Roman" panose="02020603050405020304" pitchFamily="18" charset="0"/>
-              </a:rPr>
-              <a:t>“</a:t>
-            </a:r>
-            <a:r>
-              <a:rPr lang="en-US" altLang="en-US" sz="2400" b="1" kern="1200" dirty="0" smtClean="0">
-                <a:solidFill>
-                  <a:srgbClr val="000000"/>
-                </a:solidFill>
-                <a:latin typeface="Arial (Body)"/>
-                <a:ea typeface="+mn-ea"/>
-                <a:cs typeface="Times New Roman" panose="02020603050405020304" pitchFamily="18" charset="0"/>
-              </a:rPr>
-              <a:t>&lt;</a:t>
-            </a:r>
-            <a:r>
-              <a:rPr lang="en-US" altLang="en-US" sz="2400" kern="1200" dirty="0" smtClean="0">
-                <a:solidFill>
-                  <a:srgbClr val="000000"/>
-                </a:solidFill>
-                <a:latin typeface="Arial (Body)"/>
-                <a:ea typeface="+mn-ea"/>
-                <a:cs typeface="Times New Roman" panose="02020603050405020304" pitchFamily="18" charset="0"/>
-              </a:rPr>
-              <a:t>” </a:t>
-            </a:r>
-            <a:r>
-              <a:rPr lang="en-US" altLang="en-US" sz="2400" kern="1200" dirty="0">
-                <a:solidFill>
-                  <a:srgbClr val="000000"/>
-                </a:solidFill>
-                <a:latin typeface="Arial (Body)"/>
-                <a:ea typeface="+mn-ea"/>
-                <a:cs typeface="Times New Roman" panose="02020603050405020304" pitchFamily="18" charset="0"/>
-              </a:rPr>
-              <a:t>and </a:t>
-            </a:r>
-            <a:r>
-              <a:rPr lang="en-US" altLang="en-US" sz="2400" kern="1200" dirty="0" smtClean="0">
-                <a:solidFill>
-                  <a:srgbClr val="000000"/>
-                </a:solidFill>
-                <a:latin typeface="Arial (Body)"/>
-                <a:ea typeface="+mn-ea"/>
-                <a:cs typeface="Times New Roman" panose="02020603050405020304" pitchFamily="18" charset="0"/>
-              </a:rPr>
-              <a:t>“</a:t>
-            </a:r>
-            <a:r>
-              <a:rPr lang="en-US" altLang="en-US" sz="2400" b="1" kern="1200" dirty="0" smtClean="0">
-                <a:solidFill>
-                  <a:srgbClr val="000000"/>
-                </a:solidFill>
-                <a:latin typeface="Arial (Body)"/>
-                <a:ea typeface="+mn-ea"/>
-                <a:cs typeface="Times New Roman" panose="02020603050405020304" pitchFamily="18" charset="0"/>
-              </a:rPr>
-              <a:t>&gt;</a:t>
-            </a:r>
-            <a:r>
-              <a:rPr lang="en-US" altLang="en-US" sz="2400" kern="1200" dirty="0" smtClean="0">
-                <a:solidFill>
-                  <a:srgbClr val="000000"/>
-                </a:solidFill>
-                <a:latin typeface="Arial (Body)"/>
-                <a:ea typeface="+mn-ea"/>
-                <a:cs typeface="Times New Roman" panose="02020603050405020304" pitchFamily="18" charset="0"/>
-              </a:rPr>
               <a:t>” symbols.</a:t>
             </a:r>
-            <a:endParaRPr lang="en-US" altLang="en-US" sz="2400" kern="1200" dirty="0">
-              <a:solidFill>
-                <a:srgbClr val="000000"/>
-              </a:solidFill>
-              <a:latin typeface="Arial (Body)"/>
-              <a:ea typeface="+mn-ea"/>
-              <a:cs typeface="Times New Roman" panose="02020603050405020304" pitchFamily="18" charset="0"/>
-            </a:endParaRPr>
           </a:p>
         </p:txBody>
       </p:sp>
@@ -21616,13 +19993,6 @@
   <p:clrMapOvr>
     <a:masterClrMapping/>
   </p:clrMapOvr>
-  <p:timing>
-    <p:tnLst>
-      <p:par>
-        <p:cTn id="1" dur="indefinite" restart="never" nodeType="tmRoot"/>
-      </p:par>
-    </p:tnLst>
-  </p:timing>
 </p:sld>
 </file>
 
@@ -21674,7 +20044,7 @@
               <a:defRPr/>
             </a:pPr>
             <a:r>
-              <a:rPr lang="en-US" sz="3400" b="1" kern="1200" spc="-50" dirty="0" smtClean="0">
+              <a:rPr lang="en-US" sz="3400" b="1" kern="1200" spc="-50" dirty="0">
                 <a:solidFill>
                   <a:srgbClr val="007FA3"/>
                 </a:solidFill>
@@ -21686,7 +20056,7 @@
               <a:t>What is H</a:t>
             </a:r>
             <a:r>
-              <a:rPr lang="en-US" sz="100" b="1" kern="1200" spc="-50" dirty="0" smtClean="0">
+              <a:rPr lang="en-US" sz="100" b="1" kern="1200" spc="-50" dirty="0">
                 <a:solidFill>
                   <a:srgbClr val="007FA3"/>
                 </a:solidFill>
@@ -21698,7 +20068,7 @@
               <a:t> </a:t>
             </a:r>
             <a:r>
-              <a:rPr lang="en-US" sz="3400" b="1" kern="1200" spc="-50" dirty="0" smtClean="0">
+              <a:rPr lang="en-US" sz="3400" b="1" kern="1200" spc="-50" dirty="0">
                 <a:solidFill>
                   <a:srgbClr val="007FA3"/>
                 </a:solidFill>
@@ -21710,7 +20080,7 @@
               <a:t>T</a:t>
             </a:r>
             <a:r>
-              <a:rPr lang="en-US" sz="100" b="1" kern="1200" spc="-50" dirty="0" smtClean="0">
+              <a:rPr lang="en-US" sz="100" b="1" kern="1200" spc="-50" dirty="0">
                 <a:solidFill>
                   <a:srgbClr val="007FA3"/>
                 </a:solidFill>
@@ -21722,7 +20092,7 @@
               <a:t> </a:t>
             </a:r>
             <a:r>
-              <a:rPr lang="en-US" sz="3400" b="1" kern="1200" spc="-50" dirty="0" smtClean="0">
+              <a:rPr lang="en-US" sz="3400" b="1" kern="1200" spc="-50" dirty="0">
                 <a:solidFill>
                   <a:srgbClr val="007FA3"/>
                 </a:solidFill>
@@ -21734,7 +20104,7 @@
               <a:t>M</a:t>
             </a:r>
             <a:r>
-              <a:rPr lang="en-US" sz="100" b="1" kern="1200" spc="-50" dirty="0" smtClean="0">
+              <a:rPr lang="en-US" sz="100" b="1" kern="1200" spc="-50" dirty="0">
                 <a:solidFill>
                   <a:srgbClr val="007FA3"/>
                 </a:solidFill>
@@ -21746,7 +20116,7 @@
               <a:t> </a:t>
             </a:r>
             <a:r>
-              <a:rPr lang="en-US" sz="3400" b="1" kern="1200" spc="-50" dirty="0" smtClean="0">
+              <a:rPr lang="en-US" sz="3400" b="1" kern="1200" spc="-50" dirty="0">
                 <a:solidFill>
                   <a:srgbClr val="007FA3"/>
                 </a:solidFill>
@@ -21758,7 +20128,7 @@
               <a:t>L</a:t>
             </a:r>
             <a:r>
-              <a:rPr lang="en-US" sz="100" b="1" kern="1200" spc="-50" dirty="0" smtClean="0">
+              <a:rPr lang="en-US" sz="100" b="1" kern="1200" spc="-50" dirty="0">
                 <a:solidFill>
                   <a:srgbClr val="007FA3"/>
                 </a:solidFill>
@@ -21770,7 +20140,7 @@
               <a:t> </a:t>
             </a:r>
             <a:r>
-              <a:rPr lang="en-US" sz="3400" b="1" kern="1200" spc="-50" dirty="0" smtClean="0">
+              <a:rPr lang="en-US" sz="3400" b="1" kern="1200" spc="-50" dirty="0">
                 <a:solidFill>
                   <a:srgbClr val="007FA3"/>
                 </a:solidFill>
@@ -21781,15 +20151,6 @@
               </a:rPr>
               <a:t>5 ?</a:t>
             </a:r>
-            <a:endParaRPr lang="en-US" sz="3400" b="1" kern="1200" spc="-50" dirty="0">
-              <a:solidFill>
-                <a:srgbClr val="007FA3"/>
-              </a:solidFill>
-              <a:latin typeface="Times New Roman" panose="02020603050405020304" pitchFamily="18" charset="0"/>
-              <a:ea typeface="+mj-ea"/>
-              <a:cs typeface="+mj-cs"/>
-              <a:sym typeface="Times New Roman"/>
-            </a:endParaRPr>
           </a:p>
         </p:txBody>
       </p:sp>
@@ -21823,233 +20184,230 @@
               <a:defRPr/>
             </a:pPr>
             <a:r>
-              <a:rPr lang="en-US" altLang="en-US" sz="2200" kern="1200" dirty="0" smtClean="0">
+              <a:rPr lang="en-US" altLang="en-US" sz="2200" kern="1200" dirty="0">
                 <a:latin typeface="Arial (Body)"/>
               </a:rPr>
               <a:t>Newest version of </a:t>
             </a:r>
             <a:r>
-              <a:rPr lang="de-DE" altLang="en-US" sz="2200" kern="1200" dirty="0" smtClean="0">
+              <a:rPr lang="de-DE" altLang="en-US" sz="2200" kern="1200" dirty="0">
                 <a:latin typeface="Arial (Body)"/>
               </a:rPr>
               <a:t>H</a:t>
             </a:r>
             <a:r>
-              <a:rPr lang="de-DE" altLang="en-US" sz="100" kern="1200" dirty="0" smtClean="0">
+              <a:rPr lang="de-DE" altLang="en-US" sz="100" kern="1200" dirty="0">
                 <a:latin typeface="Arial (Body)"/>
               </a:rPr>
               <a:t> </a:t>
             </a:r>
             <a:r>
-              <a:rPr lang="de-DE" altLang="en-US" sz="2200" kern="1200" dirty="0" smtClean="0">
+              <a:rPr lang="de-DE" altLang="en-US" sz="2200" kern="1200" dirty="0">
                 <a:latin typeface="Arial (Body)"/>
               </a:rPr>
               <a:t>T</a:t>
             </a:r>
             <a:r>
-              <a:rPr lang="de-DE" altLang="en-US" sz="100" kern="1200" dirty="0" smtClean="0">
+              <a:rPr lang="de-DE" altLang="en-US" sz="100" kern="1200" dirty="0">
                 <a:latin typeface="Arial (Body)"/>
               </a:rPr>
               <a:t> </a:t>
             </a:r>
             <a:r>
-              <a:rPr lang="de-DE" altLang="en-US" sz="2200" kern="1200" dirty="0" smtClean="0">
+              <a:rPr lang="de-DE" altLang="en-US" sz="2200" kern="1200" dirty="0">
                 <a:latin typeface="Arial (Body)"/>
               </a:rPr>
               <a:t>M</a:t>
             </a:r>
             <a:r>
-              <a:rPr lang="de-DE" altLang="en-US" sz="100" kern="1200" dirty="0" smtClean="0">
+              <a:rPr lang="de-DE" altLang="en-US" sz="100" kern="1200" dirty="0">
                 <a:latin typeface="Arial (Body)"/>
               </a:rPr>
               <a:t> </a:t>
             </a:r>
             <a:r>
-              <a:rPr lang="de-DE" altLang="en-US" sz="2200" kern="1200" dirty="0" smtClean="0">
+              <a:rPr lang="de-DE" altLang="en-US" sz="2200" kern="1200" dirty="0">
                 <a:latin typeface="Arial (Body)"/>
               </a:rPr>
               <a:t>L</a:t>
             </a:r>
             <a:r>
-              <a:rPr lang="de-DE" altLang="en-US" sz="100" kern="1200" dirty="0" smtClean="0">
+              <a:rPr lang="de-DE" altLang="en-US" sz="100" kern="1200" dirty="0">
                 <a:latin typeface="Arial (Body)"/>
               </a:rPr>
               <a:t> </a:t>
             </a:r>
             <a:r>
-              <a:rPr lang="de-DE" altLang="en-US" sz="2200" kern="1200" dirty="0" smtClean="0">
+              <a:rPr lang="de-DE" altLang="en-US" sz="2200" kern="1200" dirty="0">
                 <a:latin typeface="Arial (Body)"/>
               </a:rPr>
               <a:t>/</a:t>
             </a:r>
             <a:r>
-              <a:rPr lang="de-DE" altLang="en-US" sz="100" kern="1200" dirty="0" smtClean="0">
+              <a:rPr lang="de-DE" altLang="en-US" sz="100" kern="1200" dirty="0">
                 <a:latin typeface="Arial (Body)"/>
               </a:rPr>
               <a:t> </a:t>
             </a:r>
             <a:r>
-              <a:rPr lang="de-DE" altLang="en-US" sz="2200" kern="1200" dirty="0" smtClean="0">
+              <a:rPr lang="de-DE" altLang="en-US" sz="2200" kern="1200" dirty="0">
                 <a:latin typeface="Arial (Body)"/>
               </a:rPr>
               <a:t>X</a:t>
             </a:r>
             <a:r>
-              <a:rPr lang="de-DE" altLang="en-US" sz="100" kern="1200" dirty="0" smtClean="0">
+              <a:rPr lang="de-DE" altLang="en-US" sz="100" kern="1200" dirty="0">
                 <a:latin typeface="Arial (Body)"/>
               </a:rPr>
               <a:t> </a:t>
             </a:r>
             <a:r>
-              <a:rPr lang="de-DE" altLang="en-US" sz="2200" kern="1200" dirty="0" smtClean="0">
+              <a:rPr lang="de-DE" altLang="en-US" sz="2200" kern="1200" dirty="0">
                 <a:latin typeface="Arial (Body)"/>
               </a:rPr>
               <a:t>H</a:t>
             </a:r>
             <a:r>
-              <a:rPr lang="de-DE" altLang="en-US" sz="100" kern="1200" dirty="0" smtClean="0">
+              <a:rPr lang="de-DE" altLang="en-US" sz="100" kern="1200" dirty="0">
                 <a:latin typeface="Arial (Body)"/>
               </a:rPr>
               <a:t> </a:t>
             </a:r>
             <a:r>
-              <a:rPr lang="de-DE" altLang="en-US" sz="2200" kern="1200" dirty="0" smtClean="0">
+              <a:rPr lang="de-DE" altLang="en-US" sz="2200" kern="1200" dirty="0">
                 <a:latin typeface="Arial (Body)"/>
               </a:rPr>
               <a:t>T</a:t>
             </a:r>
             <a:r>
-              <a:rPr lang="de-DE" altLang="en-US" sz="100" kern="1200" dirty="0" smtClean="0">
+              <a:rPr lang="de-DE" altLang="en-US" sz="100" kern="1200" dirty="0">
                 <a:latin typeface="Arial (Body)"/>
               </a:rPr>
               <a:t> </a:t>
             </a:r>
             <a:r>
-              <a:rPr lang="de-DE" altLang="en-US" sz="2200" kern="1200" dirty="0" smtClean="0">
+              <a:rPr lang="de-DE" altLang="en-US" sz="2200" kern="1200" dirty="0">
                 <a:latin typeface="Arial (Body)"/>
               </a:rPr>
               <a:t>M</a:t>
             </a:r>
             <a:r>
-              <a:rPr lang="de-DE" altLang="en-US" sz="100" kern="1200" dirty="0" smtClean="0">
+              <a:rPr lang="de-DE" altLang="en-US" sz="100" kern="1200" dirty="0">
                 <a:latin typeface="Arial (Body)"/>
               </a:rPr>
               <a:t> </a:t>
             </a:r>
             <a:r>
-              <a:rPr lang="de-DE" altLang="en-US" sz="2200" kern="1200" dirty="0" smtClean="0">
+              <a:rPr lang="de-DE" altLang="en-US" sz="2200" kern="1200" dirty="0">
                 <a:latin typeface="Arial (Body)"/>
               </a:rPr>
               <a:t>L</a:t>
-            </a:r>
-            <a:endParaRPr lang="en-US" altLang="en-US" sz="2200" kern="1200" dirty="0" smtClean="0">
-              <a:latin typeface="Arial (Body)"/>
-            </a:endParaRPr>
-          </a:p>
-          <a:p>
-            <a:pPr marL="0" indent="0" eaLnBrk="1" fontAlgn="auto" hangingPunct="1">
-              <a:spcBef>
-                <a:spcPts val="1000"/>
-              </a:spcBef>
-              <a:buNone/>
-              <a:defRPr/>
-            </a:pPr>
-            <a:r>
-              <a:rPr lang="en-US" altLang="en-US" sz="2200" kern="1200" dirty="0" smtClean="0">
-                <a:latin typeface="Arial (Body)"/>
-              </a:rPr>
-              <a:t>Supported by modern browsers</a:t>
-            </a:r>
-          </a:p>
-          <a:p>
-            <a:pPr marL="0" indent="0" eaLnBrk="1" fontAlgn="auto" hangingPunct="1">
-              <a:spcBef>
-                <a:spcPts val="1000"/>
-              </a:spcBef>
-              <a:buNone/>
-              <a:defRPr/>
-            </a:pPr>
-            <a:r>
-              <a:rPr lang="en-US" altLang="en-US" sz="2200" kern="1200" dirty="0" smtClean="0">
-                <a:latin typeface="Arial (Body)"/>
-              </a:rPr>
-              <a:t>Intended to be backwards compatible</a:t>
-            </a:r>
-          </a:p>
-          <a:p>
-            <a:pPr marL="0" indent="0" eaLnBrk="1" fontAlgn="auto" hangingPunct="1">
-              <a:spcBef>
-                <a:spcPts val="1000"/>
-              </a:spcBef>
-              <a:buNone/>
-              <a:defRPr/>
-            </a:pPr>
-            <a:r>
-              <a:rPr lang="en-US" altLang="en-US" sz="2200" kern="1200" dirty="0" smtClean="0">
-                <a:latin typeface="Arial (Body)"/>
-              </a:rPr>
-              <a:t>Adds new elements</a:t>
-            </a:r>
-          </a:p>
-          <a:p>
-            <a:pPr marL="0" indent="0" eaLnBrk="1" fontAlgn="auto" hangingPunct="1">
-              <a:spcBef>
-                <a:spcPts val="1000"/>
-              </a:spcBef>
-              <a:buNone/>
-              <a:defRPr/>
-            </a:pPr>
-            <a:r>
-              <a:rPr lang="en-US" altLang="en-US" sz="2200" kern="1200" dirty="0" smtClean="0">
-                <a:latin typeface="Arial (Body)"/>
-              </a:rPr>
-              <a:t>Adds new functionality</a:t>
-            </a:r>
-          </a:p>
-          <a:p>
-            <a:pPr marL="255600" lvl="4" indent="-255600" eaLnBrk="1" fontAlgn="auto" hangingPunct="1">
-              <a:spcBef>
-                <a:spcPts val="1500"/>
-              </a:spcBef>
-              <a:defRPr/>
-            </a:pPr>
-            <a:r>
-              <a:rPr lang="en-US" altLang="en-US" sz="2200" kern="1200" dirty="0" smtClean="0">
-                <a:latin typeface="Arial (Body)"/>
-              </a:rPr>
-              <a:t>Edit form data</a:t>
-            </a:r>
-          </a:p>
-          <a:p>
-            <a:pPr marL="255600" lvl="4" indent="-255600" eaLnBrk="1" fontAlgn="auto" hangingPunct="1">
-              <a:spcBef>
-                <a:spcPts val="1500"/>
-              </a:spcBef>
-              <a:defRPr/>
-            </a:pPr>
-            <a:r>
-              <a:rPr lang="en-US" altLang="en-US" sz="2200" kern="1200" dirty="0" smtClean="0">
-                <a:latin typeface="Arial (Body)"/>
-              </a:rPr>
-              <a:t>Native video and audio</a:t>
-            </a:r>
-          </a:p>
-          <a:p>
-            <a:pPr marL="255600" lvl="4" indent="-255600" eaLnBrk="1" fontAlgn="auto" hangingPunct="1">
-              <a:spcBef>
-                <a:spcPts val="1500"/>
-              </a:spcBef>
-              <a:defRPr/>
-            </a:pPr>
-            <a:r>
-              <a:rPr lang="en-US" altLang="en-US" sz="2200" kern="1200" dirty="0" smtClean="0">
-                <a:latin typeface="Arial (Body)"/>
-              </a:rPr>
-              <a:t>And more!</a:t>
             </a:r>
             <a:endParaRPr lang="en-US" altLang="en-US" sz="2200" kern="1200" dirty="0">
               <a:latin typeface="Arial (Body)"/>
             </a:endParaRPr>
+          </a:p>
+          <a:p>
+            <a:pPr marL="0" indent="0" eaLnBrk="1" fontAlgn="auto" hangingPunct="1">
+              <a:spcBef>
+                <a:spcPts val="1000"/>
+              </a:spcBef>
+              <a:buNone/>
+              <a:defRPr/>
+            </a:pPr>
+            <a:r>
+              <a:rPr lang="en-US" altLang="en-US" sz="2200" kern="1200" dirty="0">
+                <a:latin typeface="Arial (Body)"/>
+              </a:rPr>
+              <a:t>Supported by modern browsers</a:t>
+            </a:r>
+          </a:p>
+          <a:p>
+            <a:pPr marL="0" indent="0" eaLnBrk="1" fontAlgn="auto" hangingPunct="1">
+              <a:spcBef>
+                <a:spcPts val="1000"/>
+              </a:spcBef>
+              <a:buNone/>
+              <a:defRPr/>
+            </a:pPr>
+            <a:r>
+              <a:rPr lang="en-US" altLang="en-US" sz="2200" kern="1200" dirty="0">
+                <a:latin typeface="Arial (Body)"/>
+              </a:rPr>
+              <a:t>Intended to be backwards compatible</a:t>
+            </a:r>
+          </a:p>
+          <a:p>
+            <a:pPr marL="0" indent="0" eaLnBrk="1" fontAlgn="auto" hangingPunct="1">
+              <a:spcBef>
+                <a:spcPts val="1000"/>
+              </a:spcBef>
+              <a:buNone/>
+              <a:defRPr/>
+            </a:pPr>
+            <a:r>
+              <a:rPr lang="en-US" altLang="en-US" sz="2200" kern="1200" dirty="0">
+                <a:latin typeface="Arial (Body)"/>
+              </a:rPr>
+              <a:t>Adds new elements</a:t>
+            </a:r>
+          </a:p>
+          <a:p>
+            <a:pPr marL="0" indent="0" eaLnBrk="1" fontAlgn="auto" hangingPunct="1">
+              <a:spcBef>
+                <a:spcPts val="1000"/>
+              </a:spcBef>
+              <a:buNone/>
+              <a:defRPr/>
+            </a:pPr>
+            <a:r>
+              <a:rPr lang="en-US" altLang="en-US" sz="2200" kern="1200" dirty="0">
+                <a:latin typeface="Arial (Body)"/>
+              </a:rPr>
+              <a:t>Adds new functionality</a:t>
+            </a:r>
+          </a:p>
+          <a:p>
+            <a:pPr marL="255600" lvl="4" indent="-255600" eaLnBrk="1" fontAlgn="auto" hangingPunct="1">
+              <a:spcBef>
+                <a:spcPts val="1500"/>
+              </a:spcBef>
+              <a:defRPr/>
+            </a:pPr>
+            <a:r>
+              <a:rPr lang="en-US" altLang="en-US" sz="2200" kern="1200" dirty="0">
+                <a:latin typeface="Arial (Body)"/>
+              </a:rPr>
+              <a:t>Edit form data</a:t>
+            </a:r>
+          </a:p>
+          <a:p>
+            <a:pPr marL="255600" lvl="4" indent="-255600" eaLnBrk="1" fontAlgn="auto" hangingPunct="1">
+              <a:spcBef>
+                <a:spcPts val="1500"/>
+              </a:spcBef>
+              <a:defRPr/>
+            </a:pPr>
+            <a:r>
+              <a:rPr lang="en-US" altLang="en-US" sz="2200" kern="1200" dirty="0">
+                <a:latin typeface="Arial (Body)"/>
+              </a:rPr>
+              <a:t>Native video and audio</a:t>
+            </a:r>
+          </a:p>
+          <a:p>
+            <a:pPr marL="255600" lvl="4" indent="-255600" eaLnBrk="1" fontAlgn="auto" hangingPunct="1">
+              <a:spcBef>
+                <a:spcPts val="1500"/>
+              </a:spcBef>
+              <a:defRPr/>
+            </a:pPr>
+            <a:r>
+              <a:rPr lang="en-US" altLang="en-US" sz="2200" kern="1200" dirty="0">
+                <a:latin typeface="Arial (Body)"/>
+              </a:rPr>
+              <a:t>And more!</a:t>
+            </a:r>
           </a:p>
         </p:txBody>
       </p:sp>
@@ -22096,33 +20454,23 @@
               <a:t>Source: </a:t>
             </a:r>
             <a:r>
-              <a:rPr lang="en-US" altLang="en-US" sz="1800" kern="1200" dirty="0" smtClean="0">
-                <a:latin typeface="Arial (Body)"/>
-                <a:ea typeface="+mn-ea"/>
-                <a:cs typeface="+mn-cs"/>
-                <a:sym typeface="Arial"/>
-              </a:rPr>
-              <a:t>W3C </a:t>
-            </a:r>
-            <a:r>
-              <a:rPr lang="en-US" altLang="en-US" sz="1800" kern="1200" dirty="0" smtClean="0">
-                <a:latin typeface="Arial (Body)"/>
-                <a:ea typeface="+mn-ea"/>
-                <a:cs typeface="+mn-cs"/>
-                <a:sym typeface="Arial"/>
-                <a:hlinkClick r:id="rId2" tooltip="http://www.w3.org/html/logo/"/>
-              </a:rPr>
-              <a:t>http</a:t>
-            </a:r>
-            <a:r>
               <a:rPr lang="en-US" altLang="en-US" sz="1800" kern="1200" dirty="0">
                 <a:latin typeface="Arial (Body)"/>
                 <a:ea typeface="+mn-ea"/>
                 <a:cs typeface="+mn-cs"/>
                 <a:sym typeface="Arial"/>
+              </a:rPr>
+              <a:t>W3C </a:t>
+            </a:r>
+            <a:r>
+              <a:rPr lang="en-US" altLang="en-US" sz="1800" kern="1200" dirty="0">
+                <a:latin typeface="Arial (Body)"/>
+                <a:ea typeface="+mn-ea"/>
+                <a:cs typeface="+mn-cs"/>
+                <a:sym typeface="Arial"/>
                 <a:hlinkClick r:id="rId2" tooltip="http://www.w3.org/html/logo/"/>
               </a:rPr>
-              <a:t>://www.w3.org/html/logo/</a:t>
+              <a:t>http://www.w3.org/html/logo/</a:t>
             </a:r>
             <a:endParaRPr lang="en-US" altLang="en-US" sz="1800" kern="1200" dirty="0">
               <a:latin typeface="Arial (Body)"/>
@@ -22138,13 +20486,6 @@
   <p:clrMapOvr>
     <a:masterClrMapping/>
   </p:clrMapOvr>
-  <p:timing>
-    <p:tnLst>
-      <p:par>
-        <p:cTn id="1" dur="indefinite" restart="never" nodeType="tmRoot"/>
-      </p:par>
-    </p:tnLst>
-  </p:timing>
 </p:sld>
 </file>
 
@@ -22198,18 +20539,13 @@
               <a:defRPr/>
             </a:pPr>
             <a:r>
-              <a:rPr lang="en-US" kern="1200" spc="-50" dirty="0" smtClean="0">
+              <a:rPr lang="en-US" kern="1200" spc="-50" dirty="0">
                 <a:latin typeface="Times New Roman" panose="02020603050405020304" pitchFamily="18" charset="0"/>
                 <a:ea typeface="+mj-ea"/>
                 <a:cs typeface="+mj-cs"/>
               </a:rPr>
               <a:t>Document Type Definition</a:t>
             </a:r>
-            <a:endParaRPr lang="en-US" kern="1200" spc="-50" dirty="0">
-              <a:latin typeface="Times New Roman" panose="02020603050405020304" pitchFamily="18" charset="0"/>
-              <a:ea typeface="+mj-ea"/>
-              <a:cs typeface="+mj-cs"/>
-            </a:endParaRPr>
           </a:p>
         </p:txBody>
       </p:sp>
@@ -22249,10 +20585,10 @@
                 <a:ea typeface="+mn-ea"/>
                 <a:cs typeface="+mn-cs"/>
               </a:rPr>
-              <a:t>Document Type Definition </a:t>
-            </a:r>
-            <a:r>
-              <a:rPr lang="en-US" altLang="en-US" sz="2400" b="1" kern="1200" dirty="0" smtClean="0">
+              <a:t>Document Type Definition (D</a:t>
+            </a:r>
+            <a:r>
+              <a:rPr lang="en-US" altLang="en-US" sz="100" b="1" kern="1200" dirty="0">
                 <a:solidFill>
                   <a:srgbClr val="000000"/>
                 </a:solidFill>
@@ -22260,10 +20596,10 @@
                 <a:ea typeface="+mn-ea"/>
                 <a:cs typeface="+mn-cs"/>
               </a:rPr>
-              <a:t>(D</a:t>
-            </a:r>
-            <a:r>
-              <a:rPr lang="en-US" altLang="en-US" sz="100" b="1" kern="1200" dirty="0" smtClean="0">
+              <a:t> </a:t>
+            </a:r>
+            <a:r>
+              <a:rPr lang="en-US" altLang="en-US" sz="2400" b="1" kern="1200" dirty="0">
                 <a:solidFill>
                   <a:srgbClr val="000000"/>
                 </a:solidFill>
@@ -22271,10 +20607,10 @@
                 <a:ea typeface="+mn-ea"/>
                 <a:cs typeface="+mn-cs"/>
               </a:rPr>
-              <a:t> </a:t>
-            </a:r>
-            <a:r>
-              <a:rPr lang="en-US" altLang="en-US" sz="2400" b="1" kern="1200" dirty="0" smtClean="0">
+              <a:t>T</a:t>
+            </a:r>
+            <a:r>
+              <a:rPr lang="en-US" altLang="en-US" sz="100" b="1" kern="1200" dirty="0">
                 <a:solidFill>
                   <a:srgbClr val="000000"/>
                 </a:solidFill>
@@ -22282,10 +20618,10 @@
                 <a:ea typeface="+mn-ea"/>
                 <a:cs typeface="+mn-cs"/>
               </a:rPr>
-              <a:t>T</a:t>
-            </a:r>
-            <a:r>
-              <a:rPr lang="en-US" altLang="en-US" sz="100" b="1" kern="1200" dirty="0" smtClean="0">
+              <a:t> </a:t>
+            </a:r>
+            <a:r>
+              <a:rPr lang="en-US" altLang="en-US" sz="2400" b="1" kern="1200" dirty="0">
                 <a:solidFill>
                   <a:srgbClr val="000000"/>
                 </a:solidFill>
@@ -22293,10 +20629,18 @@
                 <a:ea typeface="+mn-ea"/>
                 <a:cs typeface="+mn-cs"/>
               </a:rPr>
-              <a:t> </a:t>
-            </a:r>
-            <a:r>
-              <a:rPr lang="en-US" altLang="en-US" sz="2400" b="1" kern="1200" dirty="0" smtClean="0">
+              <a:t>D)</a:t>
+            </a:r>
+          </a:p>
+          <a:p>
+            <a:pPr marL="255600" lvl="4" indent="-255600" eaLnBrk="1" hangingPunct="1">
+              <a:spcBef>
+                <a:spcPts val="1500"/>
+              </a:spcBef>
+              <a:defRPr/>
+            </a:pPr>
+            <a:r>
+              <a:rPr lang="en-US" altLang="en-US" sz="2400" kern="1200" dirty="0">
                 <a:solidFill>
                   <a:srgbClr val="000000"/>
                 </a:solidFill>
@@ -22304,16 +20648,8 @@
                 <a:ea typeface="+mn-ea"/>
                 <a:cs typeface="+mn-cs"/>
               </a:rPr>
-              <a:t>D)</a:t>
-            </a:r>
-            <a:endParaRPr lang="en-US" altLang="en-US" sz="2400" b="1" kern="1200" dirty="0">
-              <a:solidFill>
-                <a:srgbClr val="000000"/>
-              </a:solidFill>
-              <a:latin typeface="Arial (Body)"/>
-              <a:ea typeface="+mn-ea"/>
-              <a:cs typeface="+mn-cs"/>
-            </a:endParaRPr>
+              <a:t>Doctype statement</a:t>
+            </a:r>
           </a:p>
           <a:p>
             <a:pPr marL="255600" lvl="4" indent="-255600" eaLnBrk="1" hangingPunct="1">
@@ -22323,7 +20659,7 @@
               <a:defRPr/>
             </a:pPr>
             <a:r>
-              <a:rPr lang="en-US" altLang="en-US" sz="2400" kern="1200" dirty="0" smtClean="0">
+              <a:rPr lang="en-US" altLang="en-US" sz="2400" kern="1200" dirty="0">
                 <a:solidFill>
                   <a:srgbClr val="000000"/>
                 </a:solidFill>
@@ -22331,26 +20667,10 @@
                 <a:ea typeface="+mn-ea"/>
                 <a:cs typeface="+mn-cs"/>
               </a:rPr>
-              <a:t>Doctype statement</a:t>
-            </a:r>
-            <a:endParaRPr lang="en-US" altLang="en-US" sz="2400" kern="1200" dirty="0">
-              <a:solidFill>
-                <a:srgbClr val="000000"/>
-              </a:solidFill>
-              <a:latin typeface="Arial (Body)"/>
-              <a:ea typeface="+mn-ea"/>
-              <a:cs typeface="+mn-cs"/>
-            </a:endParaRPr>
-          </a:p>
-          <a:p>
-            <a:pPr marL="255600" lvl="4" indent="-255600" eaLnBrk="1" hangingPunct="1">
-              <a:spcBef>
-                <a:spcPts val="1500"/>
-              </a:spcBef>
-              <a:defRPr/>
-            </a:pPr>
-            <a:r>
-              <a:rPr lang="en-US" altLang="en-US" sz="2400" kern="1200" dirty="0" smtClean="0">
+              <a:t>Identifies the version of H</a:t>
+            </a:r>
+            <a:r>
+              <a:rPr lang="en-US" altLang="en-US" sz="100" kern="1200" dirty="0">
                 <a:solidFill>
                   <a:srgbClr val="000000"/>
                 </a:solidFill>
@@ -22358,7 +20678,7 @@
                 <a:ea typeface="+mn-ea"/>
                 <a:cs typeface="+mn-cs"/>
               </a:rPr>
-              <a:t>Identifies the </a:t>
+              <a:t> </a:t>
             </a:r>
             <a:r>
               <a:rPr lang="en-US" altLang="en-US" sz="2400" kern="1200" dirty="0">
@@ -22369,10 +20689,10 @@
                 <a:ea typeface="+mn-ea"/>
                 <a:cs typeface="+mn-cs"/>
               </a:rPr>
-              <a:t>version of </a:t>
-            </a:r>
-            <a:r>
-              <a:rPr lang="en-US" altLang="en-US" sz="2400" kern="1200" dirty="0" smtClean="0">
+              <a:t>T</a:t>
+            </a:r>
+            <a:r>
+              <a:rPr lang="en-US" altLang="en-US" sz="100" kern="1200" dirty="0">
                 <a:solidFill>
                   <a:srgbClr val="000000"/>
                 </a:solidFill>
@@ -22380,10 +20700,10 @@
                 <a:ea typeface="+mn-ea"/>
                 <a:cs typeface="+mn-cs"/>
               </a:rPr>
-              <a:t>H</a:t>
-            </a:r>
-            <a:r>
-              <a:rPr lang="en-US" altLang="en-US" sz="100" kern="1200" dirty="0" smtClean="0">
+              <a:t> </a:t>
+            </a:r>
+            <a:r>
+              <a:rPr lang="en-US" altLang="en-US" sz="2400" kern="1200" dirty="0">
                 <a:solidFill>
                   <a:srgbClr val="000000"/>
                 </a:solidFill>
@@ -22391,10 +20711,10 @@
                 <a:ea typeface="+mn-ea"/>
                 <a:cs typeface="+mn-cs"/>
               </a:rPr>
-              <a:t> </a:t>
-            </a:r>
-            <a:r>
-              <a:rPr lang="en-US" altLang="en-US" sz="2400" kern="1200" dirty="0" smtClean="0">
+              <a:t>M</a:t>
+            </a:r>
+            <a:r>
+              <a:rPr lang="en-US" altLang="en-US" sz="100" kern="1200" dirty="0">
                 <a:solidFill>
                   <a:srgbClr val="000000"/>
                 </a:solidFill>
@@ -22402,10 +20722,10 @@
                 <a:ea typeface="+mn-ea"/>
                 <a:cs typeface="+mn-cs"/>
               </a:rPr>
-              <a:t>T</a:t>
-            </a:r>
-            <a:r>
-              <a:rPr lang="en-US" altLang="en-US" sz="100" kern="1200" dirty="0" smtClean="0">
+              <a:t> </a:t>
+            </a:r>
+            <a:r>
+              <a:rPr lang="en-US" altLang="en-US" sz="2400" kern="1200" dirty="0">
                 <a:solidFill>
                   <a:srgbClr val="000000"/>
                 </a:solidFill>
@@ -22413,10 +20733,18 @@
                 <a:ea typeface="+mn-ea"/>
                 <a:cs typeface="+mn-cs"/>
               </a:rPr>
-              <a:t> </a:t>
-            </a:r>
-            <a:r>
-              <a:rPr lang="en-US" altLang="en-US" sz="2400" kern="1200" dirty="0" smtClean="0">
+              <a:t>L contained in your document.</a:t>
+            </a:r>
+          </a:p>
+          <a:p>
+            <a:pPr marL="255600" lvl="4" indent="-255600" eaLnBrk="1" hangingPunct="1">
+              <a:spcBef>
+                <a:spcPts val="1500"/>
+              </a:spcBef>
+              <a:defRPr/>
+            </a:pPr>
+            <a:r>
+              <a:rPr lang="en-US" altLang="en-US" sz="2400" kern="1200" dirty="0">
                 <a:solidFill>
                   <a:srgbClr val="000000"/>
                 </a:solidFill>
@@ -22424,90 +20752,8 @@
                 <a:ea typeface="+mn-ea"/>
                 <a:cs typeface="+mn-cs"/>
               </a:rPr>
-              <a:t>M</a:t>
-            </a:r>
-            <a:r>
-              <a:rPr lang="en-US" altLang="en-US" sz="100" kern="1200" dirty="0" smtClean="0">
-                <a:solidFill>
-                  <a:srgbClr val="000000"/>
-                </a:solidFill>
-                <a:latin typeface="Arial (Body)"/>
-                <a:ea typeface="+mn-ea"/>
-                <a:cs typeface="+mn-cs"/>
-              </a:rPr>
-              <a:t> </a:t>
-            </a:r>
-            <a:r>
-              <a:rPr lang="en-US" altLang="en-US" sz="2400" kern="1200" dirty="0" smtClean="0">
-                <a:solidFill>
-                  <a:srgbClr val="000000"/>
-                </a:solidFill>
-                <a:latin typeface="Arial (Body)"/>
-                <a:ea typeface="+mn-ea"/>
-                <a:cs typeface="+mn-cs"/>
-              </a:rPr>
-              <a:t>L contained </a:t>
-            </a:r>
-            <a:r>
-              <a:rPr lang="en-US" altLang="en-US" sz="2400" kern="1200" dirty="0">
-                <a:solidFill>
-                  <a:srgbClr val="000000"/>
-                </a:solidFill>
-                <a:latin typeface="Arial (Body)"/>
-                <a:ea typeface="+mn-ea"/>
-                <a:cs typeface="+mn-cs"/>
-              </a:rPr>
-              <a:t>in your document.</a:t>
-            </a:r>
-          </a:p>
-          <a:p>
-            <a:pPr marL="255600" lvl="4" indent="-255600" eaLnBrk="1" hangingPunct="1">
-              <a:spcBef>
-                <a:spcPts val="1500"/>
-              </a:spcBef>
-              <a:defRPr/>
-            </a:pPr>
-            <a:r>
-              <a:rPr lang="en-US" altLang="en-US" sz="2400" kern="1200" dirty="0" smtClean="0">
-                <a:solidFill>
-                  <a:srgbClr val="000000"/>
-                </a:solidFill>
-                <a:latin typeface="Arial (Body)"/>
-                <a:ea typeface="+mn-ea"/>
-                <a:cs typeface="+mn-cs"/>
-              </a:rPr>
-              <a:t>Placed at </a:t>
-            </a:r>
-            <a:r>
-              <a:rPr lang="en-US" altLang="en-US" sz="2400" kern="1200" dirty="0">
-                <a:solidFill>
-                  <a:srgbClr val="000000"/>
-                </a:solidFill>
-                <a:latin typeface="Arial (Body)"/>
-                <a:ea typeface="+mn-ea"/>
-                <a:cs typeface="+mn-cs"/>
-              </a:rPr>
-              <a:t>the top of a web page </a:t>
-            </a:r>
-            <a:r>
-              <a:rPr lang="en-US" altLang="en-US" sz="2400" kern="1200" dirty="0" smtClean="0">
-                <a:solidFill>
-                  <a:srgbClr val="000000"/>
-                </a:solidFill>
-                <a:latin typeface="Arial (Body)"/>
-                <a:ea typeface="+mn-ea"/>
-                <a:cs typeface="+mn-cs"/>
-              </a:rPr>
-              <a:t>document</a:t>
-            </a:r>
-            <a:endParaRPr lang="en-US" altLang="en-US" sz="2400" kern="1200" dirty="0">
-              <a:solidFill>
-                <a:srgbClr val="000000"/>
-              </a:solidFill>
-              <a:latin typeface="Arial (Body)"/>
-              <a:ea typeface="+mn-ea"/>
-              <a:cs typeface="+mn-cs"/>
-            </a:endParaRPr>
+              <a:t>Placed at the top of a web page document</a:t>
+            </a:r>
           </a:p>
         </p:txBody>
       </p:sp>
@@ -22516,13 +20762,6 @@
   <p:clrMapOvr>
     <a:masterClrMapping/>
   </p:clrMapOvr>
-  <p:timing>
-    <p:tnLst>
-      <p:par>
-        <p:cTn id="1" dur="indefinite" restart="never" nodeType="tmRoot"/>
-      </p:par>
-    </p:tnLst>
-  </p:timing>
 </p:sld>
 </file>
 
@@ -22576,7 +20815,7 @@
               <a:defRPr/>
             </a:pPr>
             <a:r>
-              <a:rPr lang="en-US" kern="1200" spc="-50" dirty="0" smtClean="0">
+              <a:rPr lang="en-US" kern="1200" spc="-50" dirty="0">
                 <a:latin typeface="Times New Roman" panose="02020603050405020304" pitchFamily="18" charset="0"/>
                 <a:ea typeface="+mj-ea"/>
                 <a:cs typeface="+mj-cs"/>
@@ -22584,7 +20823,7 @@
               <a:t>D</a:t>
             </a:r>
             <a:r>
-              <a:rPr lang="en-US" sz="100" kern="1200" spc="-50" dirty="0" smtClean="0">
+              <a:rPr lang="en-US" sz="100" kern="1200" spc="-50" dirty="0">
                 <a:latin typeface="Times New Roman" panose="02020603050405020304" pitchFamily="18" charset="0"/>
                 <a:ea typeface="+mj-ea"/>
                 <a:cs typeface="+mj-cs"/>
@@ -22592,7 +20831,7 @@
               <a:t> </a:t>
             </a:r>
             <a:r>
-              <a:rPr lang="en-US" kern="1200" spc="-50" dirty="0" smtClean="0">
+              <a:rPr lang="en-US" kern="1200" spc="-50" dirty="0">
                 <a:latin typeface="Times New Roman" panose="02020603050405020304" pitchFamily="18" charset="0"/>
                 <a:ea typeface="+mj-ea"/>
                 <a:cs typeface="+mj-cs"/>
@@ -22600,7 +20839,7 @@
               <a:t>T</a:t>
             </a:r>
             <a:r>
-              <a:rPr lang="en-US" sz="100" kern="1200" spc="-50" dirty="0" smtClean="0">
+              <a:rPr lang="en-US" sz="100" kern="1200" spc="-50" dirty="0">
                 <a:latin typeface="Times New Roman" panose="02020603050405020304" pitchFamily="18" charset="0"/>
                 <a:ea typeface="+mj-ea"/>
                 <a:cs typeface="+mj-cs"/>
@@ -22608,18 +20847,13 @@
               <a:t> </a:t>
             </a:r>
             <a:r>
-              <a:rPr lang="en-US" kern="1200" spc="-50" dirty="0" smtClean="0">
+              <a:rPr lang="en-US" kern="1200" spc="-50" dirty="0">
                 <a:latin typeface="Times New Roman" panose="02020603050405020304" pitchFamily="18" charset="0"/>
                 <a:ea typeface="+mj-ea"/>
                 <a:cs typeface="+mj-cs"/>
               </a:rPr>
               <a:t>D Examples</a:t>
             </a:r>
-            <a:endParaRPr lang="en-US" kern="1200" spc="-50" dirty="0">
-              <a:latin typeface="Times New Roman" panose="02020603050405020304" pitchFamily="18" charset="0"/>
-              <a:ea typeface="+mj-ea"/>
-              <a:cs typeface="+mj-cs"/>
-            </a:endParaRPr>
           </a:p>
         </p:txBody>
       </p:sp>
@@ -22705,7 +20939,7 @@
               <a:defRPr/>
             </a:pPr>
             <a:r>
-              <a:rPr lang="en-US" kern="1200" spc="-50" dirty="0" smtClean="0">
+              <a:rPr lang="en-US" kern="1200" spc="-50" dirty="0">
                 <a:latin typeface="Times New Roman" panose="02020603050405020304" pitchFamily="18" charset="0"/>
                 <a:ea typeface="+mj-ea"/>
                 <a:cs typeface="+mj-cs"/>
@@ -22713,7 +20947,7 @@
               <a:t>Example H</a:t>
             </a:r>
             <a:r>
-              <a:rPr lang="en-US" sz="100" kern="1200" spc="-50" dirty="0" smtClean="0">
+              <a:rPr lang="en-US" sz="100" kern="1200" spc="-50" dirty="0">
                 <a:latin typeface="Times New Roman" panose="02020603050405020304" pitchFamily="18" charset="0"/>
                 <a:ea typeface="+mj-ea"/>
                 <a:cs typeface="+mj-cs"/>
@@ -22721,7 +20955,7 @@
               <a:t> </a:t>
             </a:r>
             <a:r>
-              <a:rPr lang="en-US" kern="1200" spc="-50" dirty="0" smtClean="0">
+              <a:rPr lang="en-US" kern="1200" spc="-50" dirty="0">
                 <a:latin typeface="Times New Roman" panose="02020603050405020304" pitchFamily="18" charset="0"/>
                 <a:ea typeface="+mj-ea"/>
                 <a:cs typeface="+mj-cs"/>
@@ -22729,7 +20963,7 @@
               <a:t>T</a:t>
             </a:r>
             <a:r>
-              <a:rPr lang="en-US" sz="100" kern="1200" spc="-50" dirty="0" smtClean="0">
+              <a:rPr lang="en-US" sz="100" kern="1200" spc="-50" dirty="0">
                 <a:latin typeface="Times New Roman" panose="02020603050405020304" pitchFamily="18" charset="0"/>
                 <a:ea typeface="+mj-ea"/>
                 <a:cs typeface="+mj-cs"/>
@@ -22737,7 +20971,7 @@
               <a:t> </a:t>
             </a:r>
             <a:r>
-              <a:rPr lang="en-US" kern="1200" spc="-50" dirty="0" smtClean="0">
+              <a:rPr lang="en-US" kern="1200" spc="-50" dirty="0">
                 <a:latin typeface="Times New Roman" panose="02020603050405020304" pitchFamily="18" charset="0"/>
                 <a:ea typeface="+mj-ea"/>
                 <a:cs typeface="+mj-cs"/>
@@ -22745,7 +20979,7 @@
               <a:t>M</a:t>
             </a:r>
             <a:r>
-              <a:rPr lang="en-US" sz="100" kern="1200" spc="-50" dirty="0" smtClean="0">
+              <a:rPr lang="en-US" sz="100" kern="1200" spc="-50" dirty="0">
                 <a:latin typeface="Times New Roman" panose="02020603050405020304" pitchFamily="18" charset="0"/>
                 <a:ea typeface="+mj-ea"/>
                 <a:cs typeface="+mj-cs"/>
@@ -22753,7 +20987,7 @@
               <a:t> </a:t>
             </a:r>
             <a:r>
-              <a:rPr lang="en-US" kern="1200" spc="-50" dirty="0" smtClean="0">
+              <a:rPr lang="en-US" kern="1200" spc="-50" dirty="0">
                 <a:latin typeface="Times New Roman" panose="02020603050405020304" pitchFamily="18" charset="0"/>
                 <a:ea typeface="+mj-ea"/>
                 <a:cs typeface="+mj-cs"/>
@@ -22761,7 +20995,7 @@
               <a:t>L</a:t>
             </a:r>
             <a:r>
-              <a:rPr lang="en-US" sz="100" kern="1200" spc="-50" dirty="0" smtClean="0">
+              <a:rPr lang="en-US" sz="100" kern="1200" spc="-50" dirty="0">
                 <a:latin typeface="Times New Roman" panose="02020603050405020304" pitchFamily="18" charset="0"/>
                 <a:ea typeface="+mj-ea"/>
                 <a:cs typeface="+mj-cs"/>
@@ -22769,18 +21003,13 @@
               <a:t> </a:t>
             </a:r>
             <a:r>
-              <a:rPr lang="en-US" kern="1200" spc="-50" dirty="0" smtClean="0">
+              <a:rPr lang="en-US" kern="1200" spc="-50" dirty="0">
                 <a:latin typeface="Times New Roman" panose="02020603050405020304" pitchFamily="18" charset="0"/>
                 <a:ea typeface="+mj-ea"/>
                 <a:cs typeface="+mj-cs"/>
               </a:rPr>
               <a:t>5 Web Page</a:t>
             </a:r>
-            <a:endParaRPr lang="en-US" kern="1200" spc="-50" dirty="0">
-              <a:latin typeface="Times New Roman" panose="02020603050405020304" pitchFamily="18" charset="0"/>
-              <a:ea typeface="+mj-ea"/>
-              <a:cs typeface="+mj-cs"/>
-            </a:endParaRPr>
           </a:p>
         </p:txBody>
       </p:sp>
@@ -22813,13 +21042,6 @@
   <p:clrMapOvr>
     <a:masterClrMapping/>
   </p:clrMapOvr>
-  <p:timing>
-    <p:tnLst>
-      <p:par>
-        <p:cTn id="1" dur="indefinite" restart="never" nodeType="tmRoot"/>
-      </p:par>
-    </p:tnLst>
-  </p:timing>
 </p:sld>
 </file>
 
